--- a/Explore Big Data using Simple Python Code and Cloud Environment_V8.pptx
+++ b/Explore Big Data using Simple Python Code and Cloud Environment_V8.pptx
@@ -5,49 +5,50 @@
     <p:sldMasterId id="2147483648" r:id="rId4"/>
   </p:sldMasterIdLst>
   <p:notesMasterIdLst>
-    <p:notesMasterId r:id="rId37"/>
+    <p:notesMasterId r:id="rId38"/>
   </p:notesMasterIdLst>
   <p:handoutMasterIdLst>
-    <p:handoutMasterId r:id="rId38"/>
+    <p:handoutMasterId r:id="rId39"/>
   </p:handoutMasterIdLst>
   <p:sldIdLst>
     <p:sldId id="620" r:id="rId5"/>
     <p:sldId id="623" r:id="rId6"/>
-    <p:sldId id="632" r:id="rId7"/>
-    <p:sldId id="635" r:id="rId8"/>
-    <p:sldId id="636" r:id="rId9"/>
-    <p:sldId id="637" r:id="rId10"/>
-    <p:sldId id="638" r:id="rId11"/>
+    <p:sldId id="653" r:id="rId7"/>
+    <p:sldId id="654" r:id="rId8"/>
+    <p:sldId id="651" r:id="rId9"/>
+    <p:sldId id="652" r:id="rId10"/>
+    <p:sldId id="655" r:id="rId11"/>
     <p:sldId id="562" r:id="rId12"/>
     <p:sldId id="563" r:id="rId13"/>
     <p:sldId id="585" r:id="rId14"/>
     <p:sldId id="586" r:id="rId15"/>
-    <p:sldId id="643" r:id="rId16"/>
-    <p:sldId id="629" r:id="rId17"/>
-    <p:sldId id="627" r:id="rId18"/>
-    <p:sldId id="628" r:id="rId19"/>
-    <p:sldId id="625" r:id="rId20"/>
-    <p:sldId id="599" r:id="rId21"/>
-    <p:sldId id="626" r:id="rId22"/>
-    <p:sldId id="644" r:id="rId23"/>
-    <p:sldId id="542" r:id="rId24"/>
-    <p:sldId id="622" r:id="rId25"/>
-    <p:sldId id="593" r:id="rId26"/>
-    <p:sldId id="634" r:id="rId27"/>
-    <p:sldId id="639" r:id="rId28"/>
-    <p:sldId id="640" r:id="rId29"/>
-    <p:sldId id="607" r:id="rId30"/>
-    <p:sldId id="616" r:id="rId31"/>
-    <p:sldId id="619" r:id="rId32"/>
-    <p:sldId id="647" r:id="rId33"/>
-    <p:sldId id="641" r:id="rId34"/>
-    <p:sldId id="645" r:id="rId35"/>
-    <p:sldId id="646" r:id="rId36"/>
+    <p:sldId id="629" r:id="rId16"/>
+    <p:sldId id="627" r:id="rId17"/>
+    <p:sldId id="628" r:id="rId18"/>
+    <p:sldId id="625" r:id="rId19"/>
+    <p:sldId id="599" r:id="rId20"/>
+    <p:sldId id="626" r:id="rId21"/>
+    <p:sldId id="644" r:id="rId22"/>
+    <p:sldId id="542" r:id="rId23"/>
+    <p:sldId id="593" r:id="rId24"/>
+    <p:sldId id="634" r:id="rId25"/>
+    <p:sldId id="639" r:id="rId26"/>
+    <p:sldId id="640" r:id="rId27"/>
+    <p:sldId id="607" r:id="rId28"/>
+    <p:sldId id="616" r:id="rId29"/>
+    <p:sldId id="619" r:id="rId30"/>
+    <p:sldId id="647" r:id="rId31"/>
+    <p:sldId id="641" r:id="rId32"/>
+    <p:sldId id="648" r:id="rId33"/>
+    <p:sldId id="649" r:id="rId34"/>
+    <p:sldId id="650" r:id="rId35"/>
+    <p:sldId id="645" r:id="rId36"/>
+    <p:sldId id="646" r:id="rId37"/>
   </p:sldIdLst>
   <p:sldSz cx="9144000" cy="5943600"/>
   <p:notesSz cx="6858000" cy="9144000"/>
   <p:custDataLst>
-    <p:tags r:id="rId39"/>
+    <p:tags r:id="rId40"/>
   </p:custDataLst>
   <p:defaultTextStyle>
     <a:defPPr>
@@ -323,7 +324,7 @@
             <a:fld id="{BD8FA3CA-5725-4BA7-A851-72A62AC5A8EE}" type="datetimeFigureOut">
               <a:rPr lang="en-CA" smtClean="0"/>
               <a:pPr/>
-              <a:t>03/10/2015</a:t>
+              <a:t>04/10/2015</a:t>
             </a:fld>
             <a:endParaRPr lang="en-CA" dirty="0"/>
           </a:p>
@@ -490,7 +491,7 @@
             <a:fld id="{C3B58700-9FA2-48CE-AC88-D71D45EB490A}" type="datetimeFigureOut">
               <a:rPr lang="en-US" smtClean="0"/>
               <a:pPr/>
-              <a:t>3/10/2015</a:t>
+              <a:t>4/10/2015</a:t>
             </a:fld>
             <a:endParaRPr lang="en-US" dirty="0"/>
           </a:p>
@@ -1531,7 +1532,7 @@
     </p:spTree>
     <p:extLst>
       <p:ext uri="{BB962C8B-B14F-4D97-AF65-F5344CB8AC3E}">
-        <p14:creationId xmlns:p14="http://schemas.microsoft.com/office/powerpoint/2010/main" val="4224405822"/>
+        <p14:creationId xmlns:p14="http://schemas.microsoft.com/office/powerpoint/2010/main" val="397069160"/>
       </p:ext>
     </p:extLst>
   </p:cSld>
@@ -1716,7 +1717,7 @@
     </p:spTree>
     <p:extLst>
       <p:ext uri="{BB962C8B-B14F-4D97-AF65-F5344CB8AC3E}">
-        <p14:creationId xmlns:p14="http://schemas.microsoft.com/office/powerpoint/2010/main" val="397069160"/>
+        <p14:creationId xmlns:p14="http://schemas.microsoft.com/office/powerpoint/2010/main" val="2075173102"/>
       </p:ext>
     </p:extLst>
   </p:cSld>
@@ -1901,7 +1902,7 @@
     </p:spTree>
     <p:extLst>
       <p:ext uri="{BB962C8B-B14F-4D97-AF65-F5344CB8AC3E}">
-        <p14:creationId xmlns:p14="http://schemas.microsoft.com/office/powerpoint/2010/main" val="2075173102"/>
+        <p14:creationId xmlns:p14="http://schemas.microsoft.com/office/powerpoint/2010/main" val="2502065433"/>
       </p:ext>
     </p:extLst>
   </p:cSld>
@@ -2086,7 +2087,7 @@
     </p:spTree>
     <p:extLst>
       <p:ext uri="{BB962C8B-B14F-4D97-AF65-F5344CB8AC3E}">
-        <p14:creationId xmlns:p14="http://schemas.microsoft.com/office/powerpoint/2010/main" val="2502065433"/>
+        <p14:creationId xmlns:p14="http://schemas.microsoft.com/office/powerpoint/2010/main" val="3834543893"/>
       </p:ext>
     </p:extLst>
   </p:cSld>
@@ -2271,7 +2272,7 @@
     </p:spTree>
     <p:extLst>
       <p:ext uri="{BB962C8B-B14F-4D97-AF65-F5344CB8AC3E}">
-        <p14:creationId xmlns:p14="http://schemas.microsoft.com/office/powerpoint/2010/main" val="3435445532"/>
+        <p14:creationId xmlns:p14="http://schemas.microsoft.com/office/powerpoint/2010/main" val="2927728592"/>
       </p:ext>
     </p:extLst>
   </p:cSld>
@@ -2456,7 +2457,7 @@
     </p:spTree>
     <p:extLst>
       <p:ext uri="{BB962C8B-B14F-4D97-AF65-F5344CB8AC3E}">
-        <p14:creationId xmlns:p14="http://schemas.microsoft.com/office/powerpoint/2010/main" val="3834543893"/>
+        <p14:creationId xmlns:p14="http://schemas.microsoft.com/office/powerpoint/2010/main" val="1429700779"/>
       </p:ext>
     </p:extLst>
   </p:cSld>
@@ -2641,7 +2642,7 @@
     </p:spTree>
     <p:extLst>
       <p:ext uri="{BB962C8B-B14F-4D97-AF65-F5344CB8AC3E}">
-        <p14:creationId xmlns:p14="http://schemas.microsoft.com/office/powerpoint/2010/main" val="2927728592"/>
+        <p14:creationId xmlns:p14="http://schemas.microsoft.com/office/powerpoint/2010/main" val="3413612060"/>
       </p:ext>
     </p:extLst>
   </p:cSld>
@@ -2826,7 +2827,7 @@
     </p:spTree>
     <p:extLst>
       <p:ext uri="{BB962C8B-B14F-4D97-AF65-F5344CB8AC3E}">
-        <p14:creationId xmlns:p14="http://schemas.microsoft.com/office/powerpoint/2010/main" val="1429700779"/>
+        <p14:creationId xmlns:p14="http://schemas.microsoft.com/office/powerpoint/2010/main" val="3967640123"/>
       </p:ext>
     </p:extLst>
   </p:cSld>
@@ -3011,7 +3012,7 @@
     </p:spTree>
     <p:extLst>
       <p:ext uri="{BB962C8B-B14F-4D97-AF65-F5344CB8AC3E}">
-        <p14:creationId xmlns:p14="http://schemas.microsoft.com/office/powerpoint/2010/main" val="3413612060"/>
+        <p14:creationId xmlns:p14="http://schemas.microsoft.com/office/powerpoint/2010/main" val="3976225040"/>
       </p:ext>
     </p:extLst>
   </p:cSld>
@@ -3196,7 +3197,7 @@
     </p:spTree>
     <p:extLst>
       <p:ext uri="{BB962C8B-B14F-4D97-AF65-F5344CB8AC3E}">
-        <p14:creationId xmlns:p14="http://schemas.microsoft.com/office/powerpoint/2010/main" val="3967640123"/>
+        <p14:creationId xmlns:p14="http://schemas.microsoft.com/office/powerpoint/2010/main" val="2112934702"/>
       </p:ext>
     </p:extLst>
   </p:cSld>
@@ -3978,7 +3979,7 @@
     </p:spTree>
     <p:extLst>
       <p:ext uri="{BB962C8B-B14F-4D97-AF65-F5344CB8AC3E}">
-        <p14:creationId xmlns:p14="http://schemas.microsoft.com/office/powerpoint/2010/main" val="3976225040"/>
+        <p14:creationId xmlns:p14="http://schemas.microsoft.com/office/powerpoint/2010/main" val="839928888"/>
       </p:ext>
     </p:extLst>
   </p:cSld>
@@ -4163,7 +4164,7 @@
     </p:spTree>
     <p:extLst>
       <p:ext uri="{BB962C8B-B14F-4D97-AF65-F5344CB8AC3E}">
-        <p14:creationId xmlns:p14="http://schemas.microsoft.com/office/powerpoint/2010/main" val="2112934702"/>
+        <p14:creationId xmlns:p14="http://schemas.microsoft.com/office/powerpoint/2010/main" val="196040600"/>
       </p:ext>
     </p:extLst>
   </p:cSld>
@@ -4348,7 +4349,7 @@
     </p:spTree>
     <p:extLst>
       <p:ext uri="{BB962C8B-B14F-4D97-AF65-F5344CB8AC3E}">
-        <p14:creationId xmlns:p14="http://schemas.microsoft.com/office/powerpoint/2010/main" val="839928888"/>
+        <p14:creationId xmlns:p14="http://schemas.microsoft.com/office/powerpoint/2010/main" val="2649250495"/>
       </p:ext>
     </p:extLst>
   </p:cSld>
@@ -4533,7 +4534,7 @@
     </p:spTree>
     <p:extLst>
       <p:ext uri="{BB962C8B-B14F-4D97-AF65-F5344CB8AC3E}">
-        <p14:creationId xmlns:p14="http://schemas.microsoft.com/office/powerpoint/2010/main" val="196040600"/>
+        <p14:creationId xmlns:p14="http://schemas.microsoft.com/office/powerpoint/2010/main" val="1806748885"/>
       </p:ext>
     </p:extLst>
   </p:cSld>
@@ -4718,7 +4719,7 @@
     </p:spTree>
     <p:extLst>
       <p:ext uri="{BB962C8B-B14F-4D97-AF65-F5344CB8AC3E}">
-        <p14:creationId xmlns:p14="http://schemas.microsoft.com/office/powerpoint/2010/main" val="682113845"/>
+        <p14:creationId xmlns:p14="http://schemas.microsoft.com/office/powerpoint/2010/main" val="2326780809"/>
       </p:ext>
     </p:extLst>
   </p:cSld>
@@ -4891,6 +4892,191 @@
               </a:rPr>
               <a:pPr/>
               <a:t>32</a:t>
+            </a:fld>
+            <a:endParaRPr lang="en-US" dirty="0">
+              <a:solidFill>
+                <a:prstClr val="black"/>
+              </a:solidFill>
+            </a:endParaRPr>
+          </a:p>
+        </p:txBody>
+      </p:sp>
+    </p:spTree>
+    <p:extLst>
+      <p:ext uri="{BB962C8B-B14F-4D97-AF65-F5344CB8AC3E}">
+        <p14:creationId xmlns:p14="http://schemas.microsoft.com/office/powerpoint/2010/main" val="682113845"/>
+      </p:ext>
+    </p:extLst>
+  </p:cSld>
+  <p:clrMapOvr>
+    <a:masterClrMapping/>
+  </p:clrMapOvr>
+</p:notes>
+</file>
+
+<file path=ppt/notesSlides/notesSlide26.xml><?xml version="1.0" encoding="utf-8"?>
+<p:notes xmlns:a="http://schemas.openxmlformats.org/drawingml/2006/main" xmlns:r="http://schemas.openxmlformats.org/officeDocument/2006/relationships" xmlns:p="http://schemas.openxmlformats.org/presentationml/2006/main">
+  <p:cSld>
+    <p:spTree>
+      <p:nvGrpSpPr>
+        <p:cNvPr id="1" name=""/>
+        <p:cNvGrpSpPr/>
+        <p:nvPr/>
+      </p:nvGrpSpPr>
+      <p:grpSpPr>
+        <a:xfrm>
+          <a:off x="0" y="0"/>
+          <a:ext cx="0" cy="0"/>
+          <a:chOff x="0" y="0"/>
+          <a:chExt cx="0" cy="0"/>
+        </a:xfrm>
+      </p:grpSpPr>
+      <p:sp>
+        <p:nvSpPr>
+          <p:cNvPr id="2" name="Slide Image Placeholder 1"/>
+          <p:cNvSpPr>
+            <a:spLocks noGrp="1" noRot="1" noChangeAspect="1"/>
+          </p:cNvSpPr>
+          <p:nvPr>
+            <p:ph type="sldImg"/>
+          </p:nvPr>
+        </p:nvSpPr>
+        <p:spPr>
+          <a:xfrm>
+            <a:off x="792163" y="685800"/>
+            <a:ext cx="5273675" cy="3429000"/>
+          </a:xfrm>
+        </p:spPr>
+      </p:sp>
+      <p:sp>
+        <p:nvSpPr>
+          <p:cNvPr id="3" name="Notes Placeholder 2"/>
+          <p:cNvSpPr>
+            <a:spLocks noGrp="1"/>
+          </p:cNvSpPr>
+          <p:nvPr>
+            <p:ph type="body" idx="1"/>
+          </p:nvPr>
+        </p:nvSpPr>
+        <p:spPr/>
+        <p:txBody>
+          <a:bodyPr/>
+          <a:lstStyle/>
+          <a:p>
+            <a:pPr marL="0" marR="0" indent="0" algn="l" defTabSz="914400" rtl="0" eaLnBrk="1" fontAlgn="auto" latinLnBrk="0" hangingPunct="1">
+              <a:lnSpc>
+                <a:spcPct val="100000"/>
+              </a:lnSpc>
+              <a:spcBef>
+                <a:spcPts val="0"/>
+              </a:spcBef>
+              <a:spcAft>
+                <a:spcPts val="0"/>
+              </a:spcAft>
+              <a:buClrTx/>
+              <a:buSzTx/>
+              <a:buFontTx/>
+              <a:buNone/>
+              <a:tabLst/>
+              <a:defRPr/>
+            </a:pPr>
+            <a:r>
+              <a:rPr lang="en-US" sz="1200" b="1" dirty="0" smtClean="0"/>
+              <a:t>Narrative:</a:t>
+            </a:r>
+          </a:p>
+          <a:p>
+            <a:pPr marL="0" marR="0" indent="0" algn="l" defTabSz="914400" rtl="0" eaLnBrk="1" fontAlgn="auto" latinLnBrk="0" hangingPunct="1">
+              <a:lnSpc>
+                <a:spcPct val="100000"/>
+              </a:lnSpc>
+              <a:spcBef>
+                <a:spcPts val="0"/>
+              </a:spcBef>
+              <a:spcAft>
+                <a:spcPts val="0"/>
+              </a:spcAft>
+              <a:buClrTx/>
+              <a:buSzTx/>
+              <a:buFontTx/>
+              <a:buNone/>
+              <a:tabLst/>
+              <a:defRPr/>
+            </a:pPr>
+            <a:r>
+              <a:rPr lang="en-US" sz="1200" u="none" kern="1200" dirty="0" smtClean="0">
+                <a:solidFill>
+                  <a:schemeClr val="tx1"/>
+                </a:solidFill>
+                <a:latin typeface="+mn-lt"/>
+                <a:ea typeface="+mn-ea"/>
+                <a:cs typeface="+mn-cs"/>
+              </a:rPr>
+              <a:t>Here are some examples of the</a:t>
+            </a:r>
+            <a:r>
+              <a:rPr lang="en-US" sz="1200" u="none" kern="1200" baseline="0" dirty="0" smtClean="0">
+                <a:solidFill>
+                  <a:schemeClr val="tx1"/>
+                </a:solidFill>
+                <a:latin typeface="+mn-lt"/>
+                <a:ea typeface="+mn-ea"/>
+                <a:cs typeface="+mn-cs"/>
+              </a:rPr>
+              <a:t> use of analytics from Big Data</a:t>
+            </a:r>
+            <a:r>
+              <a:rPr lang="en-US" sz="1200" u="none" kern="1200" dirty="0" smtClean="0">
+                <a:solidFill>
+                  <a:schemeClr val="tx1"/>
+                </a:solidFill>
+                <a:latin typeface="+mn-lt"/>
+                <a:ea typeface="+mn-ea"/>
+                <a:cs typeface="+mn-cs"/>
+              </a:rPr>
+              <a:t>. </a:t>
+            </a:r>
+            <a:r>
+              <a:rPr lang="en-US" sz="1200" b="0" u="none" kern="1200" baseline="0" dirty="0" smtClean="0">
+                <a:solidFill>
+                  <a:schemeClr val="tx1"/>
+                </a:solidFill>
+                <a:latin typeface="+mn-lt"/>
+                <a:ea typeface="+mn-ea"/>
+                <a:cs typeface="+mn-cs"/>
+              </a:rPr>
+              <a:t>Read and make yourself familiar with the information provided.</a:t>
+            </a:r>
+            <a:endParaRPr lang="en-US" b="0" u="none" dirty="0" smtClean="0"/>
+          </a:p>
+          <a:p>
+            <a:endParaRPr lang="en-US" baseline="0" dirty="0" smtClean="0"/>
+          </a:p>
+        </p:txBody>
+      </p:sp>
+      <p:sp>
+        <p:nvSpPr>
+          <p:cNvPr id="4" name="Slide Number Placeholder 3"/>
+          <p:cNvSpPr>
+            <a:spLocks noGrp="1"/>
+          </p:cNvSpPr>
+          <p:nvPr>
+            <p:ph type="sldNum" sz="quarter" idx="10"/>
+          </p:nvPr>
+        </p:nvSpPr>
+        <p:spPr/>
+        <p:txBody>
+          <a:bodyPr/>
+          <a:lstStyle/>
+          <a:p>
+            <a:fld id="{FE9BC4E5-2BC1-4F43-85DD-A1B8F74CB7EB}" type="slidenum">
+              <a:rPr lang="en-US" smtClean="0">
+                <a:solidFill>
+                  <a:prstClr val="black"/>
+                </a:solidFill>
+              </a:rPr>
+              <a:pPr/>
+              <a:t>33</a:t>
             </a:fld>
             <a:endParaRPr lang="en-US" dirty="0">
               <a:solidFill>
@@ -6282,7 +6468,7 @@
     </p:spTree>
     <p:extLst>
       <p:ext uri="{BB962C8B-B14F-4D97-AF65-F5344CB8AC3E}">
-        <p14:creationId xmlns:p14="http://schemas.microsoft.com/office/powerpoint/2010/main" val="1197318575"/>
+        <p14:creationId xmlns:p14="http://schemas.microsoft.com/office/powerpoint/2010/main" val="2666086472"/>
       </p:ext>
     </p:extLst>
   </p:cSld>
@@ -6467,7 +6653,7 @@
     </p:spTree>
     <p:extLst>
       <p:ext uri="{BB962C8B-B14F-4D97-AF65-F5344CB8AC3E}">
-        <p14:creationId xmlns:p14="http://schemas.microsoft.com/office/powerpoint/2010/main" val="2666086472"/>
+        <p14:creationId xmlns:p14="http://schemas.microsoft.com/office/powerpoint/2010/main" val="4043276557"/>
       </p:ext>
     </p:extLst>
   </p:cSld>
@@ -6652,7 +6838,7 @@
     </p:spTree>
     <p:extLst>
       <p:ext uri="{BB962C8B-B14F-4D97-AF65-F5344CB8AC3E}">
-        <p14:creationId xmlns:p14="http://schemas.microsoft.com/office/powerpoint/2010/main" val="4043276557"/>
+        <p14:creationId xmlns:p14="http://schemas.microsoft.com/office/powerpoint/2010/main" val="208963578"/>
       </p:ext>
     </p:extLst>
   </p:cSld>
@@ -6837,7 +7023,7 @@
     </p:spTree>
     <p:extLst>
       <p:ext uri="{BB962C8B-B14F-4D97-AF65-F5344CB8AC3E}">
-        <p14:creationId xmlns:p14="http://schemas.microsoft.com/office/powerpoint/2010/main" val="208963578"/>
+        <p14:creationId xmlns:p14="http://schemas.microsoft.com/office/powerpoint/2010/main" val="2689165349"/>
       </p:ext>
     </p:extLst>
   </p:cSld>
@@ -7022,7 +7208,7 @@
     </p:spTree>
     <p:extLst>
       <p:ext uri="{BB962C8B-B14F-4D97-AF65-F5344CB8AC3E}">
-        <p14:creationId xmlns:p14="http://schemas.microsoft.com/office/powerpoint/2010/main" val="2689165349"/>
+        <p14:creationId xmlns:p14="http://schemas.microsoft.com/office/powerpoint/2010/main" val="4224405822"/>
       </p:ext>
     </p:extLst>
   </p:cSld>
@@ -9143,7 +9329,6 @@
               <a:rPr lang="en-US" b="1" dirty="0" smtClean="0"/>
               <a:t>				</a:t>
             </a:r>
-            <a:endParaRPr lang="en-US" b="1" dirty="0" smtClean="0"/>
           </a:p>
           <a:p>
             <a:r>
@@ -9283,21 +9468,8 @@
             </a:pPr>
             <a:r>
               <a:rPr lang="en-US" dirty="0" smtClean="0"/>
-              <a:t>In both the cases : Expensive Infrastructure, takes more </a:t>
-            </a:r>
-            <a:r>
-              <a:rPr lang="en-US" dirty="0" smtClean="0"/>
-              <a:t>time </a:t>
-            </a:r>
-            <a:r>
-              <a:rPr lang="en-US" dirty="0" smtClean="0"/>
-              <a:t>to provide the </a:t>
-            </a:r>
-            <a:r>
-              <a:rPr lang="en-US" dirty="0" smtClean="0"/>
-              <a:t>solution.</a:t>
-            </a:r>
-            <a:endParaRPr lang="en-US" dirty="0" smtClean="0"/>
+              <a:t>In both the cases : Expensive Infrastructure, takes more time to provide the solution.</a:t>
+            </a:r>
           </a:p>
           <a:p>
             <a:endParaRPr lang="en-US" sz="1400" dirty="0"/>
@@ -9559,7 +9731,7 @@
           <a:p>
             <a:r>
               <a:rPr lang="en-CA" sz="2000" dirty="0" smtClean="0"/>
-              <a:t>HDFS – Hadoop Distributed File System</a:t>
+              <a:t>Hadoop Map reduce </a:t>
             </a:r>
             <a:endParaRPr lang="en-US" sz="2000" dirty="0">
               <a:solidFill>
@@ -9574,10 +9746,8 @@
       </p:sp>
       <p:pic>
         <p:nvPicPr>
-          <p:cNvPr id="6" name="Content Placeholder 3"/>
-          <p:cNvPicPr>
-            <a:picLocks noChangeAspect="1"/>
-          </p:cNvPicPr>
+          <p:cNvPr id="5" name="Picture 4"/>
+          <p:cNvPicPr/>
           <p:nvPr/>
         </p:nvPicPr>
         <p:blipFill>
@@ -9588,40 +9758,40 @@
               </a:ext>
             </a:extLst>
           </a:blip>
+          <a:srcRect/>
           <a:stretch>
             <a:fillRect/>
           </a:stretch>
         </p:blipFill>
-        <p:spPr>
+        <p:spPr bwMode="auto">
           <a:xfrm>
-            <a:off x="705725" y="1584357"/>
-            <a:ext cx="7369966" cy="3621386"/>
+            <a:off x="761259" y="1426045"/>
+            <a:ext cx="7685623" cy="3870231"/>
           </a:xfrm>
           <a:prstGeom prst="rect">
             <a:avLst/>
           </a:prstGeom>
-          <a:ln w="22225">
-            <a:solidFill>
-              <a:schemeClr val="accent1"/>
-            </a:solidFill>
+          <a:noFill/>
+          <a:ln>
+            <a:noFill/>
           </a:ln>
         </p:spPr>
       </p:pic>
     </p:spTree>
     <p:extLst>
       <p:ext uri="{BB962C8B-B14F-4D97-AF65-F5344CB8AC3E}">
-        <p14:creationId xmlns:p14="http://schemas.microsoft.com/office/powerpoint/2010/main" val="4268801810"/>
+        <p14:creationId xmlns:p14="http://schemas.microsoft.com/office/powerpoint/2010/main" val="74449417"/>
       </p:ext>
     </p:extLst>
   </p:cSld>
   <p:clrMapOvr>
     <a:masterClrMapping/>
   </p:clrMapOvr>
-  <mc:AlternateContent xmlns:mc="http://schemas.openxmlformats.org/markup-compatibility/2006">
-    <mc:Choice xmlns:p14="http://schemas.microsoft.com/office/powerpoint/2010/main" Requires="p14">
+  <mc:AlternateContent xmlns:mc="http://schemas.openxmlformats.org/markup-compatibility/2006" xmlns:p14="http://schemas.microsoft.com/office/powerpoint/2010/main">
+    <mc:Choice Requires="p14">
       <p:transition p14:dur="0"/>
     </mc:Choice>
-    <mc:Fallback>
+    <mc:Fallback xmlns="">
       <p:transition/>
     </mc:Fallback>
   </mc:AlternateContent>
@@ -9676,7 +9846,7 @@
           <a:p>
             <a:r>
               <a:rPr lang="en-CA" sz="2000" dirty="0" smtClean="0"/>
-              <a:t>Hadoop Map reduce </a:t>
+              <a:t>Hadoop Streaming</a:t>
             </a:r>
             <a:endParaRPr lang="en-US" sz="2000" dirty="0">
               <a:solidFill>
@@ -9689,54 +9859,76 @@
           </a:p>
         </p:txBody>
       </p:sp>
-      <p:pic>
-        <p:nvPicPr>
-          <p:cNvPr id="5" name="Picture 4"/>
-          <p:cNvPicPr/>
+      <p:sp>
+        <p:nvSpPr>
+          <p:cNvPr id="2" name="TextBox 1"/>
+          <p:cNvSpPr txBox="1"/>
           <p:nvPr/>
-        </p:nvPicPr>
-        <p:blipFill>
-          <a:blip r:embed="rId3">
-            <a:extLst>
-              <a:ext uri="{28A0092B-C50C-407E-A947-70E740481C1C}">
-                <a14:useLocalDpi xmlns:a14="http://schemas.microsoft.com/office/drawing/2010/main" val="0"/>
-              </a:ext>
-            </a:extLst>
-          </a:blip>
-          <a:srcRect/>
-          <a:stretch>
-            <a:fillRect/>
-          </a:stretch>
-        </p:blipFill>
-        <p:spPr bwMode="auto">
+        </p:nvSpPr>
+        <p:spPr>
           <a:xfrm>
-            <a:off x="761259" y="1426045"/>
-            <a:ext cx="7685623" cy="3870231"/>
+            <a:off x="887240" y="1403287"/>
+            <a:ext cx="7779106" cy="958660"/>
           </a:xfrm>
           <a:prstGeom prst="rect">
             <a:avLst/>
           </a:prstGeom>
           <a:noFill/>
-          <a:ln>
-            <a:noFill/>
-          </a:ln>
         </p:spPr>
-      </p:pic>
+        <p:txBody>
+          <a:bodyPr wrap="square" rtlCol="0">
+            <a:spAutoFit/>
+          </a:bodyPr>
+          <a:lstStyle/>
+          <a:p>
+            <a:pPr marL="285750" indent="-285750">
+              <a:lnSpc>
+                <a:spcPct val="150000"/>
+              </a:lnSpc>
+              <a:buFont typeface="Arial" panose="020B0604020202020204" pitchFamily="34" charset="0"/>
+              <a:buChar char="•"/>
+            </a:pPr>
+            <a:r>
+              <a:rPr lang="en-IN" sz="2000" dirty="0" smtClean="0"/>
+              <a:t>API for Non Java </a:t>
+            </a:r>
+            <a:endParaRPr lang="en-IN" sz="2000" dirty="0" smtClean="0"/>
+          </a:p>
+          <a:p>
+            <a:pPr marL="285750" indent="-285750">
+              <a:lnSpc>
+                <a:spcPct val="150000"/>
+              </a:lnSpc>
+              <a:buFont typeface="Arial" panose="020B0604020202020204" pitchFamily="34" charset="0"/>
+              <a:buChar char="•"/>
+            </a:pPr>
+            <a:r>
+              <a:rPr lang="en-IN" sz="2000" dirty="0" smtClean="0"/>
+              <a:t>Unix </a:t>
+            </a:r>
+            <a:r>
+              <a:rPr lang="en-IN" sz="2000" dirty="0" smtClean="0"/>
+              <a:t>Standard Input and Output Streams as Interface</a:t>
+            </a:r>
+            <a:endParaRPr lang="en-IN" sz="2000" dirty="0"/>
+          </a:p>
+        </p:txBody>
+      </p:sp>
     </p:spTree>
     <p:extLst>
       <p:ext uri="{BB962C8B-B14F-4D97-AF65-F5344CB8AC3E}">
-        <p14:creationId xmlns:p14="http://schemas.microsoft.com/office/powerpoint/2010/main" val="74449417"/>
+        <p14:creationId xmlns:p14="http://schemas.microsoft.com/office/powerpoint/2010/main" val="2703747746"/>
       </p:ext>
     </p:extLst>
   </p:cSld>
   <p:clrMapOvr>
     <a:masterClrMapping/>
   </p:clrMapOvr>
-  <mc:AlternateContent xmlns:mc="http://schemas.openxmlformats.org/markup-compatibility/2006">
-    <mc:Choice xmlns:p14="http://schemas.microsoft.com/office/powerpoint/2010/main" Requires="p14">
+  <mc:AlternateContent xmlns:mc="http://schemas.openxmlformats.org/markup-compatibility/2006" xmlns:p14="http://schemas.microsoft.com/office/powerpoint/2010/main">
+    <mc:Choice Requires="p14">
       <p:transition p14:dur="0"/>
     </mc:Choice>
-    <mc:Fallback>
+    <mc:Fallback xmlns="">
       <p:transition/>
     </mc:Fallback>
   </mc:AlternateContent>
@@ -9791,138 +9983,6 @@
           <a:p>
             <a:r>
               <a:rPr lang="en-CA" sz="2000" dirty="0" smtClean="0"/>
-              <a:t>Hadoop Streaming</a:t>
-            </a:r>
-            <a:endParaRPr lang="en-US" sz="2000" dirty="0">
-              <a:solidFill>
-                <a:schemeClr val="tx1">
-                  <a:lumMod val="95000"/>
-                  <a:lumOff val="5000"/>
-                </a:schemeClr>
-              </a:solidFill>
-            </a:endParaRPr>
-          </a:p>
-        </p:txBody>
-      </p:sp>
-      <p:sp>
-        <p:nvSpPr>
-          <p:cNvPr id="2" name="TextBox 1"/>
-          <p:cNvSpPr txBox="1"/>
-          <p:nvPr/>
-        </p:nvSpPr>
-        <p:spPr>
-          <a:xfrm>
-            <a:off x="887240" y="1403287"/>
-            <a:ext cx="7779106" cy="1015663"/>
-          </a:xfrm>
-          <a:prstGeom prst="rect">
-            <a:avLst/>
-          </a:prstGeom>
-          <a:noFill/>
-        </p:spPr>
-        <p:txBody>
-          <a:bodyPr wrap="square" rtlCol="0">
-            <a:spAutoFit/>
-          </a:bodyPr>
-          <a:lstStyle/>
-          <a:p>
-            <a:pPr marL="285750" indent="-285750">
-              <a:lnSpc>
-                <a:spcPct val="150000"/>
-              </a:lnSpc>
-              <a:buFont typeface="Arial" panose="020B0604020202020204" pitchFamily="34" charset="0"/>
-              <a:buChar char="•"/>
-            </a:pPr>
-            <a:r>
-              <a:rPr lang="en-IN" sz="2000" dirty="0" smtClean="0"/>
-              <a:t>API for Non Java  - Mainly Python and Ruby</a:t>
-            </a:r>
-          </a:p>
-          <a:p>
-            <a:pPr marL="285750" indent="-285750">
-              <a:lnSpc>
-                <a:spcPct val="150000"/>
-              </a:lnSpc>
-              <a:buFont typeface="Arial" panose="020B0604020202020204" pitchFamily="34" charset="0"/>
-              <a:buChar char="•"/>
-            </a:pPr>
-            <a:r>
-              <a:rPr lang="en-IN" sz="2000" dirty="0" smtClean="0"/>
-              <a:t>Unix Standard Input and Output Streams as Interface</a:t>
-            </a:r>
-            <a:endParaRPr lang="en-IN" sz="2000" dirty="0"/>
-          </a:p>
-        </p:txBody>
-      </p:sp>
-    </p:spTree>
-    <p:extLst>
-      <p:ext uri="{BB962C8B-B14F-4D97-AF65-F5344CB8AC3E}">
-        <p14:creationId xmlns:p14="http://schemas.microsoft.com/office/powerpoint/2010/main" val="2703747746"/>
-      </p:ext>
-    </p:extLst>
-  </p:cSld>
-  <p:clrMapOvr>
-    <a:masterClrMapping/>
-  </p:clrMapOvr>
-  <mc:AlternateContent xmlns:mc="http://schemas.openxmlformats.org/markup-compatibility/2006" xmlns:p14="http://schemas.microsoft.com/office/powerpoint/2010/main">
-    <mc:Choice Requires="p14">
-      <p:transition p14:dur="0"/>
-    </mc:Choice>
-    <mc:Fallback xmlns="">
-      <p:transition/>
-    </mc:Fallback>
-  </mc:AlternateContent>
-  <p:timing>
-    <p:tnLst>
-      <p:par>
-        <p:cTn id="1" dur="indefinite" restart="never" nodeType="tmRoot"/>
-      </p:par>
-    </p:tnLst>
-  </p:timing>
-</p:sld>
-</file>
-
-<file path=ppt/slides/slide15.xml><?xml version="1.0" encoding="utf-8"?>
-<p:sld xmlns:a="http://schemas.openxmlformats.org/drawingml/2006/main" xmlns:r="http://schemas.openxmlformats.org/officeDocument/2006/relationships" xmlns:p="http://schemas.openxmlformats.org/presentationml/2006/main">
-  <p:cSld>
-    <p:spTree>
-      <p:nvGrpSpPr>
-        <p:cNvPr id="1" name=""/>
-        <p:cNvGrpSpPr/>
-        <p:nvPr/>
-      </p:nvGrpSpPr>
-      <p:grpSpPr>
-        <a:xfrm>
-          <a:off x="0" y="0"/>
-          <a:ext cx="0" cy="0"/>
-          <a:chOff x="0" y="0"/>
-          <a:chExt cx="0" cy="0"/>
-        </a:xfrm>
-      </p:grpSpPr>
-      <p:sp>
-        <p:nvSpPr>
-          <p:cNvPr id="4" name="Title 3"/>
-          <p:cNvSpPr>
-            <a:spLocks noGrp="1"/>
-          </p:cNvSpPr>
-          <p:nvPr>
-            <p:ph type="title"/>
-          </p:nvPr>
-        </p:nvSpPr>
-        <p:spPr>
-          <a:xfrm>
-            <a:off x="461085" y="409577"/>
-            <a:ext cx="8205261" cy="418700"/>
-          </a:xfrm>
-        </p:spPr>
-        <p:txBody>
-          <a:bodyPr>
-            <a:normAutofit/>
-          </a:bodyPr>
-          <a:lstStyle/>
-          <a:p>
-            <a:r>
-              <a:rPr lang="en-CA" sz="2000" dirty="0" smtClean="0"/>
               <a:t>Mapper Code</a:t>
             </a:r>
             <a:endParaRPr lang="en-US" sz="2000" dirty="0">
@@ -9975,13 +10035,21 @@
           </a:p>
           <a:p>
             <a:r>
-              <a:rPr lang="en-US" sz="1200" dirty="0"/>
+              <a:rPr lang="en-US" sz="1200" dirty="0">
+                <a:solidFill>
+                  <a:schemeClr val="accent1"/>
+                </a:solidFill>
+              </a:rPr>
               <a:t>en 2015_NHL_Entry_Draft 283 14861605</a:t>
             </a:r>
           </a:p>
           <a:p>
             <a:r>
-              <a:rPr lang="en-US" sz="1200" dirty="0"/>
+              <a:rPr lang="en-US" sz="1200" dirty="0">
+                <a:solidFill>
+                  <a:schemeClr val="accent1"/>
+                </a:solidFill>
+              </a:rPr>
               <a:t>en Woody_Allen 134 12735915</a:t>
             </a:r>
           </a:p>
@@ -9993,7 +10061,11 @@
           </a:p>
           <a:p>
             <a:r>
-              <a:rPr lang="en-US" sz="1200" dirty="0"/>
+              <a:rPr lang="en-US" sz="1200" dirty="0">
+                <a:solidFill>
+                  <a:schemeClr val="accent1"/>
+                </a:solidFill>
+              </a:rPr>
               <a:t>en ZIP_code  171 6605535</a:t>
             </a:r>
           </a:p>
@@ -10307,7 +10379,7 @@
 </p:sld>
 </file>
 
-<file path=ppt/slides/slide16.xml><?xml version="1.0" encoding="utf-8"?>
+<file path=ppt/slides/slide15.xml><?xml version="1.0" encoding="utf-8"?>
 <p:sld xmlns:a="http://schemas.openxmlformats.org/drawingml/2006/main" xmlns:r="http://schemas.openxmlformats.org/officeDocument/2006/relationships" xmlns:p="http://schemas.openxmlformats.org/presentationml/2006/main">
   <p:cSld>
     <p:spTree>
@@ -10837,7 +10909,7 @@
 </p:sld>
 </file>
 
-<file path=ppt/slides/slide17.xml><?xml version="1.0" encoding="utf-8"?>
+<file path=ppt/slides/slide16.xml><?xml version="1.0" encoding="utf-8"?>
 <p:sld xmlns:a="http://schemas.openxmlformats.org/drawingml/2006/main" xmlns:r="http://schemas.openxmlformats.org/officeDocument/2006/relationships" xmlns:p="http://schemas.openxmlformats.org/presentationml/2006/main">
   <p:cSld>
     <p:spTree>
@@ -11291,7 +11363,7 @@
 </p:sld>
 </file>
 
-<file path=ppt/slides/slide18.xml><?xml version="1.0" encoding="utf-8"?>
+<file path=ppt/slides/slide17.xml><?xml version="1.0" encoding="utf-8"?>
 <p:sld xmlns:a="http://schemas.openxmlformats.org/drawingml/2006/main" xmlns:r="http://schemas.openxmlformats.org/officeDocument/2006/relationships" xmlns:p="http://schemas.openxmlformats.org/presentationml/2006/main">
   <p:cSld>
     <p:spTree>
@@ -11376,13 +11448,8 @@
             </a:pPr>
             <a:r>
               <a:rPr lang="en-IN" sz="2000" dirty="0" smtClean="0"/>
-              <a:t>Creates and Configure Hadoop </a:t>
-            </a:r>
-            <a:r>
-              <a:rPr lang="en-IN" sz="2000" dirty="0" smtClean="0"/>
-              <a:t>Cluster in Amazon Cloud </a:t>
-            </a:r>
-            <a:endParaRPr lang="en-IN" sz="2000" dirty="0" smtClean="0"/>
+              <a:t>Creates and Configure Hadoop Cluster in Amazon Cloud </a:t>
+            </a:r>
           </a:p>
           <a:p>
             <a:pPr marL="285750" indent="-285750">
@@ -11462,7 +11529,7 @@
 </p:sld>
 </file>
 
-<file path=ppt/slides/slide19.xml><?xml version="1.0" encoding="utf-8"?>
+<file path=ppt/slides/slide18.xml><?xml version="1.0" encoding="utf-8"?>
 <p:sld xmlns:a="http://schemas.openxmlformats.org/drawingml/2006/main" xmlns:r="http://schemas.openxmlformats.org/officeDocument/2006/relationships" xmlns:p="http://schemas.openxmlformats.org/presentationml/2006/main">
   <p:cSld>
     <p:spTree>
@@ -11503,11 +11570,7 @@
           <a:p>
             <a:r>
               <a:rPr lang="en-CA" sz="2000" dirty="0" smtClean="0"/>
-              <a:t>Amazon </a:t>
-            </a:r>
-            <a:r>
-              <a:rPr lang="en-CA" sz="2000" dirty="0" smtClean="0"/>
-              <a:t>EMR Contd.. </a:t>
+              <a:t>Amazon EMR Contd.. </a:t>
             </a:r>
             <a:endParaRPr lang="en-US" sz="2000" dirty="0">
               <a:solidFill>
@@ -11562,11 +11625,184 @@
   <p:clrMapOvr>
     <a:masterClrMapping/>
   </p:clrMapOvr>
-  <mc:AlternateContent xmlns:mc="http://schemas.openxmlformats.org/markup-compatibility/2006">
-    <mc:Choice xmlns:p14="http://schemas.microsoft.com/office/powerpoint/2010/main" Requires="p14">
+  <mc:AlternateContent xmlns:mc="http://schemas.openxmlformats.org/markup-compatibility/2006" xmlns:p14="http://schemas.microsoft.com/office/powerpoint/2010/main">
+    <mc:Choice Requires="p14">
       <p:transition p14:dur="0"/>
     </mc:Choice>
-    <mc:Fallback>
+    <mc:Fallback xmlns="">
+      <p:transition/>
+    </mc:Fallback>
+  </mc:AlternateContent>
+  <p:timing>
+    <p:tnLst>
+      <p:par>
+        <p:cTn id="1" dur="indefinite" restart="never" nodeType="tmRoot"/>
+      </p:par>
+    </p:tnLst>
+  </p:timing>
+</p:sld>
+</file>
+
+<file path=ppt/slides/slide19.xml><?xml version="1.0" encoding="utf-8"?>
+<p:sld xmlns:a="http://schemas.openxmlformats.org/drawingml/2006/main" xmlns:r="http://schemas.openxmlformats.org/officeDocument/2006/relationships" xmlns:p="http://schemas.openxmlformats.org/presentationml/2006/main">
+  <p:cSld>
+    <p:spTree>
+      <p:nvGrpSpPr>
+        <p:cNvPr id="1" name=""/>
+        <p:cNvGrpSpPr/>
+        <p:nvPr/>
+      </p:nvGrpSpPr>
+      <p:grpSpPr>
+        <a:xfrm>
+          <a:off x="0" y="0"/>
+          <a:ext cx="0" cy="0"/>
+          <a:chOff x="0" y="0"/>
+          <a:chExt cx="0" cy="0"/>
+        </a:xfrm>
+      </p:grpSpPr>
+      <p:sp>
+        <p:nvSpPr>
+          <p:cNvPr id="4" name="Title 3"/>
+          <p:cNvSpPr>
+            <a:spLocks noGrp="1"/>
+          </p:cNvSpPr>
+          <p:nvPr>
+            <p:ph type="title"/>
+          </p:nvPr>
+        </p:nvSpPr>
+        <p:spPr>
+          <a:xfrm>
+            <a:off x="461085" y="409577"/>
+            <a:ext cx="8205261" cy="418700"/>
+          </a:xfrm>
+        </p:spPr>
+        <p:txBody>
+          <a:bodyPr>
+            <a:normAutofit/>
+          </a:bodyPr>
+          <a:lstStyle/>
+          <a:p>
+            <a:r>
+              <a:rPr lang="en-CA" sz="2000" dirty="0" smtClean="0"/>
+              <a:t>Demo</a:t>
+            </a:r>
+            <a:endParaRPr lang="en-US" sz="2000" dirty="0">
+              <a:solidFill>
+                <a:schemeClr val="tx1">
+                  <a:lumMod val="95000"/>
+                  <a:lumOff val="5000"/>
+                </a:schemeClr>
+              </a:solidFill>
+            </a:endParaRPr>
+          </a:p>
+        </p:txBody>
+      </p:sp>
+      <p:sp>
+        <p:nvSpPr>
+          <p:cNvPr id="2" name="TextBox 1"/>
+          <p:cNvSpPr txBox="1"/>
+          <p:nvPr/>
+        </p:nvSpPr>
+        <p:spPr>
+          <a:xfrm>
+            <a:off x="887240" y="1403287"/>
+            <a:ext cx="7779106" cy="2677656"/>
+          </a:xfrm>
+          <a:prstGeom prst="rect">
+            <a:avLst/>
+          </a:prstGeom>
+          <a:noFill/>
+        </p:spPr>
+        <p:txBody>
+          <a:bodyPr wrap="square" rtlCol="0">
+            <a:spAutoFit/>
+          </a:bodyPr>
+          <a:lstStyle/>
+          <a:p>
+            <a:pPr marL="285750" indent="-285750">
+              <a:lnSpc>
+                <a:spcPct val="150000"/>
+              </a:lnSpc>
+              <a:buFont typeface="Arial" panose="020B0604020202020204" pitchFamily="34" charset="0"/>
+              <a:buChar char="•"/>
+            </a:pPr>
+            <a:r>
+              <a:rPr lang="en-IN" sz="2000" dirty="0" smtClean="0"/>
+              <a:t>Extract Data from Wikipedia</a:t>
+            </a:r>
+          </a:p>
+          <a:p>
+            <a:pPr marL="285750" indent="-285750">
+              <a:lnSpc>
+                <a:spcPct val="150000"/>
+              </a:lnSpc>
+              <a:buFont typeface="Arial" panose="020B0604020202020204" pitchFamily="34" charset="0"/>
+              <a:buChar char="•"/>
+            </a:pPr>
+            <a:r>
+              <a:rPr lang="en-IN" sz="2000" dirty="0" smtClean="0"/>
+              <a:t>Create Hadoop Cluster in Amazon EMR</a:t>
+            </a:r>
+          </a:p>
+          <a:p>
+            <a:pPr marL="285750" indent="-285750">
+              <a:lnSpc>
+                <a:spcPct val="150000"/>
+              </a:lnSpc>
+              <a:buFont typeface="Arial" panose="020B0604020202020204" pitchFamily="34" charset="0"/>
+              <a:buChar char="•"/>
+            </a:pPr>
+            <a:r>
+              <a:rPr lang="en-IN" sz="2000" dirty="0" smtClean="0"/>
+              <a:t>Execute the Map Reducer Job</a:t>
+            </a:r>
+          </a:p>
+          <a:p>
+            <a:pPr marL="285750" indent="-285750">
+              <a:lnSpc>
+                <a:spcPct val="150000"/>
+              </a:lnSpc>
+              <a:buFont typeface="Arial" panose="020B0604020202020204" pitchFamily="34" charset="0"/>
+              <a:buChar char="•"/>
+            </a:pPr>
+            <a:r>
+              <a:rPr lang="en-IN" sz="2000" dirty="0" smtClean="0"/>
+              <a:t>Job Monitoring </a:t>
+            </a:r>
+          </a:p>
+          <a:p>
+            <a:pPr marL="285750" indent="-285750">
+              <a:lnSpc>
+                <a:spcPct val="150000"/>
+              </a:lnSpc>
+              <a:buFont typeface="Arial" panose="020B0604020202020204" pitchFamily="34" charset="0"/>
+              <a:buChar char="•"/>
+            </a:pPr>
+            <a:r>
+              <a:rPr lang="en-IN" sz="2000" dirty="0" smtClean="0"/>
+              <a:t>Output</a:t>
+            </a:r>
+          </a:p>
+          <a:p>
+            <a:endParaRPr lang="en-IN" dirty="0"/>
+          </a:p>
+        </p:txBody>
+      </p:sp>
+    </p:spTree>
+    <p:extLst>
+      <p:ext uri="{BB962C8B-B14F-4D97-AF65-F5344CB8AC3E}">
+        <p14:creationId xmlns:p14="http://schemas.microsoft.com/office/powerpoint/2010/main" val="4218137103"/>
+      </p:ext>
+    </p:extLst>
+  </p:cSld>
+  <p:clrMapOvr>
+    <a:masterClrMapping/>
+  </p:clrMapOvr>
+  <mc:AlternateContent xmlns:mc="http://schemas.openxmlformats.org/markup-compatibility/2006" xmlns:p14="http://schemas.microsoft.com/office/powerpoint/2010/main">
+    <mc:Choice Requires="p14">
+      <p:transition p14:dur="0"/>
+    </mc:Choice>
+    <mc:Fallback xmlns="">
       <p:transition/>
     </mc:Fallback>
   </mc:AlternateContent>
@@ -11635,7 +11871,7 @@
         <p:spPr>
           <a:xfrm>
             <a:off x="941561" y="1267485"/>
-            <a:ext cx="7661361" cy="4247317"/>
+            <a:ext cx="7661361" cy="3785652"/>
           </a:xfrm>
           <a:prstGeom prst="rect">
             <a:avLst/>
@@ -11661,9 +11897,6 @@
               </a:rPr>
               <a:t>Problem Statement </a:t>
             </a:r>
-            <a:endParaRPr lang="en-US" sz="2000" dirty="0" smtClean="0">
-              <a:latin typeface="Calibri" panose="020F0502020204030204" pitchFamily="34" charset="0"/>
-            </a:endParaRPr>
           </a:p>
           <a:p>
             <a:pPr marL="285750" indent="-285750">
@@ -11677,13 +11910,7 @@
               <a:rPr lang="en-US" sz="2000" dirty="0" smtClean="0">
                 <a:latin typeface="Calibri" panose="020F0502020204030204" pitchFamily="34" charset="0"/>
               </a:rPr>
-              <a:t>How </a:t>
-            </a:r>
-            <a:r>
-              <a:rPr lang="en-US" sz="2000" dirty="0" smtClean="0">
-                <a:latin typeface="Calibri" panose="020F0502020204030204" pitchFamily="34" charset="0"/>
-              </a:rPr>
-              <a:t>Traditional Process works</a:t>
+              <a:t>How Traditional Process works</a:t>
             </a:r>
           </a:p>
           <a:p>
@@ -11746,7 +11973,7 @@
               <a:rPr lang="en-US" sz="2000" dirty="0" smtClean="0">
                 <a:latin typeface="Calibri" panose="020F0502020204030204" pitchFamily="34" charset="0"/>
               </a:rPr>
-              <a:t>Amazon EMR  - Further Abstraction</a:t>
+              <a:t>Amazon EMR  - Further Abstraction </a:t>
             </a:r>
           </a:p>
           <a:p>
@@ -11776,32 +12003,8 @@
               <a:rPr lang="en-US" sz="2000" dirty="0" smtClean="0">
                 <a:latin typeface="Calibri" panose="020F0502020204030204" pitchFamily="34" charset="0"/>
               </a:rPr>
-              <a:t>Map Reduce Design </a:t>
-            </a:r>
-            <a:r>
-              <a:rPr lang="en-US" sz="2000" dirty="0" smtClean="0">
-                <a:latin typeface="Calibri" panose="020F0502020204030204" pitchFamily="34" charset="0"/>
-              </a:rPr>
-              <a:t>Patterns</a:t>
-            </a:r>
-          </a:p>
-          <a:p>
-            <a:pPr marL="285750" indent="-285750">
-              <a:lnSpc>
-                <a:spcPct val="150000"/>
-              </a:lnSpc>
-              <a:buFont typeface="Arial" panose="020B0604020202020204" pitchFamily="34" charset="0"/>
-              <a:buChar char="•"/>
-            </a:pPr>
-            <a:r>
-              <a:rPr lang="en-US" sz="2000" dirty="0" smtClean="0">
-                <a:latin typeface="Calibri" panose="020F0502020204030204" pitchFamily="34" charset="0"/>
-              </a:rPr>
               <a:t>Interesting Insights on Data </a:t>
             </a:r>
-            <a:endParaRPr lang="en-US" sz="2000" dirty="0" smtClean="0">
-              <a:latin typeface="Calibri" panose="020F0502020204030204" pitchFamily="34" charset="0"/>
-            </a:endParaRPr>
           </a:p>
         </p:txBody>
       </p:sp>
@@ -11866,7 +12069,7 @@
           <a:p>
             <a:r>
               <a:rPr lang="en-CA" sz="2000" dirty="0" smtClean="0"/>
-              <a:t>Demo</a:t>
+              <a:t>Simpson’s Paradox </a:t>
             </a:r>
             <a:endParaRPr lang="en-US" sz="2000" dirty="0">
               <a:solidFill>
@@ -11879,106 +12082,145 @@
           </a:p>
         </p:txBody>
       </p:sp>
+      <p:pic>
+        <p:nvPicPr>
+          <p:cNvPr id="5" name="Picture 4"/>
+          <p:cNvPicPr>
+            <a:picLocks noChangeAspect="1"/>
+          </p:cNvPicPr>
+          <p:nvPr/>
+        </p:nvPicPr>
+        <p:blipFill>
+          <a:blip r:embed="rId3"/>
+          <a:stretch>
+            <a:fillRect/>
+          </a:stretch>
+        </p:blipFill>
+        <p:spPr>
+          <a:xfrm>
+            <a:off x="1293317" y="2933186"/>
+            <a:ext cx="6076203" cy="2788467"/>
+          </a:xfrm>
+          <a:prstGeom prst="rect">
+            <a:avLst/>
+          </a:prstGeom>
+        </p:spPr>
+      </p:pic>
       <p:sp>
         <p:nvSpPr>
-          <p:cNvPr id="2" name="TextBox 1"/>
-          <p:cNvSpPr txBox="1"/>
+          <p:cNvPr id="8" name="Rectangle 7"/>
+          <p:cNvSpPr/>
           <p:nvPr/>
         </p:nvSpPr>
         <p:spPr>
           <a:xfrm>
-            <a:off x="887240" y="1403287"/>
-            <a:ext cx="7779106" cy="2677656"/>
+            <a:off x="461085" y="1154445"/>
+            <a:ext cx="7886210" cy="707886"/>
           </a:xfrm>
           <a:prstGeom prst="rect">
             <a:avLst/>
           </a:prstGeom>
-          <a:noFill/>
+          <a:ln w="12700">
+            <a:solidFill>
+              <a:schemeClr val="accent1"/>
+            </a:solidFill>
+          </a:ln>
         </p:spPr>
         <p:txBody>
-          <a:bodyPr wrap="square" rtlCol="0">
+          <a:bodyPr wrap="square">
             <a:spAutoFit/>
           </a:bodyPr>
           <a:lstStyle/>
           <a:p>
-            <a:pPr marL="285750" indent="-285750">
-              <a:lnSpc>
-                <a:spcPct val="150000"/>
-              </a:lnSpc>
-              <a:buFont typeface="Arial" panose="020B0604020202020204" pitchFamily="34" charset="0"/>
-              <a:buChar char="•"/>
-            </a:pPr>
-            <a:r>
-              <a:rPr lang="en-IN" sz="2000" dirty="0" smtClean="0"/>
-              <a:t>Extract Data from Wikipedia</a:t>
-            </a:r>
-          </a:p>
-          <a:p>
-            <a:pPr marL="285750" indent="-285750">
-              <a:lnSpc>
-                <a:spcPct val="150000"/>
-              </a:lnSpc>
-              <a:buFont typeface="Arial" panose="020B0604020202020204" pitchFamily="34" charset="0"/>
-              <a:buChar char="•"/>
-            </a:pPr>
-            <a:r>
-              <a:rPr lang="en-IN" sz="2000" dirty="0" smtClean="0"/>
-              <a:t>Create Hadoop Cluster in Amazon EMR</a:t>
-            </a:r>
-          </a:p>
-          <a:p>
-            <a:pPr marL="285750" indent="-285750">
-              <a:lnSpc>
-                <a:spcPct val="150000"/>
-              </a:lnSpc>
-              <a:buFont typeface="Arial" panose="020B0604020202020204" pitchFamily="34" charset="0"/>
-              <a:buChar char="•"/>
-            </a:pPr>
-            <a:r>
-              <a:rPr lang="en-IN" sz="2000" dirty="0" smtClean="0"/>
-              <a:t>Execute the Map Reducer Job</a:t>
-            </a:r>
-            <a:endParaRPr lang="en-IN" sz="2000" dirty="0" smtClean="0"/>
-          </a:p>
-          <a:p>
-            <a:pPr marL="285750" indent="-285750">
-              <a:lnSpc>
-                <a:spcPct val="150000"/>
-              </a:lnSpc>
-              <a:buFont typeface="Arial" panose="020B0604020202020204" pitchFamily="34" charset="0"/>
-              <a:buChar char="•"/>
-            </a:pPr>
-            <a:r>
-              <a:rPr lang="en-IN" sz="2000" dirty="0" smtClean="0"/>
-              <a:t>Job </a:t>
-            </a:r>
-            <a:r>
-              <a:rPr lang="en-IN" sz="2000" dirty="0" smtClean="0"/>
-              <a:t>Monitoring </a:t>
-            </a:r>
-          </a:p>
-          <a:p>
-            <a:pPr marL="285750" indent="-285750">
-              <a:lnSpc>
-                <a:spcPct val="150000"/>
-              </a:lnSpc>
-              <a:buFont typeface="Arial" panose="020B0604020202020204" pitchFamily="34" charset="0"/>
-              <a:buChar char="•"/>
-            </a:pPr>
-            <a:r>
-              <a:rPr lang="en-IN" sz="2000" dirty="0" smtClean="0"/>
-              <a:t>Output</a:t>
-            </a:r>
-          </a:p>
-          <a:p>
-            <a:endParaRPr lang="en-IN" dirty="0"/>
+            <a:r>
+              <a:rPr lang="en-IN" sz="2000" dirty="0" smtClean="0">
+                <a:latin typeface="Calibri" panose="020F0502020204030204" pitchFamily="34" charset="0"/>
+              </a:rPr>
+              <a:t>A </a:t>
+            </a:r>
+            <a:r>
+              <a:rPr lang="en-IN" sz="2000" dirty="0">
+                <a:latin typeface="Calibri" panose="020F0502020204030204" pitchFamily="34" charset="0"/>
+              </a:rPr>
+              <a:t>trend that appears in different groups of data disappears or reverses when these groups are </a:t>
+            </a:r>
+            <a:r>
+              <a:rPr lang="en-IN" sz="2000" dirty="0" smtClean="0">
+                <a:latin typeface="Calibri" panose="020F0502020204030204" pitchFamily="34" charset="0"/>
+              </a:rPr>
+              <a:t>combined</a:t>
+            </a:r>
+            <a:endParaRPr lang="en-IN" sz="2000" dirty="0">
+              <a:latin typeface="Calibri" panose="020F0502020204030204" pitchFamily="34" charset="0"/>
+            </a:endParaRPr>
+          </a:p>
+        </p:txBody>
+      </p:sp>
+      <p:sp>
+        <p:nvSpPr>
+          <p:cNvPr id="2" name="Rectangle 1"/>
+          <p:cNvSpPr/>
+          <p:nvPr/>
+        </p:nvSpPr>
+        <p:spPr>
+          <a:xfrm>
+            <a:off x="461085" y="2126944"/>
+            <a:ext cx="7183924" cy="707886"/>
+          </a:xfrm>
+          <a:prstGeom prst="rect">
+            <a:avLst/>
+          </a:prstGeom>
+          <a:ln w="12700">
+            <a:solidFill>
+              <a:schemeClr val="accent1"/>
+            </a:solidFill>
+          </a:ln>
+        </p:spPr>
+        <p:txBody>
+          <a:bodyPr wrap="square">
+            <a:spAutoFit/>
+          </a:bodyPr>
+          <a:lstStyle/>
+          <a:p>
+            <a:r>
+              <a:rPr lang="en-US" sz="2000" dirty="0">
+                <a:latin typeface="Calibri" panose="020F0502020204030204" pitchFamily="34" charset="0"/>
+              </a:rPr>
+              <a:t>Statistics are like alienists  </a:t>
+            </a:r>
+            <a:r>
+              <a:rPr lang="en-US" sz="2000">
+                <a:latin typeface="Calibri" panose="020F0502020204030204" pitchFamily="34" charset="0"/>
+              </a:rPr>
+              <a:t>- </a:t>
+            </a:r>
+            <a:r>
+              <a:rPr lang="en-US" sz="2000" smtClean="0">
+                <a:latin typeface="Calibri" panose="020F0502020204030204" pitchFamily="34" charset="0"/>
+              </a:rPr>
+              <a:t>They </a:t>
+            </a:r>
+            <a:r>
+              <a:rPr lang="en-US" sz="2000" dirty="0">
+                <a:latin typeface="Calibri" panose="020F0502020204030204" pitchFamily="34" charset="0"/>
+              </a:rPr>
+              <a:t>will testify for either side </a:t>
+            </a:r>
+          </a:p>
+          <a:p>
+            <a:r>
+              <a:rPr lang="en-US" sz="2000" dirty="0">
+                <a:latin typeface="Calibri" panose="020F0502020204030204" pitchFamily="34" charset="0"/>
+              </a:rPr>
+              <a:t>					-- Fiorella La Gaurdia</a:t>
+            </a:r>
           </a:p>
         </p:txBody>
       </p:sp>
     </p:spTree>
     <p:extLst>
       <p:ext uri="{BB962C8B-B14F-4D97-AF65-F5344CB8AC3E}">
-        <p14:creationId xmlns:p14="http://schemas.microsoft.com/office/powerpoint/2010/main" val="4218137103"/>
+        <p14:creationId xmlns:p14="http://schemas.microsoft.com/office/powerpoint/2010/main" val="2251010100"/>
       </p:ext>
     </p:extLst>
   </p:cSld>
@@ -12044,7 +12286,7 @@
           <a:p>
             <a:r>
               <a:rPr lang="en-CA" sz="2000" dirty="0" smtClean="0"/>
-              <a:t>MapReduce Design Patterns</a:t>
+              <a:t>Another Community Driven Big Dataset</a:t>
             </a:r>
             <a:endParaRPr lang="en-US" sz="2000" dirty="0">
               <a:solidFill>
@@ -12057,6 +12299,30 @@
           </a:p>
         </p:txBody>
       </p:sp>
+      <p:pic>
+        <p:nvPicPr>
+          <p:cNvPr id="3" name="Picture 2"/>
+          <p:cNvPicPr>
+            <a:picLocks noChangeAspect="1"/>
+          </p:cNvPicPr>
+          <p:nvPr/>
+        </p:nvPicPr>
+        <p:blipFill>
+          <a:blip r:embed="rId3"/>
+          <a:stretch>
+            <a:fillRect/>
+          </a:stretch>
+        </p:blipFill>
+        <p:spPr>
+          <a:xfrm>
+            <a:off x="297308" y="1549701"/>
+            <a:ext cx="8532814" cy="4242658"/>
+          </a:xfrm>
+          <a:prstGeom prst="rect">
+            <a:avLst/>
+          </a:prstGeom>
+        </p:spPr>
+      </p:pic>
       <p:sp>
         <p:nvSpPr>
           <p:cNvPr id="2" name="TextBox 1"/>
@@ -12065,13 +12331,18 @@
         </p:nvSpPr>
         <p:spPr>
           <a:xfrm>
-            <a:off x="887240" y="1403287"/>
-            <a:ext cx="7779106" cy="1754326"/>
+            <a:off x="841972" y="1131683"/>
+            <a:ext cx="6129196" cy="369332"/>
           </a:xfrm>
           <a:prstGeom prst="rect">
             <a:avLst/>
           </a:prstGeom>
           <a:noFill/>
+          <a:ln w="15875">
+            <a:solidFill>
+              <a:schemeClr val="accent1"/>
+            </a:solidFill>
+          </a:ln>
         </p:spPr>
         <p:txBody>
           <a:bodyPr wrap="square" rtlCol="0">
@@ -12079,53 +12350,18 @@
           </a:bodyPr>
           <a:lstStyle/>
           <a:p>
-            <a:pPr marL="285750" indent="-285750">
-              <a:lnSpc>
-                <a:spcPct val="150000"/>
-              </a:lnSpc>
-              <a:buFont typeface="Arial" panose="020B0604020202020204" pitchFamily="34" charset="0"/>
-              <a:buChar char="•"/>
-            </a:pPr>
-            <a:r>
-              <a:rPr lang="en-IN" sz="2000" dirty="0" smtClean="0"/>
-              <a:t>Summarization </a:t>
-            </a:r>
-          </a:p>
-          <a:p>
-            <a:pPr marL="285750" indent="-285750">
-              <a:lnSpc>
-                <a:spcPct val="150000"/>
-              </a:lnSpc>
-              <a:buFont typeface="Arial" panose="020B0604020202020204" pitchFamily="34" charset="0"/>
-              <a:buChar char="•"/>
-            </a:pPr>
-            <a:r>
-              <a:rPr lang="en-IN" sz="2000" dirty="0" smtClean="0"/>
-              <a:t>Filtering</a:t>
-            </a:r>
-          </a:p>
-          <a:p>
-            <a:pPr marL="285750" indent="-285750">
-              <a:lnSpc>
-                <a:spcPct val="150000"/>
-              </a:lnSpc>
-              <a:buFont typeface="Arial" panose="020B0604020202020204" pitchFamily="34" charset="0"/>
-              <a:buChar char="•"/>
-            </a:pPr>
-            <a:r>
-              <a:rPr lang="en-IN" sz="2000" dirty="0" smtClean="0"/>
-              <a:t>Structural Patterns</a:t>
-            </a:r>
-          </a:p>
-          <a:p>
-            <a:endParaRPr lang="en-IN" dirty="0"/>
+            <a:r>
+              <a:rPr lang="en-US" dirty="0" smtClean="0"/>
+              <a:t>Indiarailinfo.com</a:t>
+            </a:r>
+            <a:endParaRPr lang="en-US" dirty="0"/>
           </a:p>
         </p:txBody>
       </p:sp>
     </p:spTree>
     <p:extLst>
       <p:ext uri="{BB962C8B-B14F-4D97-AF65-F5344CB8AC3E}">
-        <p14:creationId xmlns:p14="http://schemas.microsoft.com/office/powerpoint/2010/main" val="3282961780"/>
+        <p14:creationId xmlns:p14="http://schemas.microsoft.com/office/powerpoint/2010/main" val="1634560322"/>
       </p:ext>
     </p:extLst>
   </p:cSld>
@@ -12191,319 +12427,6 @@
           <a:p>
             <a:r>
               <a:rPr lang="en-CA" sz="2000" dirty="0" smtClean="0"/>
-              <a:t>Simpson’s Paradox </a:t>
-            </a:r>
-            <a:endParaRPr lang="en-US" sz="2000" dirty="0">
-              <a:solidFill>
-                <a:schemeClr val="tx1">
-                  <a:lumMod val="95000"/>
-                  <a:lumOff val="5000"/>
-                </a:schemeClr>
-              </a:solidFill>
-            </a:endParaRPr>
-          </a:p>
-        </p:txBody>
-      </p:sp>
-      <p:pic>
-        <p:nvPicPr>
-          <p:cNvPr id="5" name="Picture 4"/>
-          <p:cNvPicPr>
-            <a:picLocks noChangeAspect="1"/>
-          </p:cNvPicPr>
-          <p:nvPr/>
-        </p:nvPicPr>
-        <p:blipFill>
-          <a:blip r:embed="rId3"/>
-          <a:stretch>
-            <a:fillRect/>
-          </a:stretch>
-        </p:blipFill>
-        <p:spPr>
-          <a:xfrm>
-            <a:off x="1293317" y="2933186"/>
-            <a:ext cx="6076203" cy="2788467"/>
-          </a:xfrm>
-          <a:prstGeom prst="rect">
-            <a:avLst/>
-          </a:prstGeom>
-        </p:spPr>
-      </p:pic>
-      <p:sp>
-        <p:nvSpPr>
-          <p:cNvPr id="8" name="Rectangle 7"/>
-          <p:cNvSpPr/>
-          <p:nvPr/>
-        </p:nvSpPr>
-        <p:spPr>
-          <a:xfrm>
-            <a:off x="461085" y="1154445"/>
-            <a:ext cx="7886210" cy="707886"/>
-          </a:xfrm>
-          <a:prstGeom prst="rect">
-            <a:avLst/>
-          </a:prstGeom>
-          <a:ln w="12700">
-            <a:solidFill>
-              <a:schemeClr val="accent1"/>
-            </a:solidFill>
-          </a:ln>
-        </p:spPr>
-        <p:txBody>
-          <a:bodyPr wrap="square">
-            <a:spAutoFit/>
-          </a:bodyPr>
-          <a:lstStyle/>
-          <a:p>
-            <a:r>
-              <a:rPr lang="en-IN" sz="2000" dirty="0" smtClean="0">
-                <a:latin typeface="Calibri" panose="020F0502020204030204" pitchFamily="34" charset="0"/>
-              </a:rPr>
-              <a:t>A </a:t>
-            </a:r>
-            <a:r>
-              <a:rPr lang="en-IN" sz="2000" dirty="0">
-                <a:latin typeface="Calibri" panose="020F0502020204030204" pitchFamily="34" charset="0"/>
-              </a:rPr>
-              <a:t>trend that appears in different groups of data disappears or reverses when these groups are </a:t>
-            </a:r>
-            <a:r>
-              <a:rPr lang="en-IN" sz="2000" dirty="0" smtClean="0">
-                <a:latin typeface="Calibri" panose="020F0502020204030204" pitchFamily="34" charset="0"/>
-              </a:rPr>
-              <a:t>combined</a:t>
-            </a:r>
-            <a:endParaRPr lang="en-IN" sz="2000" dirty="0">
-              <a:latin typeface="Calibri" panose="020F0502020204030204" pitchFamily="34" charset="0"/>
-            </a:endParaRPr>
-          </a:p>
-        </p:txBody>
-      </p:sp>
-      <p:sp>
-        <p:nvSpPr>
-          <p:cNvPr id="2" name="Rectangle 1"/>
-          <p:cNvSpPr/>
-          <p:nvPr/>
-        </p:nvSpPr>
-        <p:spPr>
-          <a:xfrm>
-            <a:off x="461085" y="2126944"/>
-            <a:ext cx="7183924" cy="707886"/>
-          </a:xfrm>
-          <a:prstGeom prst="rect">
-            <a:avLst/>
-          </a:prstGeom>
-          <a:ln w="12700">
-            <a:solidFill>
-              <a:schemeClr val="accent1"/>
-            </a:solidFill>
-          </a:ln>
-        </p:spPr>
-        <p:txBody>
-          <a:bodyPr wrap="square">
-            <a:spAutoFit/>
-          </a:bodyPr>
-          <a:lstStyle/>
-          <a:p>
-            <a:r>
-              <a:rPr lang="en-US" sz="2000" dirty="0">
-                <a:latin typeface="Calibri" panose="020F0502020204030204" pitchFamily="34" charset="0"/>
-              </a:rPr>
-              <a:t>Statistics are like alienists  - they will testify for either side </a:t>
-            </a:r>
-          </a:p>
-          <a:p>
-            <a:r>
-              <a:rPr lang="en-US" sz="2000" dirty="0">
-                <a:latin typeface="Calibri" panose="020F0502020204030204" pitchFamily="34" charset="0"/>
-              </a:rPr>
-              <a:t>					-- Fiorella La Gaurdia</a:t>
-            </a:r>
-          </a:p>
-        </p:txBody>
-      </p:sp>
-    </p:spTree>
-    <p:extLst>
-      <p:ext uri="{BB962C8B-B14F-4D97-AF65-F5344CB8AC3E}">
-        <p14:creationId xmlns:p14="http://schemas.microsoft.com/office/powerpoint/2010/main" val="2251010100"/>
-      </p:ext>
-    </p:extLst>
-  </p:cSld>
-  <p:clrMapOvr>
-    <a:masterClrMapping/>
-  </p:clrMapOvr>
-  <mc:AlternateContent xmlns:mc="http://schemas.openxmlformats.org/markup-compatibility/2006" xmlns:p14="http://schemas.microsoft.com/office/powerpoint/2010/main">
-    <mc:Choice Requires="p14">
-      <p:transition p14:dur="0"/>
-    </mc:Choice>
-    <mc:Fallback xmlns="">
-      <p:transition/>
-    </mc:Fallback>
-  </mc:AlternateContent>
-  <p:timing>
-    <p:tnLst>
-      <p:par>
-        <p:cTn id="1" dur="indefinite" restart="never" nodeType="tmRoot"/>
-      </p:par>
-    </p:tnLst>
-  </p:timing>
-</p:sld>
-</file>
-
-<file path=ppt/slides/slide23.xml><?xml version="1.0" encoding="utf-8"?>
-<p:sld xmlns:a="http://schemas.openxmlformats.org/drawingml/2006/main" xmlns:r="http://schemas.openxmlformats.org/officeDocument/2006/relationships" xmlns:p="http://schemas.openxmlformats.org/presentationml/2006/main">
-  <p:cSld>
-    <p:spTree>
-      <p:nvGrpSpPr>
-        <p:cNvPr id="1" name=""/>
-        <p:cNvGrpSpPr/>
-        <p:nvPr/>
-      </p:nvGrpSpPr>
-      <p:grpSpPr>
-        <a:xfrm>
-          <a:off x="0" y="0"/>
-          <a:ext cx="0" cy="0"/>
-          <a:chOff x="0" y="0"/>
-          <a:chExt cx="0" cy="0"/>
-        </a:xfrm>
-      </p:grpSpPr>
-      <p:sp>
-        <p:nvSpPr>
-          <p:cNvPr id="4" name="Title 3"/>
-          <p:cNvSpPr>
-            <a:spLocks noGrp="1"/>
-          </p:cNvSpPr>
-          <p:nvPr>
-            <p:ph type="title"/>
-          </p:nvPr>
-        </p:nvSpPr>
-        <p:spPr>
-          <a:xfrm>
-            <a:off x="461085" y="409577"/>
-            <a:ext cx="8205261" cy="418700"/>
-          </a:xfrm>
-        </p:spPr>
-        <p:txBody>
-          <a:bodyPr>
-            <a:normAutofit/>
-          </a:bodyPr>
-          <a:lstStyle/>
-          <a:p>
-            <a:r>
-              <a:rPr lang="en-CA" sz="2000" dirty="0" smtClean="0"/>
-              <a:t>Another </a:t>
-            </a:r>
-            <a:r>
-              <a:rPr lang="en-CA" sz="2000" dirty="0"/>
-              <a:t>Amazing </a:t>
-            </a:r>
-            <a:r>
-              <a:rPr lang="en-CA" sz="2000" dirty="0" smtClean="0"/>
-              <a:t>Community Driven Big Dataset</a:t>
-            </a:r>
-            <a:endParaRPr lang="en-US" sz="2000" dirty="0">
-              <a:solidFill>
-                <a:schemeClr val="tx1">
-                  <a:lumMod val="95000"/>
-                  <a:lumOff val="5000"/>
-                </a:schemeClr>
-              </a:solidFill>
-            </a:endParaRPr>
-          </a:p>
-        </p:txBody>
-      </p:sp>
-      <p:pic>
-        <p:nvPicPr>
-          <p:cNvPr id="3" name="Picture 2"/>
-          <p:cNvPicPr>
-            <a:picLocks noChangeAspect="1"/>
-          </p:cNvPicPr>
-          <p:nvPr/>
-        </p:nvPicPr>
-        <p:blipFill>
-          <a:blip r:embed="rId3"/>
-          <a:stretch>
-            <a:fillRect/>
-          </a:stretch>
-        </p:blipFill>
-        <p:spPr>
-          <a:xfrm>
-            <a:off x="393903" y="1334277"/>
-            <a:ext cx="8532814" cy="4242658"/>
-          </a:xfrm>
-          <a:prstGeom prst="rect">
-            <a:avLst/>
-          </a:prstGeom>
-        </p:spPr>
-      </p:pic>
-    </p:spTree>
-    <p:extLst>
-      <p:ext uri="{BB962C8B-B14F-4D97-AF65-F5344CB8AC3E}">
-        <p14:creationId xmlns:p14="http://schemas.microsoft.com/office/powerpoint/2010/main" val="1634560322"/>
-      </p:ext>
-    </p:extLst>
-  </p:cSld>
-  <p:clrMapOvr>
-    <a:masterClrMapping/>
-  </p:clrMapOvr>
-  <mc:AlternateContent xmlns:mc="http://schemas.openxmlformats.org/markup-compatibility/2006">
-    <mc:Choice xmlns:p14="http://schemas.microsoft.com/office/powerpoint/2010/main" Requires="p14">
-      <p:transition p14:dur="0"/>
-    </mc:Choice>
-    <mc:Fallback>
-      <p:transition/>
-    </mc:Fallback>
-  </mc:AlternateContent>
-  <p:timing>
-    <p:tnLst>
-      <p:par>
-        <p:cTn id="1" dur="indefinite" restart="never" nodeType="tmRoot"/>
-      </p:par>
-    </p:tnLst>
-  </p:timing>
-</p:sld>
-</file>
-
-<file path=ppt/slides/slide24.xml><?xml version="1.0" encoding="utf-8"?>
-<p:sld xmlns:a="http://schemas.openxmlformats.org/drawingml/2006/main" xmlns:r="http://schemas.openxmlformats.org/officeDocument/2006/relationships" xmlns:p="http://schemas.openxmlformats.org/presentationml/2006/main">
-  <p:cSld>
-    <p:spTree>
-      <p:nvGrpSpPr>
-        <p:cNvPr id="1" name=""/>
-        <p:cNvGrpSpPr/>
-        <p:nvPr/>
-      </p:nvGrpSpPr>
-      <p:grpSpPr>
-        <a:xfrm>
-          <a:off x="0" y="0"/>
-          <a:ext cx="0" cy="0"/>
-          <a:chOff x="0" y="0"/>
-          <a:chExt cx="0" cy="0"/>
-        </a:xfrm>
-      </p:grpSpPr>
-      <p:sp>
-        <p:nvSpPr>
-          <p:cNvPr id="4" name="Title 3"/>
-          <p:cNvSpPr>
-            <a:spLocks noGrp="1"/>
-          </p:cNvSpPr>
-          <p:nvPr>
-            <p:ph type="title"/>
-          </p:nvPr>
-        </p:nvSpPr>
-        <p:spPr>
-          <a:xfrm>
-            <a:off x="461085" y="409577"/>
-            <a:ext cx="8205261" cy="418700"/>
-          </a:xfrm>
-        </p:spPr>
-        <p:txBody>
-          <a:bodyPr>
-            <a:normAutofit/>
-          </a:bodyPr>
-          <a:lstStyle/>
-          <a:p>
-            <a:r>
-              <a:rPr lang="en-CA" sz="2000" dirty="0" smtClean="0"/>
               <a:t>Commercial Travel Aggregator</a:t>
             </a:r>
             <a:endParaRPr lang="en-US" sz="2000" dirty="0">
@@ -12591,11 +12514,11 @@
   <p:clrMapOvr>
     <a:masterClrMapping/>
   </p:clrMapOvr>
-  <mc:AlternateContent xmlns:mc="http://schemas.openxmlformats.org/markup-compatibility/2006">
-    <mc:Choice xmlns:p14="http://schemas.microsoft.com/office/powerpoint/2010/main" Requires="p14">
+  <mc:AlternateContent xmlns:mc="http://schemas.openxmlformats.org/markup-compatibility/2006" xmlns:p14="http://schemas.microsoft.com/office/powerpoint/2010/main">
+    <mc:Choice Requires="p14">
       <p:transition p14:dur="0"/>
     </mc:Choice>
-    <mc:Fallback>
+    <mc:Fallback xmlns="">
       <p:transition/>
     </mc:Fallback>
   </mc:AlternateContent>
@@ -12609,7 +12532,7 @@
 </p:sld>
 </file>
 
-<file path=ppt/slides/slide25.xml><?xml version="1.0" encoding="utf-8"?>
+<file path=ppt/slides/slide23.xml><?xml version="1.0" encoding="utf-8"?>
 <p:sld xmlns:a="http://schemas.openxmlformats.org/drawingml/2006/main" xmlns:r="http://schemas.openxmlformats.org/officeDocument/2006/relationships" xmlns:p="http://schemas.openxmlformats.org/presentationml/2006/main">
   <p:cSld>
     <p:spTree>
@@ -12789,11 +12712,407 @@
   <p:clrMapOvr>
     <a:masterClrMapping/>
   </p:clrMapOvr>
-  <mc:AlternateContent xmlns:mc="http://schemas.openxmlformats.org/markup-compatibility/2006">
-    <mc:Choice xmlns:p14="http://schemas.microsoft.com/office/powerpoint/2010/main" Requires="p14">
+  <mc:AlternateContent xmlns:mc="http://schemas.openxmlformats.org/markup-compatibility/2006" xmlns:p14="http://schemas.microsoft.com/office/powerpoint/2010/main">
+    <mc:Choice Requires="p14">
       <p:transition p14:dur="0"/>
     </mc:Choice>
-    <mc:Fallback>
+    <mc:Fallback xmlns="">
+      <p:transition/>
+    </mc:Fallback>
+  </mc:AlternateContent>
+  <p:timing>
+    <p:tnLst>
+      <p:par>
+        <p:cTn id="1" dur="indefinite" restart="never" nodeType="tmRoot"/>
+      </p:par>
+    </p:tnLst>
+  </p:timing>
+</p:sld>
+</file>
+
+<file path=ppt/slides/slide24.xml><?xml version="1.0" encoding="utf-8"?>
+<p:sld xmlns:a="http://schemas.openxmlformats.org/drawingml/2006/main" xmlns:r="http://schemas.openxmlformats.org/officeDocument/2006/relationships" xmlns:p="http://schemas.openxmlformats.org/presentationml/2006/main">
+  <p:cSld>
+    <p:spTree>
+      <p:nvGrpSpPr>
+        <p:cNvPr id="1" name=""/>
+        <p:cNvGrpSpPr/>
+        <p:nvPr/>
+      </p:nvGrpSpPr>
+      <p:grpSpPr>
+        <a:xfrm>
+          <a:off x="0" y="0"/>
+          <a:ext cx="0" cy="0"/>
+          <a:chOff x="0" y="0"/>
+          <a:chExt cx="0" cy="0"/>
+        </a:xfrm>
+      </p:grpSpPr>
+      <p:sp>
+        <p:nvSpPr>
+          <p:cNvPr id="4" name="Title 3"/>
+          <p:cNvSpPr>
+            <a:spLocks noGrp="1"/>
+          </p:cNvSpPr>
+          <p:nvPr>
+            <p:ph type="title"/>
+          </p:nvPr>
+        </p:nvSpPr>
+        <p:spPr>
+          <a:xfrm>
+            <a:off x="461085" y="409577"/>
+            <a:ext cx="8205261" cy="418700"/>
+          </a:xfrm>
+        </p:spPr>
+        <p:txBody>
+          <a:bodyPr>
+            <a:normAutofit/>
+          </a:bodyPr>
+          <a:lstStyle/>
+          <a:p>
+            <a:r>
+              <a:rPr lang="en-CA" sz="2000" dirty="0" smtClean="0"/>
+              <a:t>Tools Used</a:t>
+            </a:r>
+            <a:endParaRPr lang="en-US" sz="2000" dirty="0">
+              <a:solidFill>
+                <a:schemeClr val="tx1">
+                  <a:lumMod val="95000"/>
+                  <a:lumOff val="5000"/>
+                </a:schemeClr>
+              </a:solidFill>
+            </a:endParaRPr>
+          </a:p>
+        </p:txBody>
+      </p:sp>
+      <p:sp>
+        <p:nvSpPr>
+          <p:cNvPr id="2" name="TextBox 1"/>
+          <p:cNvSpPr txBox="1"/>
+          <p:nvPr/>
+        </p:nvSpPr>
+        <p:spPr>
+          <a:xfrm>
+            <a:off x="742384" y="1303699"/>
+            <a:ext cx="7496269" cy="4339650"/>
+          </a:xfrm>
+          <a:prstGeom prst="rect">
+            <a:avLst/>
+          </a:prstGeom>
+          <a:noFill/>
+        </p:spPr>
+        <p:txBody>
+          <a:bodyPr wrap="square" rtlCol="0">
+            <a:spAutoFit/>
+          </a:bodyPr>
+          <a:lstStyle/>
+          <a:p>
+            <a:pPr marL="285750" indent="-285750">
+              <a:buFont typeface="Arial" panose="020B0604020202020204" pitchFamily="34" charset="0"/>
+              <a:buChar char="•"/>
+            </a:pPr>
+            <a:r>
+              <a:rPr lang="en-US" sz="2000" dirty="0" smtClean="0">
+                <a:latin typeface="Calibri" panose="020F0502020204030204" pitchFamily="34" charset="0"/>
+              </a:rPr>
+              <a:t>Python</a:t>
+            </a:r>
+          </a:p>
+          <a:p>
+            <a:pPr marL="285750" indent="-285750">
+              <a:buFont typeface="Arial" panose="020B0604020202020204" pitchFamily="34" charset="0"/>
+              <a:buChar char="•"/>
+            </a:pPr>
+            <a:r>
+              <a:rPr lang="en-US" sz="2000" dirty="0" smtClean="0">
+                <a:latin typeface="Calibri" panose="020F0502020204030204" pitchFamily="34" charset="0"/>
+              </a:rPr>
+              <a:t>Ipython </a:t>
+            </a:r>
+          </a:p>
+          <a:p>
+            <a:pPr marL="285750" indent="-285750">
+              <a:buFont typeface="Arial" panose="020B0604020202020204" pitchFamily="34" charset="0"/>
+              <a:buChar char="•"/>
+            </a:pPr>
+            <a:r>
+              <a:rPr lang="en-US" sz="2000" dirty="0" smtClean="0">
+                <a:latin typeface="Calibri" panose="020F0502020204030204" pitchFamily="34" charset="0"/>
+              </a:rPr>
+              <a:t>Amazon AWS</a:t>
+            </a:r>
+          </a:p>
+          <a:p>
+            <a:pPr marL="285750" indent="-285750">
+              <a:buFont typeface="Arial" panose="020B0604020202020204" pitchFamily="34" charset="0"/>
+              <a:buChar char="•"/>
+            </a:pPr>
+            <a:r>
+              <a:rPr lang="en-US" sz="2000" dirty="0" smtClean="0">
+                <a:latin typeface="Calibri" panose="020F0502020204030204" pitchFamily="34" charset="0"/>
+              </a:rPr>
+              <a:t>Shell Programming </a:t>
+            </a:r>
+          </a:p>
+          <a:p>
+            <a:pPr marL="285750" indent="-285750">
+              <a:buFont typeface="Arial" panose="020B0604020202020204" pitchFamily="34" charset="0"/>
+              <a:buChar char="•"/>
+            </a:pPr>
+            <a:r>
+              <a:rPr lang="en-US" sz="2000" dirty="0" smtClean="0">
+                <a:latin typeface="Calibri" panose="020F0502020204030204" pitchFamily="34" charset="0"/>
+              </a:rPr>
+              <a:t>Hadoop Map Reduce </a:t>
+            </a:r>
+          </a:p>
+          <a:p>
+            <a:endParaRPr lang="en-US" sz="2000" dirty="0">
+              <a:latin typeface="Calibri" panose="020F0502020204030204" pitchFamily="34" charset="0"/>
+            </a:endParaRPr>
+          </a:p>
+          <a:p>
+            <a:r>
+              <a:rPr lang="en-US" sz="2000" dirty="0" smtClean="0">
+                <a:latin typeface="Calibri" panose="020F0502020204030204" pitchFamily="34" charset="0"/>
+              </a:rPr>
+              <a:t>Detailed Instructions for this exercise available in GitHub :  </a:t>
+            </a:r>
+          </a:p>
+          <a:p>
+            <a:pPr marL="285750" indent="-285750">
+              <a:buFont typeface="Arial" panose="020B0604020202020204" pitchFamily="34" charset="0"/>
+              <a:buChar char="•"/>
+            </a:pPr>
+            <a:r>
+              <a:rPr lang="en-US" sz="2000" dirty="0" smtClean="0">
+                <a:latin typeface="Calibri" panose="020F0502020204030204" pitchFamily="34" charset="0"/>
+              </a:rPr>
+              <a:t>Steps to extract the data from Wikipedia to s3 ( of Amazon AWS) </a:t>
+            </a:r>
+          </a:p>
+          <a:p>
+            <a:pPr marL="285750" indent="-285750">
+              <a:buFont typeface="Arial" panose="020B0604020202020204" pitchFamily="34" charset="0"/>
+              <a:buChar char="•"/>
+            </a:pPr>
+            <a:r>
+              <a:rPr lang="en-US" sz="2000" dirty="0" smtClean="0">
+                <a:latin typeface="Calibri" panose="020F0502020204030204" pitchFamily="34" charset="0"/>
+              </a:rPr>
+              <a:t>Execute the Hadoop Map Reduce Job using Amazon EMR </a:t>
+            </a:r>
+          </a:p>
+          <a:p>
+            <a:pPr marL="285750" indent="-285750">
+              <a:buFont typeface="Arial" panose="020B0604020202020204" pitchFamily="34" charset="0"/>
+              <a:buChar char="•"/>
+            </a:pPr>
+            <a:r>
+              <a:rPr lang="en-US" sz="2000" dirty="0" smtClean="0">
+                <a:latin typeface="Calibri" panose="020F0502020204030204" pitchFamily="34" charset="0"/>
+              </a:rPr>
+              <a:t>Monitoring the jobs and other administrative tasks </a:t>
+            </a:r>
+          </a:p>
+          <a:p>
+            <a:endParaRPr lang="en-US" sz="2000" dirty="0" smtClean="0">
+              <a:latin typeface="Calibri" panose="020F0502020204030204" pitchFamily="34" charset="0"/>
+            </a:endParaRPr>
+          </a:p>
+          <a:p>
+            <a:r>
+              <a:rPr lang="en-US" sz="2000" b="1" dirty="0" smtClean="0">
+                <a:latin typeface="Calibri" panose="020F0502020204030204" pitchFamily="34" charset="0"/>
+              </a:rPr>
+              <a:t>GitHub </a:t>
+            </a:r>
+            <a:r>
+              <a:rPr lang="en-US" sz="2000" b="1" dirty="0">
+                <a:latin typeface="Calibri" panose="020F0502020204030204" pitchFamily="34" charset="0"/>
+              </a:rPr>
+              <a:t>Link </a:t>
+            </a:r>
+            <a:r>
+              <a:rPr lang="en-US" sz="2000" dirty="0">
+                <a:latin typeface="Calibri" panose="020F0502020204030204" pitchFamily="34" charset="0"/>
+              </a:rPr>
+              <a:t>: </a:t>
+            </a:r>
+            <a:r>
+              <a:rPr lang="en-US" sz="2000" dirty="0">
+                <a:latin typeface="Calibri" panose="020F0502020204030204" pitchFamily="34" charset="0"/>
+                <a:hlinkClick r:id="rId3"/>
+              </a:rPr>
+              <a:t>https://</a:t>
+            </a:r>
+            <a:r>
+              <a:rPr lang="en-US" sz="2000" dirty="0" smtClean="0">
+                <a:latin typeface="Calibri" panose="020F0502020204030204" pitchFamily="34" charset="0"/>
+                <a:hlinkClick r:id="rId3"/>
+              </a:rPr>
+              <a:t>github.com/ravvas/Pycon2015</a:t>
+            </a:r>
+            <a:endParaRPr lang="en-US" sz="2000" dirty="0" smtClean="0">
+              <a:latin typeface="Calibri" panose="020F0502020204030204" pitchFamily="34" charset="0"/>
+            </a:endParaRPr>
+          </a:p>
+          <a:p>
+            <a:endParaRPr lang="en-US" dirty="0" smtClean="0"/>
+          </a:p>
+          <a:p>
+            <a:r>
+              <a:rPr lang="en-US" dirty="0" smtClean="0">
+                <a:sym typeface="Wingdings" panose="05000000000000000000" pitchFamily="2" charset="2"/>
+              </a:rPr>
+              <a:t> </a:t>
+            </a:r>
+            <a:endParaRPr lang="en-US" dirty="0" smtClean="0"/>
+          </a:p>
+        </p:txBody>
+      </p:sp>
+    </p:spTree>
+    <p:extLst>
+      <p:ext uri="{BB962C8B-B14F-4D97-AF65-F5344CB8AC3E}">
+        <p14:creationId xmlns:p14="http://schemas.microsoft.com/office/powerpoint/2010/main" val="3306720465"/>
+      </p:ext>
+    </p:extLst>
+  </p:cSld>
+  <p:clrMapOvr>
+    <a:masterClrMapping/>
+  </p:clrMapOvr>
+  <mc:AlternateContent xmlns:mc="http://schemas.openxmlformats.org/markup-compatibility/2006" xmlns:p14="http://schemas.microsoft.com/office/powerpoint/2010/main">
+    <mc:Choice Requires="p14">
+      <p:transition p14:dur="0"/>
+    </mc:Choice>
+    <mc:Fallback xmlns="">
+      <p:transition/>
+    </mc:Fallback>
+  </mc:AlternateContent>
+  <p:timing>
+    <p:tnLst>
+      <p:par>
+        <p:cTn id="1" dur="indefinite" restart="never" nodeType="tmRoot"/>
+      </p:par>
+    </p:tnLst>
+  </p:timing>
+</p:sld>
+</file>
+
+<file path=ppt/slides/slide25.xml><?xml version="1.0" encoding="utf-8"?>
+<p:sld xmlns:a="http://schemas.openxmlformats.org/drawingml/2006/main" xmlns:r="http://schemas.openxmlformats.org/officeDocument/2006/relationships" xmlns:p="http://schemas.openxmlformats.org/presentationml/2006/main">
+  <p:cSld>
+    <p:spTree>
+      <p:nvGrpSpPr>
+        <p:cNvPr id="1" name=""/>
+        <p:cNvGrpSpPr/>
+        <p:nvPr/>
+      </p:nvGrpSpPr>
+      <p:grpSpPr>
+        <a:xfrm>
+          <a:off x="0" y="0"/>
+          <a:ext cx="0" cy="0"/>
+          <a:chOff x="0" y="0"/>
+          <a:chExt cx="0" cy="0"/>
+        </a:xfrm>
+      </p:grpSpPr>
+      <p:sp>
+        <p:nvSpPr>
+          <p:cNvPr id="4" name="Title 3"/>
+          <p:cNvSpPr>
+            <a:spLocks noGrp="1"/>
+          </p:cNvSpPr>
+          <p:nvPr>
+            <p:ph type="title"/>
+          </p:nvPr>
+        </p:nvSpPr>
+        <p:spPr>
+          <a:xfrm>
+            <a:off x="461085" y="409577"/>
+            <a:ext cx="8205261" cy="418700"/>
+          </a:xfrm>
+        </p:spPr>
+        <p:txBody>
+          <a:bodyPr>
+            <a:normAutofit/>
+          </a:bodyPr>
+          <a:lstStyle/>
+          <a:p>
+            <a:r>
+              <a:rPr lang="en-US" sz="2000" dirty="0" smtClean="0">
+                <a:solidFill>
+                  <a:schemeClr val="tx1">
+                    <a:lumMod val="95000"/>
+                    <a:lumOff val="5000"/>
+                  </a:schemeClr>
+                </a:solidFill>
+              </a:rPr>
+              <a:t>Questions?</a:t>
+            </a:r>
+            <a:endParaRPr lang="en-US" sz="2000" dirty="0">
+              <a:solidFill>
+                <a:schemeClr val="tx1">
+                  <a:lumMod val="95000"/>
+                  <a:lumOff val="5000"/>
+                </a:schemeClr>
+              </a:solidFill>
+            </a:endParaRPr>
+          </a:p>
+        </p:txBody>
+      </p:sp>
+      <p:sp>
+        <p:nvSpPr>
+          <p:cNvPr id="3" name="TextBox 2"/>
+          <p:cNvSpPr txBox="1"/>
+          <p:nvPr/>
+        </p:nvSpPr>
+        <p:spPr>
+          <a:xfrm>
+            <a:off x="733331" y="1321806"/>
+            <a:ext cx="8030423" cy="923330"/>
+          </a:xfrm>
+          <a:prstGeom prst="rect">
+            <a:avLst/>
+          </a:prstGeom>
+          <a:noFill/>
+        </p:spPr>
+        <p:txBody>
+          <a:bodyPr wrap="square" rtlCol="0">
+            <a:spAutoFit/>
+          </a:bodyPr>
+          <a:lstStyle/>
+          <a:p>
+            <a:pPr marL="285750" indent="-285750">
+              <a:buFont typeface="Arial" panose="020B0604020202020204" pitchFamily="34" charset="0"/>
+              <a:buChar char="•"/>
+            </a:pPr>
+            <a:r>
+              <a:rPr lang="en-US" dirty="0" smtClean="0"/>
+              <a:t>Be Fair while downloading data from public sources like Wikipedia </a:t>
+            </a:r>
+          </a:p>
+          <a:p>
+            <a:endParaRPr lang="en-US" dirty="0"/>
+          </a:p>
+          <a:p>
+            <a:endParaRPr lang="en-US" dirty="0" smtClean="0"/>
+          </a:p>
+        </p:txBody>
+      </p:sp>
+    </p:spTree>
+    <p:extLst>
+      <p:ext uri="{BB962C8B-B14F-4D97-AF65-F5344CB8AC3E}">
+        <p14:creationId xmlns:p14="http://schemas.microsoft.com/office/powerpoint/2010/main" val="2033122875"/>
+      </p:ext>
+    </p:extLst>
+  </p:cSld>
+  <p:clrMapOvr>
+    <a:masterClrMapping/>
+  </p:clrMapOvr>
+  <mc:AlternateContent xmlns:mc="http://schemas.openxmlformats.org/markup-compatibility/2006" xmlns:p14="http://schemas.microsoft.com/office/powerpoint/2010/main">
+    <mc:Choice Requires="p14">
+      <p:transition p14:dur="0"/>
+    </mc:Choice>
+    <mc:Fallback xmlns="">
       <p:transition/>
     </mc:Fallback>
   </mc:AlternateContent>
@@ -12847,8 +13166,15 @@
           <a:lstStyle/>
           <a:p>
             <a:r>
-              <a:rPr lang="en-CA" sz="2000" dirty="0" smtClean="0"/>
-              <a:t>Tools Used</a:t>
+              <a:rPr lang="en-US" sz="2000" dirty="0" smtClean="0">
+                <a:solidFill>
+                  <a:schemeClr val="tx1">
+                    <a:lumMod val="95000"/>
+                    <a:lumOff val="5000"/>
+                  </a:schemeClr>
+                </a:solidFill>
+              </a:rPr>
+              <a:t>Reference/credits</a:t>
             </a:r>
             <a:endParaRPr lang="en-US" sz="2000" dirty="0">
               <a:solidFill>
@@ -12863,14 +13189,14 @@
       </p:sp>
       <p:sp>
         <p:nvSpPr>
-          <p:cNvPr id="2" name="TextBox 1"/>
+          <p:cNvPr id="3" name="TextBox 2"/>
           <p:cNvSpPr txBox="1"/>
           <p:nvPr/>
         </p:nvSpPr>
         <p:spPr>
           <a:xfrm>
-            <a:off x="742384" y="1303699"/>
-            <a:ext cx="7496269" cy="4339650"/>
+            <a:off x="733331" y="1321806"/>
+            <a:ext cx="8030423" cy="1938992"/>
           </a:xfrm>
           <a:prstGeom prst="rect">
             <a:avLst/>
@@ -12884,6 +13210,9 @@
           <a:lstStyle/>
           <a:p>
             <a:pPr marL="285750" indent="-285750">
+              <a:lnSpc>
+                <a:spcPct val="200000"/>
+              </a:lnSpc>
               <a:buFont typeface="Arial" panose="020B0604020202020204" pitchFamily="34" charset="0"/>
               <a:buChar char="•"/>
             </a:pPr>
@@ -12891,11 +13220,14 @@
               <a:rPr lang="en-US" sz="2000" dirty="0" smtClean="0">
                 <a:latin typeface="Calibri" panose="020F0502020204030204" pitchFamily="34" charset="0"/>
               </a:rPr>
-              <a:t>Python</a:t>
+              <a:t>Udacity.com – online education portal mainly focused on Python.</a:t>
             </a:r>
           </a:p>
           <a:p>
             <a:pPr marL="285750" indent="-285750">
+              <a:lnSpc>
+                <a:spcPct val="200000"/>
+              </a:lnSpc>
               <a:buFont typeface="Arial" panose="020B0604020202020204" pitchFamily="34" charset="0"/>
               <a:buChar char="•"/>
             </a:pPr>
@@ -12903,154 +13235,33 @@
               <a:rPr lang="en-US" sz="2000" dirty="0" smtClean="0">
                 <a:latin typeface="Calibri" panose="020F0502020204030204" pitchFamily="34" charset="0"/>
               </a:rPr>
-              <a:t>Ipython </a:t>
+              <a:t>Bangpypers – Python Meetup in Bangalore</a:t>
             </a:r>
           </a:p>
           <a:p>
             <a:pPr marL="285750" indent="-285750">
+              <a:lnSpc>
+                <a:spcPct val="200000"/>
+              </a:lnSpc>
               <a:buFont typeface="Arial" panose="020B0604020202020204" pitchFamily="34" charset="0"/>
               <a:buChar char="•"/>
             </a:pPr>
             <a:r>
-              <a:rPr lang="en-US" sz="2000" dirty="0" smtClean="0">
+              <a:rPr lang="en-US" sz="2000" dirty="0">
                 <a:latin typeface="Calibri" panose="020F0502020204030204" pitchFamily="34" charset="0"/>
               </a:rPr>
-              <a:t>Amazon AWS</a:t>
-            </a:r>
-          </a:p>
-          <a:p>
-            <a:pPr marL="285750" indent="-285750">
-              <a:buFont typeface="Arial" panose="020B0604020202020204" pitchFamily="34" charset="0"/>
-              <a:buChar char="•"/>
-            </a:pPr>
-            <a:r>
-              <a:rPr lang="en-US" sz="2000" dirty="0" smtClean="0">
-                <a:latin typeface="Calibri" panose="020F0502020204030204" pitchFamily="34" charset="0"/>
-              </a:rPr>
-              <a:t>Shell Programming </a:t>
-            </a:r>
-          </a:p>
-          <a:p>
-            <a:pPr marL="285750" indent="-285750">
-              <a:buFont typeface="Arial" panose="020B0604020202020204" pitchFamily="34" charset="0"/>
-              <a:buChar char="•"/>
-            </a:pPr>
-            <a:r>
-              <a:rPr lang="en-US" sz="2000" dirty="0" smtClean="0">
-                <a:latin typeface="Calibri" panose="020F0502020204030204" pitchFamily="34" charset="0"/>
-              </a:rPr>
-              <a:t>Hadoop Map Reduce </a:t>
-            </a:r>
-          </a:p>
-          <a:p>
-            <a:endParaRPr lang="en-US" sz="2000" dirty="0">
-              <a:latin typeface="Calibri" panose="020F0502020204030204" pitchFamily="34" charset="0"/>
-            </a:endParaRPr>
-          </a:p>
-          <a:p>
-            <a:r>
-              <a:rPr lang="en-US" sz="2000" dirty="0" smtClean="0">
-                <a:latin typeface="Calibri" panose="020F0502020204030204" pitchFamily="34" charset="0"/>
-              </a:rPr>
-              <a:t>Detailed Instructions for this exercise available in GitHub :  </a:t>
-            </a:r>
-          </a:p>
-          <a:p>
-            <a:pPr marL="285750" indent="-285750">
-              <a:buFont typeface="Arial" panose="020B0604020202020204" pitchFamily="34" charset="0"/>
-              <a:buChar char="•"/>
-            </a:pPr>
-            <a:r>
-              <a:rPr lang="en-US" sz="2000" dirty="0" smtClean="0">
-                <a:latin typeface="Calibri" panose="020F0502020204030204" pitchFamily="34" charset="0"/>
-              </a:rPr>
-              <a:t>Steps to extract the data from Wikipedia to s3 ( of Amazon AWS) </a:t>
-            </a:r>
-          </a:p>
-          <a:p>
-            <a:pPr marL="285750" indent="-285750">
-              <a:buFont typeface="Arial" panose="020B0604020202020204" pitchFamily="34" charset="0"/>
-              <a:buChar char="•"/>
-            </a:pPr>
-            <a:r>
-              <a:rPr lang="en-US" sz="2000" dirty="0" smtClean="0">
-                <a:latin typeface="Calibri" panose="020F0502020204030204" pitchFamily="34" charset="0"/>
-              </a:rPr>
-              <a:t>Execute the Hadoop Map Reduce Job using Amazon EMR </a:t>
-            </a:r>
-          </a:p>
-          <a:p>
-            <a:pPr marL="285750" indent="-285750">
-              <a:buFont typeface="Arial" panose="020B0604020202020204" pitchFamily="34" charset="0"/>
-              <a:buChar char="•"/>
-            </a:pPr>
-            <a:r>
-              <a:rPr lang="en-US" sz="2000" dirty="0" smtClean="0">
-                <a:latin typeface="Calibri" panose="020F0502020204030204" pitchFamily="34" charset="0"/>
-              </a:rPr>
-              <a:t>Monitoring the jobs and other administrative tasks </a:t>
-            </a:r>
-          </a:p>
-          <a:p>
+              <a:t>Amazon AWS documentation </a:t>
+            </a:r>
             <a:endParaRPr lang="en-US" sz="2000" dirty="0" smtClean="0">
               <a:latin typeface="Calibri" panose="020F0502020204030204" pitchFamily="34" charset="0"/>
             </a:endParaRPr>
-          </a:p>
-          <a:p>
-            <a:r>
-              <a:rPr lang="en-US" sz="2000" b="1" dirty="0" smtClean="0">
-                <a:latin typeface="Calibri" panose="020F0502020204030204" pitchFamily="34" charset="0"/>
-              </a:rPr>
-              <a:t>GitHub </a:t>
-            </a:r>
-            <a:r>
-              <a:rPr lang="en-US" sz="2000" b="1" dirty="0">
-                <a:latin typeface="Calibri" panose="020F0502020204030204" pitchFamily="34" charset="0"/>
-              </a:rPr>
-              <a:t>Link </a:t>
-            </a:r>
-            <a:r>
-              <a:rPr lang="en-US" sz="2000" dirty="0">
-                <a:latin typeface="Calibri" panose="020F0502020204030204" pitchFamily="34" charset="0"/>
-              </a:rPr>
-              <a:t>: </a:t>
-            </a:r>
-            <a:r>
-              <a:rPr lang="en-US" sz="2000" dirty="0">
-                <a:latin typeface="Calibri" panose="020F0502020204030204" pitchFamily="34" charset="0"/>
-                <a:hlinkClick r:id="rId3"/>
-              </a:rPr>
-              <a:t>https://</a:t>
-            </a:r>
-            <a:r>
-              <a:rPr lang="en-US" sz="2000" dirty="0" smtClean="0">
-                <a:latin typeface="Calibri" panose="020F0502020204030204" pitchFamily="34" charset="0"/>
-                <a:hlinkClick r:id="rId3"/>
-              </a:rPr>
-              <a:t>github.com/ravvas/Pycon2015</a:t>
-            </a:r>
-            <a:endParaRPr lang="en-US" sz="2000" dirty="0" smtClean="0">
-              <a:latin typeface="Calibri" panose="020F0502020204030204" pitchFamily="34" charset="0"/>
-            </a:endParaRPr>
-          </a:p>
-          <a:p>
-            <a:endParaRPr lang="en-US" dirty="0" smtClean="0"/>
-          </a:p>
-          <a:p>
-            <a:r>
-              <a:rPr lang="en-US" dirty="0" smtClean="0">
-                <a:sym typeface="Wingdings" panose="05000000000000000000" pitchFamily="2" charset="2"/>
-              </a:rPr>
-              <a:t> </a:t>
-            </a:r>
-            <a:endParaRPr lang="en-US" dirty="0" smtClean="0"/>
           </a:p>
         </p:txBody>
       </p:sp>
     </p:spTree>
     <p:extLst>
       <p:ext uri="{BB962C8B-B14F-4D97-AF65-F5344CB8AC3E}">
-        <p14:creationId xmlns:p14="http://schemas.microsoft.com/office/powerpoint/2010/main" val="3306720465"/>
+        <p14:creationId xmlns:p14="http://schemas.microsoft.com/office/powerpoint/2010/main" val="3007491376"/>
       </p:ext>
     </p:extLst>
   </p:cSld>
@@ -13094,25 +13305,44 @@
       </p:grpSpPr>
       <p:sp>
         <p:nvSpPr>
-          <p:cNvPr id="4" name="Title 3"/>
-          <p:cNvSpPr>
-            <a:spLocks noGrp="1"/>
+          <p:cNvPr id="6" name="Title 3"/>
+          <p:cNvSpPr txBox="1">
+            <a:spLocks/>
           </p:cNvSpPr>
-          <p:nvPr>
-            <p:ph type="title"/>
-          </p:nvPr>
+          <p:nvPr/>
         </p:nvSpPr>
         <p:spPr>
           <a:xfrm>
-            <a:off x="461085" y="409577"/>
-            <a:ext cx="8205261" cy="418700"/>
+            <a:off x="3998811" y="3199164"/>
+            <a:ext cx="2365776" cy="418700"/>
           </a:xfrm>
+          <a:prstGeom prst="rect">
+            <a:avLst/>
+          </a:prstGeom>
         </p:spPr>
         <p:txBody>
-          <a:bodyPr>
+          <a:bodyPr vert="horz" lIns="0" tIns="0" rIns="0" bIns="0" rtlCol="0" anchor="b" anchorCtr="0">
             <a:normAutofit/>
           </a:bodyPr>
-          <a:lstStyle/>
+          <a:lstStyle>
+            <a:lvl1pPr algn="l" defTabSz="914400" rtl="0" eaLnBrk="1" latinLnBrk="0" hangingPunct="1">
+              <a:lnSpc>
+                <a:spcPts val="2600"/>
+              </a:lnSpc>
+              <a:spcBef>
+                <a:spcPct val="0"/>
+              </a:spcBef>
+              <a:buNone/>
+              <a:defRPr sz="2600" b="1" kern="1200">
+                <a:solidFill>
+                  <a:srgbClr val="000000"/>
+                </a:solidFill>
+                <a:latin typeface="Arial" pitchFamily="34" charset="0"/>
+                <a:ea typeface="+mj-ea"/>
+                <a:cs typeface="Arial" pitchFamily="34" charset="0"/>
+              </a:defRPr>
+            </a:lvl1pPr>
+          </a:lstStyle>
           <a:p>
             <a:r>
               <a:rPr lang="en-US" sz="2000" dirty="0" smtClean="0">
@@ -13123,7 +13353,7 @@
                   </a:schemeClr>
                 </a:solidFill>
               </a:rPr>
-              <a:t>Questions?</a:t>
+              <a:t>Appendix</a:t>
             </a:r>
             <a:endParaRPr lang="en-US" sz="2000" dirty="0">
               <a:solidFill>
@@ -13136,49 +13366,10 @@
           </a:p>
         </p:txBody>
       </p:sp>
-      <p:sp>
-        <p:nvSpPr>
-          <p:cNvPr id="3" name="TextBox 2"/>
-          <p:cNvSpPr txBox="1"/>
-          <p:nvPr/>
-        </p:nvSpPr>
-        <p:spPr>
-          <a:xfrm>
-            <a:off x="733331" y="1321806"/>
-            <a:ext cx="8030423" cy="923330"/>
-          </a:xfrm>
-          <a:prstGeom prst="rect">
-            <a:avLst/>
-          </a:prstGeom>
-          <a:noFill/>
-        </p:spPr>
-        <p:txBody>
-          <a:bodyPr wrap="square" rtlCol="0">
-            <a:spAutoFit/>
-          </a:bodyPr>
-          <a:lstStyle/>
-          <a:p>
-            <a:pPr marL="285750" indent="-285750">
-              <a:buFont typeface="Arial" panose="020B0604020202020204" pitchFamily="34" charset="0"/>
-              <a:buChar char="•"/>
-            </a:pPr>
-            <a:r>
-              <a:rPr lang="en-US" dirty="0" smtClean="0"/>
-              <a:t>Be Fair while downloading data from public sources like Wikipedia </a:t>
-            </a:r>
-          </a:p>
-          <a:p>
-            <a:endParaRPr lang="en-US" dirty="0"/>
-          </a:p>
-          <a:p>
-            <a:endParaRPr lang="en-US" dirty="0" smtClean="0"/>
-          </a:p>
-        </p:txBody>
-      </p:sp>
     </p:spTree>
     <p:extLst>
       <p:ext uri="{BB962C8B-B14F-4D97-AF65-F5344CB8AC3E}">
-        <p14:creationId xmlns:p14="http://schemas.microsoft.com/office/powerpoint/2010/main" val="2033122875"/>
+        <p14:creationId xmlns:p14="http://schemas.microsoft.com/office/powerpoint/2010/main" val="1285903035"/>
       </p:ext>
     </p:extLst>
   </p:cSld>
@@ -13243,15 +13434,8 @@
           <a:lstStyle/>
           <a:p>
             <a:r>
-              <a:rPr lang="en-US" sz="2000" dirty="0" smtClean="0">
-                <a:solidFill>
-                  <a:schemeClr val="tx1">
-                    <a:lumMod val="95000"/>
-                    <a:lumOff val="5000"/>
-                  </a:schemeClr>
-                </a:solidFill>
-              </a:rPr>
-              <a:t>Reference/credits</a:t>
+              <a:rPr lang="en-CA" sz="2000" dirty="0" smtClean="0"/>
+              <a:t>S3 Folder Structure</a:t>
             </a:r>
             <a:endParaRPr lang="en-US" sz="2000" dirty="0">
               <a:solidFill>
@@ -13264,117 +13448,34 @@
           </a:p>
         </p:txBody>
       </p:sp>
-      <p:sp>
-        <p:nvSpPr>
-          <p:cNvPr id="3" name="TextBox 2"/>
-          <p:cNvSpPr txBox="1"/>
+      <p:pic>
+        <p:nvPicPr>
+          <p:cNvPr id="2" name="Picture 1"/>
+          <p:cNvPicPr>
+            <a:picLocks noChangeAspect="1"/>
+          </p:cNvPicPr>
           <p:nvPr/>
-        </p:nvSpPr>
+        </p:nvPicPr>
+        <p:blipFill>
+          <a:blip r:embed="rId3"/>
+          <a:stretch>
+            <a:fillRect/>
+          </a:stretch>
+        </p:blipFill>
         <p:spPr>
           <a:xfrm>
-            <a:off x="733331" y="1321806"/>
-            <a:ext cx="8030423" cy="1938992"/>
+            <a:off x="1451053" y="1857987"/>
+            <a:ext cx="4105275" cy="2752725"/>
           </a:xfrm>
           <a:prstGeom prst="rect">
             <a:avLst/>
           </a:prstGeom>
-          <a:noFill/>
         </p:spPr>
-        <p:txBody>
-          <a:bodyPr wrap="square" rtlCol="0">
-            <a:spAutoFit/>
-          </a:bodyPr>
-          <a:lstStyle/>
-          <a:p>
-            <a:pPr marL="285750" indent="-285750">
-              <a:lnSpc>
-                <a:spcPct val="200000"/>
-              </a:lnSpc>
-              <a:buFont typeface="Arial" panose="020B0604020202020204" pitchFamily="34" charset="0"/>
-              <a:buChar char="•"/>
-            </a:pPr>
-            <a:r>
-              <a:rPr lang="en-US" sz="2000" dirty="0" smtClean="0">
-                <a:latin typeface="Calibri" panose="020F0502020204030204" pitchFamily="34" charset="0"/>
-              </a:rPr>
-              <a:t>Udacity.com – online education portal mainly focused on </a:t>
-            </a:r>
-            <a:r>
-              <a:rPr lang="en-US" sz="2000" dirty="0" smtClean="0">
-                <a:latin typeface="Calibri" panose="020F0502020204030204" pitchFamily="34" charset="0"/>
-              </a:rPr>
-              <a:t>Python</a:t>
-            </a:r>
-            <a:r>
-              <a:rPr lang="en-US" sz="2000" dirty="0" smtClean="0">
-                <a:latin typeface="Calibri" panose="020F0502020204030204" pitchFamily="34" charset="0"/>
-              </a:rPr>
-              <a:t>.</a:t>
-            </a:r>
-          </a:p>
-          <a:p>
-            <a:pPr marL="285750" indent="-285750">
-              <a:lnSpc>
-                <a:spcPct val="200000"/>
-              </a:lnSpc>
-              <a:buFont typeface="Arial" panose="020B0604020202020204" pitchFamily="34" charset="0"/>
-              <a:buChar char="•"/>
-            </a:pPr>
-            <a:r>
-              <a:rPr lang="en-US" sz="2000" dirty="0" smtClean="0">
-                <a:latin typeface="Calibri" panose="020F0502020204030204" pitchFamily="34" charset="0"/>
-              </a:rPr>
-              <a:t>Bangpypers </a:t>
-            </a:r>
-            <a:r>
-              <a:rPr lang="en-US" sz="2000" dirty="0" smtClean="0">
-                <a:latin typeface="Calibri" panose="020F0502020204030204" pitchFamily="34" charset="0"/>
-              </a:rPr>
-              <a:t>– Python </a:t>
-            </a:r>
-            <a:r>
-              <a:rPr lang="en-US" sz="2000" dirty="0" smtClean="0">
-                <a:latin typeface="Calibri" panose="020F0502020204030204" pitchFamily="34" charset="0"/>
-              </a:rPr>
-              <a:t>Meetup </a:t>
-            </a:r>
-            <a:r>
-              <a:rPr lang="en-US" sz="2000" dirty="0" smtClean="0">
-                <a:latin typeface="Calibri" panose="020F0502020204030204" pitchFamily="34" charset="0"/>
-              </a:rPr>
-              <a:t>in </a:t>
-            </a:r>
-            <a:r>
-              <a:rPr lang="en-US" sz="2000" dirty="0" smtClean="0">
-                <a:latin typeface="Calibri" panose="020F0502020204030204" pitchFamily="34" charset="0"/>
-              </a:rPr>
-              <a:t>Bangalore</a:t>
-            </a:r>
-          </a:p>
-          <a:p>
-            <a:pPr marL="285750" indent="-285750">
-              <a:lnSpc>
-                <a:spcPct val="200000"/>
-              </a:lnSpc>
-              <a:buFont typeface="Arial" panose="020B0604020202020204" pitchFamily="34" charset="0"/>
-              <a:buChar char="•"/>
-            </a:pPr>
-            <a:r>
-              <a:rPr lang="en-US" sz="2000" dirty="0">
-                <a:latin typeface="Calibri" panose="020F0502020204030204" pitchFamily="34" charset="0"/>
-              </a:rPr>
-              <a:t>Amazon AWS documentation </a:t>
-            </a:r>
-            <a:endParaRPr lang="en-US" sz="2000" dirty="0" smtClean="0">
-              <a:latin typeface="Calibri" panose="020F0502020204030204" pitchFamily="34" charset="0"/>
-            </a:endParaRPr>
-          </a:p>
-        </p:txBody>
-      </p:sp>
+      </p:pic>
     </p:spTree>
     <p:extLst>
       <p:ext uri="{BB962C8B-B14F-4D97-AF65-F5344CB8AC3E}">
-        <p14:creationId xmlns:p14="http://schemas.microsoft.com/office/powerpoint/2010/main" val="3007491376"/>
+        <p14:creationId xmlns:p14="http://schemas.microsoft.com/office/powerpoint/2010/main" val="2665432111"/>
       </p:ext>
     </p:extLst>
   </p:cSld>
@@ -13418,55 +13519,29 @@
       </p:grpSpPr>
       <p:sp>
         <p:nvSpPr>
-          <p:cNvPr id="6" name="Title 3"/>
-          <p:cNvSpPr txBox="1">
-            <a:spLocks/>
+          <p:cNvPr id="4" name="Title 3"/>
+          <p:cNvSpPr>
+            <a:spLocks noGrp="1"/>
           </p:cNvSpPr>
-          <p:nvPr/>
+          <p:nvPr>
+            <p:ph type="title"/>
+          </p:nvPr>
         </p:nvSpPr>
         <p:spPr>
           <a:xfrm>
-            <a:off x="3998811" y="3199164"/>
-            <a:ext cx="2365776" cy="418700"/>
+            <a:off x="461085" y="409577"/>
+            <a:ext cx="8205261" cy="418700"/>
           </a:xfrm>
-          <a:prstGeom prst="rect">
-            <a:avLst/>
-          </a:prstGeom>
         </p:spPr>
         <p:txBody>
-          <a:bodyPr vert="horz" lIns="0" tIns="0" rIns="0" bIns="0" rtlCol="0" anchor="b" anchorCtr="0">
+          <a:bodyPr>
             <a:normAutofit/>
           </a:bodyPr>
-          <a:lstStyle>
-            <a:lvl1pPr algn="l" defTabSz="914400" rtl="0" eaLnBrk="1" latinLnBrk="0" hangingPunct="1">
-              <a:lnSpc>
-                <a:spcPts val="2600"/>
-              </a:lnSpc>
-              <a:spcBef>
-                <a:spcPct val="0"/>
-              </a:spcBef>
-              <a:buNone/>
-              <a:defRPr sz="2600" b="1" kern="1200">
-                <a:solidFill>
-                  <a:srgbClr val="000000"/>
-                </a:solidFill>
-                <a:latin typeface="Arial" pitchFamily="34" charset="0"/>
-                <a:ea typeface="+mj-ea"/>
-                <a:cs typeface="Arial" pitchFamily="34" charset="0"/>
-              </a:defRPr>
-            </a:lvl1pPr>
-          </a:lstStyle>
-          <a:p>
-            <a:r>
-              <a:rPr lang="en-US" sz="2000" dirty="0" smtClean="0">
-                <a:solidFill>
-                  <a:schemeClr val="tx1">
-                    <a:lumMod val="95000"/>
-                    <a:lumOff val="5000"/>
-                  </a:schemeClr>
-                </a:solidFill>
-              </a:rPr>
-              <a:t>Appendix</a:t>
+          <a:lstStyle/>
+          <a:p>
+            <a:r>
+              <a:rPr lang="en-CA" sz="2000" dirty="0" smtClean="0"/>
+              <a:t>Job Running</a:t>
             </a:r>
             <a:endParaRPr lang="en-US" sz="2000" dirty="0">
               <a:solidFill>
@@ -13479,21 +13554,50 @@
           </a:p>
         </p:txBody>
       </p:sp>
+      <p:pic>
+        <p:nvPicPr>
+          <p:cNvPr id="2" name="Picture 1"/>
+          <p:cNvPicPr>
+            <a:picLocks noChangeAspect="1"/>
+          </p:cNvPicPr>
+          <p:nvPr/>
+        </p:nvPicPr>
+        <p:blipFill>
+          <a:blip r:embed="rId3"/>
+          <a:stretch>
+            <a:fillRect/>
+          </a:stretch>
+        </p:blipFill>
+        <p:spPr>
+          <a:xfrm>
+            <a:off x="537481" y="1316976"/>
+            <a:ext cx="8452609" cy="4305225"/>
+          </a:xfrm>
+          <a:prstGeom prst="rect">
+            <a:avLst/>
+          </a:prstGeom>
+          <a:ln w="15875">
+            <a:solidFill>
+              <a:schemeClr val="accent1"/>
+            </a:solidFill>
+          </a:ln>
+        </p:spPr>
+      </p:pic>
     </p:spTree>
     <p:extLst>
       <p:ext uri="{BB962C8B-B14F-4D97-AF65-F5344CB8AC3E}">
-        <p14:creationId xmlns:p14="http://schemas.microsoft.com/office/powerpoint/2010/main" val="1285903035"/>
+        <p14:creationId xmlns:p14="http://schemas.microsoft.com/office/powerpoint/2010/main" val="766269457"/>
       </p:ext>
     </p:extLst>
   </p:cSld>
   <p:clrMapOvr>
     <a:masterClrMapping/>
   </p:clrMapOvr>
-  <mc:AlternateContent xmlns:mc="http://schemas.openxmlformats.org/markup-compatibility/2006">
-    <mc:Choice xmlns:p14="http://schemas.microsoft.com/office/powerpoint/2010/main" Requires="p14">
+  <mc:AlternateContent xmlns:mc="http://schemas.openxmlformats.org/markup-compatibility/2006" xmlns:p14="http://schemas.microsoft.com/office/powerpoint/2010/main">
+    <mc:Choice Requires="p14">
       <p:transition p14:dur="0"/>
     </mc:Choice>
-    <mc:Fallback>
+    <mc:Fallback xmlns="">
       <p:transition/>
     </mc:Fallback>
   </mc:AlternateContent>
@@ -13555,7 +13659,7 @@
             </a:r>
             <a:r>
               <a:rPr lang="en-CA" sz="2080" b="0" dirty="0" smtClean="0"/>
-              <a:t>June</a:t>
+              <a:t>May</a:t>
             </a:r>
             <a:endParaRPr lang="en-US" sz="2080" b="0" dirty="0"/>
           </a:p>
@@ -13568,11 +13672,7 @@
             <a:graphicFrameLocks noGrp="1"/>
           </p:cNvGraphicFramePr>
           <p:nvPr>
-            <p:extLst>
-              <p:ext uri="{D42A27DB-BD31-4B8C-83A1-F6EECF244321}">
-                <p14:modId xmlns:p14="http://schemas.microsoft.com/office/powerpoint/2010/main" val="1532436451"/>
-              </p:ext>
-            </p:extLst>
+            <p:extLst/>
           </p:nvPr>
         </p:nvGraphicFramePr>
         <p:xfrm>
@@ -13587,8 +13687,1547 @@
               </a:tblPr>
               <a:tblGrid>
                 <a:gridCol w="901523"/>
-                <a:gridCol w="4001226"/>
-                <a:gridCol w="2208477"/>
+                <a:gridCol w="3839294"/>
+                <a:gridCol w="2370409"/>
+              </a:tblGrid>
+              <a:tr h="409047">
+                <a:tc>
+                  <a:txBody>
+                    <a:bodyPr/>
+                    <a:lstStyle/>
+                    <a:p>
+                      <a:pPr algn="ctr" fontAlgn="b"/>
+                      <a:r>
+                        <a:rPr lang="en-US" sz="2000" b="1" i="0" u="none" strike="noStrike" dirty="0">
+                          <a:solidFill>
+                            <a:schemeClr val="bg1"/>
+                          </a:solidFill>
+                          <a:effectLst/>
+                          <a:latin typeface="Calibri" panose="020F0502020204030204" pitchFamily="34" charset="0"/>
+                        </a:rPr>
+                        <a:t>Rank</a:t>
+                      </a:r>
+                    </a:p>
+                  </a:txBody>
+                  <a:tcPr marL="9525" marR="9525" marT="9525" marB="0" anchor="ctr"/>
+                </a:tc>
+                <a:tc>
+                  <a:txBody>
+                    <a:bodyPr/>
+                    <a:lstStyle/>
+                    <a:p>
+                      <a:pPr algn="ctr" fontAlgn="b"/>
+                      <a:r>
+                        <a:rPr lang="en-US" sz="2000" b="1" i="0" u="none" strike="noStrike" dirty="0" smtClean="0">
+                          <a:solidFill>
+                            <a:schemeClr val="bg1"/>
+                          </a:solidFill>
+                          <a:effectLst/>
+                          <a:latin typeface="Calibri" panose="020F0502020204030204" pitchFamily="34" charset="0"/>
+                        </a:rPr>
+                        <a:t>Page</a:t>
+                      </a:r>
+                      <a:endParaRPr lang="en-US" sz="2000" b="1" i="0" u="none" strike="noStrike" dirty="0">
+                        <a:solidFill>
+                          <a:schemeClr val="bg1"/>
+                        </a:solidFill>
+                        <a:effectLst/>
+                        <a:latin typeface="Calibri" panose="020F0502020204030204" pitchFamily="34" charset="0"/>
+                      </a:endParaRPr>
+                    </a:p>
+                  </a:txBody>
+                  <a:tcPr marL="9525" marR="9525" marT="9525" marB="0" anchor="ctr"/>
+                </a:tc>
+                <a:tc>
+                  <a:txBody>
+                    <a:bodyPr/>
+                    <a:lstStyle/>
+                    <a:p>
+                      <a:pPr algn="ctr" fontAlgn="b"/>
+                      <a:r>
+                        <a:rPr lang="en-US" sz="2000" b="1" i="0" u="none" strike="noStrike" dirty="0" smtClean="0">
+                          <a:solidFill>
+                            <a:schemeClr val="bg1"/>
+                          </a:solidFill>
+                          <a:effectLst/>
+                          <a:latin typeface="Calibri" panose="020F0502020204030204" pitchFamily="34" charset="0"/>
+                        </a:rPr>
+                        <a:t>Requests</a:t>
+                      </a:r>
+                      <a:endParaRPr lang="en-US" sz="2000" b="1" i="0" u="none" strike="noStrike" dirty="0">
+                        <a:solidFill>
+                          <a:schemeClr val="bg1"/>
+                        </a:solidFill>
+                        <a:effectLst/>
+                        <a:latin typeface="Calibri" panose="020F0502020204030204" pitchFamily="34" charset="0"/>
+                      </a:endParaRPr>
+                    </a:p>
+                  </a:txBody>
+                  <a:tcPr marL="9525" marR="9525" marT="9525" marB="0" anchor="ctr"/>
+                </a:tc>
+              </a:tr>
+              <a:tr h="301753">
+                <a:tc>
+                  <a:txBody>
+                    <a:bodyPr/>
+                    <a:lstStyle/>
+                    <a:p>
+                      <a:pPr algn="ctr" fontAlgn="ctr"/>
+                      <a:r>
+                        <a:rPr lang="en-US" sz="2000" b="0" i="0" u="none" strike="noStrike" dirty="0">
+                          <a:solidFill>
+                            <a:srgbClr val="000000"/>
+                          </a:solidFill>
+                          <a:effectLst/>
+                          <a:latin typeface="Calibri" panose="020F0502020204030204" pitchFamily="34" charset="0"/>
+                          <a:cs typeface="Arial" panose="020B0604020202020204" pitchFamily="34" charset="0"/>
+                        </a:rPr>
+                        <a:t>1</a:t>
+                      </a:r>
+                    </a:p>
+                  </a:txBody>
+                  <a:tcPr marL="9525" marR="9525" marT="9525" marB="0" anchor="ctr">
+                    <a:solidFill>
+                      <a:schemeClr val="bg1">
+                        <a:lumMod val="95000"/>
+                      </a:schemeClr>
+                    </a:solidFill>
+                  </a:tcPr>
+                </a:tc>
+                <a:tc>
+                  <a:txBody>
+                    <a:bodyPr/>
+                    <a:lstStyle/>
+                    <a:p>
+                      <a:pPr lvl="0" algn="l" fontAlgn="b"/>
+                      <a:r>
+                        <a:rPr lang="en-US" sz="2000" b="0" i="0" u="none" strike="noStrike" dirty="0">
+                          <a:solidFill>
+                            <a:srgbClr val="000000"/>
+                          </a:solidFill>
+                          <a:effectLst/>
+                          <a:latin typeface="Calibri" panose="020F0502020204030204" pitchFamily="34" charset="0"/>
+                          <a:cs typeface="Arial" panose="020B0604020202020204" pitchFamily="34" charset="0"/>
+                        </a:rPr>
+                        <a:t>Malware</a:t>
+                      </a:r>
+                    </a:p>
+                  </a:txBody>
+                  <a:tcPr marL="9525" marR="9525" marT="9525" marB="0" anchor="b">
+                    <a:solidFill>
+                      <a:schemeClr val="bg1">
+                        <a:lumMod val="95000"/>
+                      </a:schemeClr>
+                    </a:solidFill>
+                  </a:tcPr>
+                </a:tc>
+                <a:tc>
+                  <a:txBody>
+                    <a:bodyPr/>
+                    <a:lstStyle/>
+                    <a:p>
+                      <a:pPr algn="ctr" rtl="0" fontAlgn="b"/>
+                      <a:r>
+                        <a:rPr lang="en-US" sz="2000" b="0" i="0" u="none" strike="noStrike">
+                          <a:solidFill>
+                            <a:srgbClr val="000000"/>
+                          </a:solidFill>
+                          <a:effectLst/>
+                          <a:latin typeface="Calibri" panose="020F0502020204030204" pitchFamily="34" charset="0"/>
+                        </a:rPr>
+                        <a:t>7,885,529</a:t>
+                      </a:r>
+                    </a:p>
+                  </a:txBody>
+                  <a:tcPr marL="9525" marR="9525" marT="9525" marB="0" anchor="b">
+                    <a:solidFill>
+                      <a:schemeClr val="bg1">
+                        <a:lumMod val="95000"/>
+                      </a:schemeClr>
+                    </a:solidFill>
+                  </a:tcPr>
+                </a:tc>
+              </a:tr>
+              <a:tr h="301753">
+                <a:tc>
+                  <a:txBody>
+                    <a:bodyPr/>
+                    <a:lstStyle/>
+                    <a:p>
+                      <a:pPr algn="ctr" fontAlgn="ctr"/>
+                      <a:r>
+                        <a:rPr lang="en-US" sz="2000" b="0" i="0" u="none" strike="noStrike" dirty="0">
+                          <a:solidFill>
+                            <a:srgbClr val="000000"/>
+                          </a:solidFill>
+                          <a:effectLst/>
+                          <a:latin typeface="Calibri" panose="020F0502020204030204" pitchFamily="34" charset="0"/>
+                          <a:cs typeface="Arial" panose="020B0604020202020204" pitchFamily="34" charset="0"/>
+                        </a:rPr>
+                        <a:t>2</a:t>
+                      </a:r>
+                    </a:p>
+                  </a:txBody>
+                  <a:tcPr marL="9525" marR="9525" marT="9525" marB="0" anchor="ctr">
+                    <a:solidFill>
+                      <a:schemeClr val="bg1">
+                        <a:lumMod val="95000"/>
+                      </a:schemeClr>
+                    </a:solidFill>
+                  </a:tcPr>
+                </a:tc>
+                <a:tc>
+                  <a:txBody>
+                    <a:bodyPr/>
+                    <a:lstStyle/>
+                    <a:p>
+                      <a:pPr lvl="0" algn="l" fontAlgn="b"/>
+                      <a:r>
+                        <a:rPr lang="en-US" sz="2000" b="0" i="0" u="none" strike="noStrike" dirty="0">
+                          <a:solidFill>
+                            <a:srgbClr val="000000"/>
+                          </a:solidFill>
+                          <a:effectLst/>
+                          <a:latin typeface="Calibri" panose="020F0502020204030204" pitchFamily="34" charset="0"/>
+                          <a:cs typeface="Arial" panose="020B0604020202020204" pitchFamily="34" charset="0"/>
+                        </a:rPr>
+                        <a:t>Falcon_9_v1.1</a:t>
+                      </a:r>
+                    </a:p>
+                  </a:txBody>
+                  <a:tcPr marL="9525" marR="9525" marT="9525" marB="0" anchor="b">
+                    <a:solidFill>
+                      <a:schemeClr val="bg1">
+                        <a:lumMod val="95000"/>
+                      </a:schemeClr>
+                    </a:solidFill>
+                  </a:tcPr>
+                </a:tc>
+                <a:tc>
+                  <a:txBody>
+                    <a:bodyPr/>
+                    <a:lstStyle/>
+                    <a:p>
+                      <a:pPr algn="ctr" rtl="0" fontAlgn="b"/>
+                      <a:r>
+                        <a:rPr lang="en-US" sz="2000" b="0" i="0" u="none" strike="noStrike">
+                          <a:solidFill>
+                            <a:srgbClr val="000000"/>
+                          </a:solidFill>
+                          <a:effectLst/>
+                          <a:latin typeface="Calibri" panose="020F0502020204030204" pitchFamily="34" charset="0"/>
+                        </a:rPr>
+                        <a:t>4,601,897</a:t>
+                      </a:r>
+                    </a:p>
+                  </a:txBody>
+                  <a:tcPr marL="9525" marR="9525" marT="9525" marB="0" anchor="b">
+                    <a:solidFill>
+                      <a:schemeClr val="bg1">
+                        <a:lumMod val="95000"/>
+                      </a:schemeClr>
+                    </a:solidFill>
+                  </a:tcPr>
+                </a:tc>
+              </a:tr>
+              <a:tr h="301753">
+                <a:tc>
+                  <a:txBody>
+                    <a:bodyPr/>
+                    <a:lstStyle/>
+                    <a:p>
+                      <a:pPr algn="ctr" fontAlgn="ctr"/>
+                      <a:r>
+                        <a:rPr lang="en-US" sz="2000" b="0" i="0" u="none" strike="noStrike" dirty="0">
+                          <a:solidFill>
+                            <a:srgbClr val="000000"/>
+                          </a:solidFill>
+                          <a:effectLst/>
+                          <a:latin typeface="Calibri" panose="020F0502020204030204" pitchFamily="34" charset="0"/>
+                          <a:cs typeface="Arial" panose="020B0604020202020204" pitchFamily="34" charset="0"/>
+                        </a:rPr>
+                        <a:t>3</a:t>
+                      </a:r>
+                    </a:p>
+                  </a:txBody>
+                  <a:tcPr marL="9525" marR="9525" marT="9525" marB="0" anchor="ctr">
+                    <a:solidFill>
+                      <a:schemeClr val="bg1">
+                        <a:lumMod val="95000"/>
+                      </a:schemeClr>
+                    </a:solidFill>
+                  </a:tcPr>
+                </a:tc>
+                <a:tc>
+                  <a:txBody>
+                    <a:bodyPr/>
+                    <a:lstStyle/>
+                    <a:p>
+                      <a:pPr lvl="0" algn="l" fontAlgn="b"/>
+                      <a:r>
+                        <a:rPr lang="en-US" sz="2000" b="0" i="0" u="none" strike="noStrike" dirty="0">
+                          <a:solidFill>
+                            <a:srgbClr val="000000"/>
+                          </a:solidFill>
+                          <a:effectLst/>
+                          <a:latin typeface="Calibri" panose="020F0502020204030204" pitchFamily="34" charset="0"/>
+                          <a:cs typeface="Arial" panose="020B0604020202020204" pitchFamily="34" charset="0"/>
+                        </a:rPr>
+                        <a:t>Academy_Awards</a:t>
+                      </a:r>
+                    </a:p>
+                  </a:txBody>
+                  <a:tcPr marL="9525" marR="9525" marT="9525" marB="0" anchor="b">
+                    <a:solidFill>
+                      <a:schemeClr val="bg1">
+                        <a:lumMod val="95000"/>
+                      </a:schemeClr>
+                    </a:solidFill>
+                  </a:tcPr>
+                </a:tc>
+                <a:tc>
+                  <a:txBody>
+                    <a:bodyPr/>
+                    <a:lstStyle/>
+                    <a:p>
+                      <a:pPr algn="ctr" rtl="0" fontAlgn="b"/>
+                      <a:r>
+                        <a:rPr lang="en-US" sz="2000" b="0" i="0" u="none" strike="noStrike">
+                          <a:solidFill>
+                            <a:srgbClr val="000000"/>
+                          </a:solidFill>
+                          <a:effectLst/>
+                          <a:latin typeface="Calibri" panose="020F0502020204030204" pitchFamily="34" charset="0"/>
+                        </a:rPr>
+                        <a:t>4,353,390</a:t>
+                      </a:r>
+                    </a:p>
+                  </a:txBody>
+                  <a:tcPr marL="9525" marR="9525" marT="9525" marB="0" anchor="b">
+                    <a:solidFill>
+                      <a:schemeClr val="bg1">
+                        <a:lumMod val="95000"/>
+                      </a:schemeClr>
+                    </a:solidFill>
+                  </a:tcPr>
+                </a:tc>
+              </a:tr>
+              <a:tr h="301753">
+                <a:tc>
+                  <a:txBody>
+                    <a:bodyPr/>
+                    <a:lstStyle/>
+                    <a:p>
+                      <a:pPr algn="ctr" fontAlgn="ctr"/>
+                      <a:r>
+                        <a:rPr lang="en-US" sz="2000" b="0" i="0" u="none" strike="noStrike" dirty="0">
+                          <a:solidFill>
+                            <a:srgbClr val="000000"/>
+                          </a:solidFill>
+                          <a:effectLst/>
+                          <a:latin typeface="Calibri" panose="020F0502020204030204" pitchFamily="34" charset="0"/>
+                          <a:cs typeface="Arial" panose="020B0604020202020204" pitchFamily="34" charset="0"/>
+                        </a:rPr>
+                        <a:t>4</a:t>
+                      </a:r>
+                    </a:p>
+                  </a:txBody>
+                  <a:tcPr marL="9525" marR="9525" marT="9525" marB="0" anchor="ctr">
+                    <a:solidFill>
+                      <a:schemeClr val="bg1">
+                        <a:lumMod val="95000"/>
+                      </a:schemeClr>
+                    </a:solidFill>
+                  </a:tcPr>
+                </a:tc>
+                <a:tc>
+                  <a:txBody>
+                    <a:bodyPr/>
+                    <a:lstStyle/>
+                    <a:p>
+                      <a:pPr lvl="0" algn="l" fontAlgn="b"/>
+                      <a:r>
+                        <a:rPr lang="en-US" sz="2000" b="0" i="0" u="none" strike="noStrike" dirty="0">
+                          <a:solidFill>
+                            <a:srgbClr val="000000"/>
+                          </a:solidFill>
+                          <a:effectLst/>
+                          <a:latin typeface="Calibri" panose="020F0502020204030204" pitchFamily="34" charset="0"/>
+                          <a:cs typeface="Arial" panose="020B0604020202020204" pitchFamily="34" charset="0"/>
+                        </a:rPr>
+                        <a:t>Avengers:_Age_of_Ultron</a:t>
+                      </a:r>
+                    </a:p>
+                  </a:txBody>
+                  <a:tcPr marL="9525" marR="9525" marT="9525" marB="0" anchor="b">
+                    <a:solidFill>
+                      <a:schemeClr val="bg1">
+                        <a:lumMod val="95000"/>
+                      </a:schemeClr>
+                    </a:solidFill>
+                  </a:tcPr>
+                </a:tc>
+                <a:tc>
+                  <a:txBody>
+                    <a:bodyPr/>
+                    <a:lstStyle/>
+                    <a:p>
+                      <a:pPr algn="ctr" rtl="0" fontAlgn="b"/>
+                      <a:r>
+                        <a:rPr lang="en-US" sz="2000" b="0" i="0" u="none" strike="noStrike">
+                          <a:solidFill>
+                            <a:srgbClr val="000000"/>
+                          </a:solidFill>
+                          <a:effectLst/>
+                          <a:latin typeface="Calibri" panose="020F0502020204030204" pitchFamily="34" charset="0"/>
+                        </a:rPr>
+                        <a:t>2,164,117</a:t>
+                      </a:r>
+                    </a:p>
+                  </a:txBody>
+                  <a:tcPr marL="9525" marR="9525" marT="9525" marB="0" anchor="b">
+                    <a:solidFill>
+                      <a:schemeClr val="bg1">
+                        <a:lumMod val="95000"/>
+                      </a:schemeClr>
+                    </a:solidFill>
+                  </a:tcPr>
+                </a:tc>
+              </a:tr>
+              <a:tr h="301753">
+                <a:tc>
+                  <a:txBody>
+                    <a:bodyPr/>
+                    <a:lstStyle/>
+                    <a:p>
+                      <a:pPr algn="ctr" fontAlgn="ctr"/>
+                      <a:r>
+                        <a:rPr lang="en-US" sz="2000" b="0" i="0" u="none" strike="noStrike" dirty="0">
+                          <a:solidFill>
+                            <a:srgbClr val="000000"/>
+                          </a:solidFill>
+                          <a:effectLst/>
+                          <a:latin typeface="Calibri" panose="020F0502020204030204" pitchFamily="34" charset="0"/>
+                          <a:cs typeface="Arial" panose="020B0604020202020204" pitchFamily="34" charset="0"/>
+                        </a:rPr>
+                        <a:t>5</a:t>
+                      </a:r>
+                    </a:p>
+                  </a:txBody>
+                  <a:tcPr marL="9525" marR="9525" marT="9525" marB="0" anchor="ctr">
+                    <a:solidFill>
+                      <a:schemeClr val="bg1">
+                        <a:lumMod val="95000"/>
+                      </a:schemeClr>
+                    </a:solidFill>
+                  </a:tcPr>
+                </a:tc>
+                <a:tc>
+                  <a:txBody>
+                    <a:bodyPr/>
+                    <a:lstStyle/>
+                    <a:p>
+                      <a:pPr lvl="0" algn="l" fontAlgn="b"/>
+                      <a:r>
+                        <a:rPr lang="en-US" sz="2000" b="0" i="0" u="none" strike="noStrike" dirty="0">
+                          <a:solidFill>
+                            <a:srgbClr val="000000"/>
+                          </a:solidFill>
+                          <a:effectLst/>
+                          <a:latin typeface="Calibri" panose="020F0502020204030204" pitchFamily="34" charset="0"/>
+                          <a:cs typeface="Arial" panose="020B0604020202020204" pitchFamily="34" charset="0"/>
+                        </a:rPr>
+                        <a:t>2015_in_spaceflight</a:t>
+                      </a:r>
+                    </a:p>
+                  </a:txBody>
+                  <a:tcPr marL="9525" marR="9525" marT="9525" marB="0" anchor="b">
+                    <a:solidFill>
+                      <a:schemeClr val="bg1">
+                        <a:lumMod val="95000"/>
+                      </a:schemeClr>
+                    </a:solidFill>
+                  </a:tcPr>
+                </a:tc>
+                <a:tc>
+                  <a:txBody>
+                    <a:bodyPr/>
+                    <a:lstStyle/>
+                    <a:p>
+                      <a:pPr algn="ctr" rtl="0" fontAlgn="b"/>
+                      <a:r>
+                        <a:rPr lang="en-US" sz="2000" b="0" i="0" u="none" strike="noStrike" dirty="0">
+                          <a:solidFill>
+                            <a:srgbClr val="000000"/>
+                          </a:solidFill>
+                          <a:effectLst/>
+                          <a:latin typeface="Calibri" panose="020F0502020204030204" pitchFamily="34" charset="0"/>
+                        </a:rPr>
+                        <a:t>2,128,490</a:t>
+                      </a:r>
+                    </a:p>
+                  </a:txBody>
+                  <a:tcPr marL="9525" marR="9525" marT="9525" marB="0" anchor="b">
+                    <a:solidFill>
+                      <a:schemeClr val="bg1">
+                        <a:lumMod val="95000"/>
+                      </a:schemeClr>
+                    </a:solidFill>
+                  </a:tcPr>
+                </a:tc>
+              </a:tr>
+              <a:tr h="301753">
+                <a:tc>
+                  <a:txBody>
+                    <a:bodyPr/>
+                    <a:lstStyle/>
+                    <a:p>
+                      <a:pPr algn="ctr" fontAlgn="ctr"/>
+                      <a:r>
+                        <a:rPr lang="en-US" sz="2000" b="0" i="0" u="none" strike="noStrike" dirty="0">
+                          <a:solidFill>
+                            <a:srgbClr val="000000"/>
+                          </a:solidFill>
+                          <a:effectLst/>
+                          <a:latin typeface="Calibri" panose="020F0502020204030204" pitchFamily="34" charset="0"/>
+                          <a:cs typeface="Arial" panose="020B0604020202020204" pitchFamily="34" charset="0"/>
+                        </a:rPr>
+                        <a:t>6</a:t>
+                      </a:r>
+                    </a:p>
+                  </a:txBody>
+                  <a:tcPr marL="9525" marR="9525" marT="9525" marB="0" anchor="ctr">
+                    <a:solidFill>
+                      <a:schemeClr val="bg1">
+                        <a:lumMod val="95000"/>
+                      </a:schemeClr>
+                    </a:solidFill>
+                  </a:tcPr>
+                </a:tc>
+                <a:tc>
+                  <a:txBody>
+                    <a:bodyPr/>
+                    <a:lstStyle/>
+                    <a:p>
+                      <a:pPr lvl="0" algn="l" fontAlgn="b"/>
+                      <a:r>
+                        <a:rPr lang="en-US" sz="2000" b="0" i="0" u="none" strike="noStrike" dirty="0">
+                          <a:solidFill>
+                            <a:srgbClr val="000000"/>
+                          </a:solidFill>
+                          <a:effectLst/>
+                          <a:latin typeface="Calibri" panose="020F0502020204030204" pitchFamily="34" charset="0"/>
+                          <a:cs typeface="Arial" panose="020B0604020202020204" pitchFamily="34" charset="0"/>
+                        </a:rPr>
+                        <a:t>Mad_Max:_Fury_Road</a:t>
+                      </a:r>
+                    </a:p>
+                  </a:txBody>
+                  <a:tcPr marL="9525" marR="9525" marT="9525" marB="0" anchor="b">
+                    <a:solidFill>
+                      <a:schemeClr val="bg1">
+                        <a:lumMod val="95000"/>
+                      </a:schemeClr>
+                    </a:solidFill>
+                  </a:tcPr>
+                </a:tc>
+                <a:tc>
+                  <a:txBody>
+                    <a:bodyPr/>
+                    <a:lstStyle/>
+                    <a:p>
+                      <a:pPr algn="ctr" rtl="0" fontAlgn="b"/>
+                      <a:r>
+                        <a:rPr lang="en-US" sz="2000" b="0" i="0" u="none" strike="noStrike">
+                          <a:solidFill>
+                            <a:srgbClr val="000000"/>
+                          </a:solidFill>
+                          <a:effectLst/>
+                          <a:latin typeface="Calibri" panose="020F0502020204030204" pitchFamily="34" charset="0"/>
+                        </a:rPr>
+                        <a:t>1,769,086</a:t>
+                      </a:r>
+                    </a:p>
+                  </a:txBody>
+                  <a:tcPr marL="9525" marR="9525" marT="9525" marB="0" anchor="b">
+                    <a:solidFill>
+                      <a:schemeClr val="bg1">
+                        <a:lumMod val="95000"/>
+                      </a:schemeClr>
+                    </a:solidFill>
+                  </a:tcPr>
+                </a:tc>
+              </a:tr>
+              <a:tr h="301753">
+                <a:tc>
+                  <a:txBody>
+                    <a:bodyPr/>
+                    <a:lstStyle/>
+                    <a:p>
+                      <a:pPr algn="ctr" fontAlgn="ctr"/>
+                      <a:r>
+                        <a:rPr lang="en-US" sz="2000" b="0" i="0" u="none" strike="noStrike" dirty="0">
+                          <a:solidFill>
+                            <a:srgbClr val="000000"/>
+                          </a:solidFill>
+                          <a:effectLst/>
+                          <a:latin typeface="Calibri" panose="020F0502020204030204" pitchFamily="34" charset="0"/>
+                          <a:cs typeface="Arial" panose="020B0604020202020204" pitchFamily="34" charset="0"/>
+                        </a:rPr>
+                        <a:t>7</a:t>
+                      </a:r>
+                    </a:p>
+                  </a:txBody>
+                  <a:tcPr marL="9525" marR="9525" marT="9525" marB="0" anchor="ctr">
+                    <a:solidFill>
+                      <a:schemeClr val="bg1">
+                        <a:lumMod val="95000"/>
+                      </a:schemeClr>
+                    </a:solidFill>
+                  </a:tcPr>
+                </a:tc>
+                <a:tc>
+                  <a:txBody>
+                    <a:bodyPr/>
+                    <a:lstStyle/>
+                    <a:p>
+                      <a:pPr lvl="0" algn="l" fontAlgn="b"/>
+                      <a:r>
+                        <a:rPr lang="en-US" sz="2000" b="0" i="0" u="none" strike="noStrike" dirty="0">
+                          <a:solidFill>
+                            <a:srgbClr val="000000"/>
+                          </a:solidFill>
+                          <a:effectLst/>
+                          <a:latin typeface="Calibri" panose="020F0502020204030204" pitchFamily="34" charset="0"/>
+                          <a:cs typeface="Arial" panose="020B0604020202020204" pitchFamily="34" charset="0"/>
+                        </a:rPr>
+                        <a:t>Nellie_Bly</a:t>
+                      </a:r>
+                    </a:p>
+                  </a:txBody>
+                  <a:tcPr marL="9525" marR="9525" marT="9525" marB="0" anchor="b">
+                    <a:solidFill>
+                      <a:schemeClr val="bg1">
+                        <a:lumMod val="95000"/>
+                      </a:schemeClr>
+                    </a:solidFill>
+                  </a:tcPr>
+                </a:tc>
+                <a:tc>
+                  <a:txBody>
+                    <a:bodyPr/>
+                    <a:lstStyle/>
+                    <a:p>
+                      <a:pPr algn="ctr" rtl="0" fontAlgn="b"/>
+                      <a:r>
+                        <a:rPr lang="en-US" sz="2000" b="0" i="0" u="none" strike="noStrike" dirty="0">
+                          <a:solidFill>
+                            <a:srgbClr val="000000"/>
+                          </a:solidFill>
+                          <a:effectLst/>
+                          <a:latin typeface="Calibri" panose="020F0502020204030204" pitchFamily="34" charset="0"/>
+                        </a:rPr>
+                        <a:t>1,732,868</a:t>
+                      </a:r>
+                    </a:p>
+                  </a:txBody>
+                  <a:tcPr marL="9525" marR="9525" marT="9525" marB="0" anchor="b">
+                    <a:solidFill>
+                      <a:schemeClr val="bg1">
+                        <a:lumMod val="95000"/>
+                      </a:schemeClr>
+                    </a:solidFill>
+                  </a:tcPr>
+                </a:tc>
+              </a:tr>
+              <a:tr h="301753">
+                <a:tc>
+                  <a:txBody>
+                    <a:bodyPr/>
+                    <a:lstStyle/>
+                    <a:p>
+                      <a:pPr algn="ctr" fontAlgn="ctr"/>
+                      <a:r>
+                        <a:rPr lang="en-US" sz="2000" b="0" i="0" u="none" strike="noStrike" dirty="0">
+                          <a:solidFill>
+                            <a:srgbClr val="000000"/>
+                          </a:solidFill>
+                          <a:effectLst/>
+                          <a:latin typeface="Calibri" panose="020F0502020204030204" pitchFamily="34" charset="0"/>
+                          <a:cs typeface="Arial" panose="020B0604020202020204" pitchFamily="34" charset="0"/>
+                        </a:rPr>
+                        <a:t>8</a:t>
+                      </a:r>
+                    </a:p>
+                  </a:txBody>
+                  <a:tcPr marL="9525" marR="9525" marT="9525" marB="0" anchor="ctr">
+                    <a:solidFill>
+                      <a:schemeClr val="bg1">
+                        <a:lumMod val="95000"/>
+                      </a:schemeClr>
+                    </a:solidFill>
+                  </a:tcPr>
+                </a:tc>
+                <a:tc>
+                  <a:txBody>
+                    <a:bodyPr/>
+                    <a:lstStyle/>
+                    <a:p>
+                      <a:pPr lvl="0" algn="l" fontAlgn="b"/>
+                      <a:r>
+                        <a:rPr lang="en-US" sz="2000" b="0" i="0" u="none" strike="noStrike" dirty="0">
+                          <a:solidFill>
+                            <a:srgbClr val="000000"/>
+                          </a:solidFill>
+                          <a:effectLst/>
+                          <a:latin typeface="Calibri" panose="020F0502020204030204" pitchFamily="34" charset="0"/>
+                          <a:cs typeface="Arial" panose="020B0604020202020204" pitchFamily="34" charset="0"/>
+                        </a:rPr>
+                        <a:t>Floyd_Mayweather</a:t>
+                      </a:r>
+                    </a:p>
+                  </a:txBody>
+                  <a:tcPr marL="9525" marR="9525" marT="9525" marB="0" anchor="b">
+                    <a:solidFill>
+                      <a:schemeClr val="bg1">
+                        <a:lumMod val="95000"/>
+                      </a:schemeClr>
+                    </a:solidFill>
+                  </a:tcPr>
+                </a:tc>
+                <a:tc>
+                  <a:txBody>
+                    <a:bodyPr/>
+                    <a:lstStyle/>
+                    <a:p>
+                      <a:pPr algn="ctr" rtl="0" fontAlgn="b"/>
+                      <a:r>
+                        <a:rPr lang="en-US" sz="2000" b="0" i="0" u="none" strike="noStrike" dirty="0">
+                          <a:solidFill>
+                            <a:srgbClr val="000000"/>
+                          </a:solidFill>
+                          <a:effectLst/>
+                          <a:latin typeface="Calibri" panose="020F0502020204030204" pitchFamily="34" charset="0"/>
+                        </a:rPr>
+                        <a:t>1,716,975</a:t>
+                      </a:r>
+                    </a:p>
+                  </a:txBody>
+                  <a:tcPr marL="9525" marR="9525" marT="9525" marB="0" anchor="b">
+                    <a:solidFill>
+                      <a:schemeClr val="bg1">
+                        <a:lumMod val="95000"/>
+                      </a:schemeClr>
+                    </a:solidFill>
+                  </a:tcPr>
+                </a:tc>
+              </a:tr>
+              <a:tr h="301753">
+                <a:tc>
+                  <a:txBody>
+                    <a:bodyPr/>
+                    <a:lstStyle/>
+                    <a:p>
+                      <a:pPr algn="ctr" fontAlgn="ctr"/>
+                      <a:r>
+                        <a:rPr lang="en-US" sz="2000" b="0" i="0" u="none" strike="noStrike" dirty="0" smtClean="0">
+                          <a:solidFill>
+                            <a:srgbClr val="000000"/>
+                          </a:solidFill>
+                          <a:effectLst/>
+                          <a:latin typeface="Calibri" panose="020F0502020204030204" pitchFamily="34" charset="0"/>
+                          <a:cs typeface="Arial" panose="020B0604020202020204" pitchFamily="34" charset="0"/>
+                        </a:rPr>
+                        <a:t>9</a:t>
+                      </a:r>
+                      <a:endParaRPr lang="en-US" sz="2000" b="0" i="0" u="none" strike="noStrike" dirty="0">
+                        <a:solidFill>
+                          <a:srgbClr val="000000"/>
+                        </a:solidFill>
+                        <a:effectLst/>
+                        <a:latin typeface="Calibri" panose="020F0502020204030204" pitchFamily="34" charset="0"/>
+                        <a:cs typeface="Arial" panose="020B0604020202020204" pitchFamily="34" charset="0"/>
+                      </a:endParaRPr>
+                    </a:p>
+                  </a:txBody>
+                  <a:tcPr marL="9525" marR="9525" marT="9525" marB="0" anchor="ctr">
+                    <a:solidFill>
+                      <a:schemeClr val="bg1">
+                        <a:lumMod val="95000"/>
+                      </a:schemeClr>
+                    </a:solidFill>
+                  </a:tcPr>
+                </a:tc>
+                <a:tc>
+                  <a:txBody>
+                    <a:bodyPr/>
+                    <a:lstStyle/>
+                    <a:p>
+                      <a:pPr lvl="0" algn="l" fontAlgn="b"/>
+                      <a:r>
+                        <a:rPr lang="en-US" sz="2000" b="0" i="0" u="none" strike="noStrike" dirty="0">
+                          <a:solidFill>
+                            <a:srgbClr val="000000"/>
+                          </a:solidFill>
+                          <a:effectLst/>
+                          <a:latin typeface="Calibri" panose="020F0502020204030204" pitchFamily="34" charset="0"/>
+                          <a:cs typeface="Arial" panose="020B0604020202020204" pitchFamily="34" charset="0"/>
+                        </a:rPr>
+                        <a:t>Plantronics_Headset</a:t>
+                      </a:r>
+                    </a:p>
+                  </a:txBody>
+                  <a:tcPr marL="9525" marR="9525" marT="9525" marB="0" anchor="b">
+                    <a:solidFill>
+                      <a:schemeClr val="bg1">
+                        <a:lumMod val="95000"/>
+                      </a:schemeClr>
+                    </a:solidFill>
+                  </a:tcPr>
+                </a:tc>
+                <a:tc>
+                  <a:txBody>
+                    <a:bodyPr/>
+                    <a:lstStyle/>
+                    <a:p>
+                      <a:pPr algn="ctr" rtl="0" fontAlgn="b"/>
+                      <a:r>
+                        <a:rPr lang="en-US" sz="2000" b="0" i="0" u="none" strike="noStrike">
+                          <a:solidFill>
+                            <a:srgbClr val="000000"/>
+                          </a:solidFill>
+                          <a:effectLst/>
+                          <a:latin typeface="Calibri" panose="020F0502020204030204" pitchFamily="34" charset="0"/>
+                        </a:rPr>
+                        <a:t>1,660,100</a:t>
+                      </a:r>
+                    </a:p>
+                  </a:txBody>
+                  <a:tcPr marL="9525" marR="9525" marT="9525" marB="0" anchor="b">
+                    <a:solidFill>
+                      <a:schemeClr val="bg1">
+                        <a:lumMod val="95000"/>
+                      </a:schemeClr>
+                    </a:solidFill>
+                  </a:tcPr>
+                </a:tc>
+              </a:tr>
+              <a:tr h="301753">
+                <a:tc>
+                  <a:txBody>
+                    <a:bodyPr/>
+                    <a:lstStyle/>
+                    <a:p>
+                      <a:pPr algn="ctr" fontAlgn="ctr"/>
+                      <a:r>
+                        <a:rPr lang="en-US" sz="2000" b="0" i="0" u="none" strike="noStrike" dirty="0" smtClean="0">
+                          <a:solidFill>
+                            <a:srgbClr val="000000"/>
+                          </a:solidFill>
+                          <a:effectLst/>
+                          <a:latin typeface="Calibri" panose="020F0502020204030204" pitchFamily="34" charset="0"/>
+                          <a:cs typeface="Arial" panose="020B0604020202020204" pitchFamily="34" charset="0"/>
+                        </a:rPr>
+                        <a:t>10</a:t>
+                      </a:r>
+                      <a:endParaRPr lang="en-US" sz="2000" b="0" i="0" u="none" strike="noStrike" dirty="0">
+                        <a:solidFill>
+                          <a:srgbClr val="000000"/>
+                        </a:solidFill>
+                        <a:effectLst/>
+                        <a:latin typeface="Calibri" panose="020F0502020204030204" pitchFamily="34" charset="0"/>
+                        <a:cs typeface="Arial" panose="020B0604020202020204" pitchFamily="34" charset="0"/>
+                      </a:endParaRPr>
+                    </a:p>
+                  </a:txBody>
+                  <a:tcPr marL="9525" marR="9525" marT="9525" marB="0" anchor="ctr">
+                    <a:solidFill>
+                      <a:schemeClr val="bg1">
+                        <a:lumMod val="95000"/>
+                      </a:schemeClr>
+                    </a:solidFill>
+                  </a:tcPr>
+                </a:tc>
+                <a:tc>
+                  <a:txBody>
+                    <a:bodyPr/>
+                    <a:lstStyle/>
+                    <a:p>
+                      <a:pPr lvl="0" algn="l" fontAlgn="b"/>
+                      <a:r>
+                        <a:rPr lang="en-US" sz="2000" b="0" i="0" u="none" strike="noStrike" dirty="0">
+                          <a:solidFill>
+                            <a:srgbClr val="000000"/>
+                          </a:solidFill>
+                          <a:effectLst/>
+                          <a:latin typeface="Calibri" panose="020F0502020204030204" pitchFamily="34" charset="0"/>
+                          <a:cs typeface="Arial" panose="020B0604020202020204" pitchFamily="34" charset="0"/>
+                        </a:rPr>
+                        <a:t>Sally_Ride</a:t>
+                      </a:r>
+                    </a:p>
+                  </a:txBody>
+                  <a:tcPr marL="9525" marR="9525" marT="9525" marB="0" anchor="b">
+                    <a:solidFill>
+                      <a:schemeClr val="bg1">
+                        <a:lumMod val="95000"/>
+                      </a:schemeClr>
+                    </a:solidFill>
+                  </a:tcPr>
+                </a:tc>
+                <a:tc>
+                  <a:txBody>
+                    <a:bodyPr/>
+                    <a:lstStyle/>
+                    <a:p>
+                      <a:pPr algn="ctr" rtl="0" fontAlgn="b"/>
+                      <a:r>
+                        <a:rPr lang="en-US" sz="2000" b="0" i="0" u="none" strike="noStrike" dirty="0">
+                          <a:solidFill>
+                            <a:srgbClr val="000000"/>
+                          </a:solidFill>
+                          <a:effectLst/>
+                          <a:latin typeface="Calibri" panose="020F0502020204030204" pitchFamily="34" charset="0"/>
+                        </a:rPr>
+                        <a:t>1,620,413</a:t>
+                      </a:r>
+                    </a:p>
+                  </a:txBody>
+                  <a:tcPr marL="9525" marR="9525" marT="9525" marB="0" anchor="b">
+                    <a:solidFill>
+                      <a:schemeClr val="bg1">
+                        <a:lumMod val="95000"/>
+                      </a:schemeClr>
+                    </a:solidFill>
+                  </a:tcPr>
+                </a:tc>
+              </a:tr>
+            </a:tbl>
+          </a:graphicData>
+        </a:graphic>
+      </p:graphicFrame>
+    </p:spTree>
+    <p:extLst>
+      <p:ext uri="{BB962C8B-B14F-4D97-AF65-F5344CB8AC3E}">
+        <p14:creationId xmlns:p14="http://schemas.microsoft.com/office/powerpoint/2010/main" val="3252712744"/>
+      </p:ext>
+    </p:extLst>
+  </p:cSld>
+  <p:clrMapOvr>
+    <a:masterClrMapping/>
+  </p:clrMapOvr>
+  <p:timing>
+    <p:tnLst>
+      <p:par>
+        <p:cTn id="1" dur="indefinite" restart="never" nodeType="tmRoot"/>
+      </p:par>
+    </p:tnLst>
+  </p:timing>
+</p:sld>
+</file>
+
+<file path=ppt/slides/slide30.xml><?xml version="1.0" encoding="utf-8"?>
+<p:sld xmlns:a="http://schemas.openxmlformats.org/drawingml/2006/main" xmlns:r="http://schemas.openxmlformats.org/officeDocument/2006/relationships" xmlns:p="http://schemas.openxmlformats.org/presentationml/2006/main">
+  <p:cSld>
+    <p:spTree>
+      <p:nvGrpSpPr>
+        <p:cNvPr id="1" name=""/>
+        <p:cNvGrpSpPr/>
+        <p:nvPr/>
+      </p:nvGrpSpPr>
+      <p:grpSpPr>
+        <a:xfrm>
+          <a:off x="0" y="0"/>
+          <a:ext cx="0" cy="0"/>
+          <a:chOff x="0" y="0"/>
+          <a:chExt cx="0" cy="0"/>
+        </a:xfrm>
+      </p:grpSpPr>
+      <p:sp>
+        <p:nvSpPr>
+          <p:cNvPr id="4" name="Title 3"/>
+          <p:cNvSpPr>
+            <a:spLocks noGrp="1"/>
+          </p:cNvSpPr>
+          <p:nvPr>
+            <p:ph type="title"/>
+          </p:nvPr>
+        </p:nvSpPr>
+        <p:spPr>
+          <a:xfrm>
+            <a:off x="461085" y="409577"/>
+            <a:ext cx="8205261" cy="418700"/>
+          </a:xfrm>
+        </p:spPr>
+        <p:txBody>
+          <a:bodyPr>
+            <a:normAutofit/>
+          </a:bodyPr>
+          <a:lstStyle/>
+          <a:p>
+            <a:r>
+              <a:rPr lang="en-CA" sz="2000" dirty="0" smtClean="0"/>
+              <a:t>Hadoop Web connector – Job Summary</a:t>
+            </a:r>
+            <a:endParaRPr lang="en-US" sz="2000" dirty="0">
+              <a:solidFill>
+                <a:schemeClr val="tx1">
+                  <a:lumMod val="95000"/>
+                  <a:lumOff val="5000"/>
+                </a:schemeClr>
+              </a:solidFill>
+            </a:endParaRPr>
+          </a:p>
+        </p:txBody>
+      </p:sp>
+      <p:pic>
+        <p:nvPicPr>
+          <p:cNvPr id="3" name="Picture 2"/>
+          <p:cNvPicPr>
+            <a:picLocks noChangeAspect="1"/>
+          </p:cNvPicPr>
+          <p:nvPr/>
+        </p:nvPicPr>
+        <p:blipFill>
+          <a:blip r:embed="rId3"/>
+          <a:stretch>
+            <a:fillRect/>
+          </a:stretch>
+        </p:blipFill>
+        <p:spPr>
+          <a:xfrm>
+            <a:off x="574152" y="1408825"/>
+            <a:ext cx="8092194" cy="3977987"/>
+          </a:xfrm>
+          <a:prstGeom prst="rect">
+            <a:avLst/>
+          </a:prstGeom>
+          <a:ln w="15875">
+            <a:solidFill>
+              <a:schemeClr val="accent1"/>
+            </a:solidFill>
+          </a:ln>
+        </p:spPr>
+      </p:pic>
+    </p:spTree>
+    <p:extLst>
+      <p:ext uri="{BB962C8B-B14F-4D97-AF65-F5344CB8AC3E}">
+        <p14:creationId xmlns:p14="http://schemas.microsoft.com/office/powerpoint/2010/main" val="1998302445"/>
+      </p:ext>
+    </p:extLst>
+  </p:cSld>
+  <p:clrMapOvr>
+    <a:masterClrMapping/>
+  </p:clrMapOvr>
+  <mc:AlternateContent xmlns:mc="http://schemas.openxmlformats.org/markup-compatibility/2006" xmlns:p14="http://schemas.microsoft.com/office/powerpoint/2010/main">
+    <mc:Choice Requires="p14">
+      <p:transition p14:dur="0"/>
+    </mc:Choice>
+    <mc:Fallback xmlns="">
+      <p:transition/>
+    </mc:Fallback>
+  </mc:AlternateContent>
+  <p:timing>
+    <p:tnLst>
+      <p:par>
+        <p:cTn id="1" dur="indefinite" restart="never" nodeType="tmRoot"/>
+      </p:par>
+    </p:tnLst>
+  </p:timing>
+</p:sld>
+</file>
+
+<file path=ppt/slides/slide31.xml><?xml version="1.0" encoding="utf-8"?>
+<p:sld xmlns:a="http://schemas.openxmlformats.org/drawingml/2006/main" xmlns:r="http://schemas.openxmlformats.org/officeDocument/2006/relationships" xmlns:p="http://schemas.openxmlformats.org/presentationml/2006/main">
+  <p:cSld>
+    <p:spTree>
+      <p:nvGrpSpPr>
+        <p:cNvPr id="1" name=""/>
+        <p:cNvGrpSpPr/>
+        <p:nvPr/>
+      </p:nvGrpSpPr>
+      <p:grpSpPr>
+        <a:xfrm>
+          <a:off x="0" y="0"/>
+          <a:ext cx="0" cy="0"/>
+          <a:chOff x="0" y="0"/>
+          <a:chExt cx="0" cy="0"/>
+        </a:xfrm>
+      </p:grpSpPr>
+      <p:sp>
+        <p:nvSpPr>
+          <p:cNvPr id="4" name="Title 3"/>
+          <p:cNvSpPr>
+            <a:spLocks noGrp="1"/>
+          </p:cNvSpPr>
+          <p:nvPr>
+            <p:ph type="title"/>
+          </p:nvPr>
+        </p:nvSpPr>
+        <p:spPr>
+          <a:xfrm>
+            <a:off x="461085" y="409577"/>
+            <a:ext cx="8205261" cy="418700"/>
+          </a:xfrm>
+        </p:spPr>
+        <p:txBody>
+          <a:bodyPr>
+            <a:normAutofit/>
+          </a:bodyPr>
+          <a:lstStyle/>
+          <a:p>
+            <a:r>
+              <a:rPr lang="en-CA" sz="2000" dirty="0" smtClean="0"/>
+              <a:t>Hadoop Web connector – Map Tasks Details</a:t>
+            </a:r>
+            <a:endParaRPr lang="en-US" sz="2000" dirty="0">
+              <a:solidFill>
+                <a:schemeClr val="tx1">
+                  <a:lumMod val="95000"/>
+                  <a:lumOff val="5000"/>
+                </a:schemeClr>
+              </a:solidFill>
+            </a:endParaRPr>
+          </a:p>
+        </p:txBody>
+      </p:sp>
+      <p:pic>
+        <p:nvPicPr>
+          <p:cNvPr id="2" name="Picture 1"/>
+          <p:cNvPicPr>
+            <a:picLocks noChangeAspect="1"/>
+          </p:cNvPicPr>
+          <p:nvPr/>
+        </p:nvPicPr>
+        <p:blipFill>
+          <a:blip r:embed="rId3"/>
+          <a:stretch>
+            <a:fillRect/>
+          </a:stretch>
+        </p:blipFill>
+        <p:spPr>
+          <a:xfrm>
+            <a:off x="277879" y="1377238"/>
+            <a:ext cx="8739373" cy="3605310"/>
+          </a:xfrm>
+          <a:prstGeom prst="rect">
+            <a:avLst/>
+          </a:prstGeom>
+          <a:ln w="15875">
+            <a:solidFill>
+              <a:schemeClr val="accent1"/>
+            </a:solidFill>
+          </a:ln>
+        </p:spPr>
+      </p:pic>
+    </p:spTree>
+    <p:extLst>
+      <p:ext uri="{BB962C8B-B14F-4D97-AF65-F5344CB8AC3E}">
+        <p14:creationId xmlns:p14="http://schemas.microsoft.com/office/powerpoint/2010/main" val="3307655128"/>
+      </p:ext>
+    </p:extLst>
+  </p:cSld>
+  <p:clrMapOvr>
+    <a:masterClrMapping/>
+  </p:clrMapOvr>
+  <mc:AlternateContent xmlns:mc="http://schemas.openxmlformats.org/markup-compatibility/2006" xmlns:p14="http://schemas.microsoft.com/office/powerpoint/2010/main">
+    <mc:Choice Requires="p14">
+      <p:transition p14:dur="0"/>
+    </mc:Choice>
+    <mc:Fallback xmlns="">
+      <p:transition/>
+    </mc:Fallback>
+  </mc:AlternateContent>
+  <p:timing>
+    <p:tnLst>
+      <p:par>
+        <p:cTn id="1" dur="indefinite" restart="never" nodeType="tmRoot"/>
+      </p:par>
+    </p:tnLst>
+  </p:timing>
+</p:sld>
+</file>
+
+<file path=ppt/slides/slide32.xml><?xml version="1.0" encoding="utf-8"?>
+<p:sld xmlns:a="http://schemas.openxmlformats.org/drawingml/2006/main" xmlns:r="http://schemas.openxmlformats.org/officeDocument/2006/relationships" xmlns:p="http://schemas.openxmlformats.org/presentationml/2006/main">
+  <p:cSld>
+    <p:spTree>
+      <p:nvGrpSpPr>
+        <p:cNvPr id="1" name=""/>
+        <p:cNvGrpSpPr/>
+        <p:nvPr/>
+      </p:nvGrpSpPr>
+      <p:grpSpPr>
+        <a:xfrm>
+          <a:off x="0" y="0"/>
+          <a:ext cx="0" cy="0"/>
+          <a:chOff x="0" y="0"/>
+          <a:chExt cx="0" cy="0"/>
+        </a:xfrm>
+      </p:grpSpPr>
+      <p:sp>
+        <p:nvSpPr>
+          <p:cNvPr id="4" name="Title 3"/>
+          <p:cNvSpPr>
+            <a:spLocks noGrp="1"/>
+          </p:cNvSpPr>
+          <p:nvPr>
+            <p:ph type="title"/>
+          </p:nvPr>
+        </p:nvSpPr>
+        <p:spPr>
+          <a:xfrm>
+            <a:off x="461085" y="409577"/>
+            <a:ext cx="8205261" cy="418700"/>
+          </a:xfrm>
+        </p:spPr>
+        <p:txBody>
+          <a:bodyPr>
+            <a:normAutofit/>
+          </a:bodyPr>
+          <a:lstStyle/>
+          <a:p>
+            <a:r>
+              <a:rPr lang="en-CA" sz="2000" dirty="0" smtClean="0"/>
+              <a:t>EMR Pricing</a:t>
+            </a:r>
+            <a:endParaRPr lang="en-US" sz="2000" dirty="0">
+              <a:solidFill>
+                <a:schemeClr val="tx1">
+                  <a:lumMod val="95000"/>
+                  <a:lumOff val="5000"/>
+                </a:schemeClr>
+              </a:solidFill>
+            </a:endParaRPr>
+          </a:p>
+        </p:txBody>
+      </p:sp>
+      <p:pic>
+        <p:nvPicPr>
+          <p:cNvPr id="3" name="Picture 2"/>
+          <p:cNvPicPr>
+            <a:picLocks noChangeAspect="1"/>
+          </p:cNvPicPr>
+          <p:nvPr/>
+        </p:nvPicPr>
+        <p:blipFill>
+          <a:blip r:embed="rId3"/>
+          <a:stretch>
+            <a:fillRect/>
+          </a:stretch>
+        </p:blipFill>
+        <p:spPr>
+          <a:xfrm>
+            <a:off x="348903" y="1072720"/>
+            <a:ext cx="8052714" cy="4685284"/>
+          </a:xfrm>
+          <a:prstGeom prst="rect">
+            <a:avLst/>
+          </a:prstGeom>
+          <a:ln w="15875">
+            <a:solidFill>
+              <a:schemeClr val="accent1">
+                <a:shade val="95000"/>
+                <a:satMod val="105000"/>
+              </a:schemeClr>
+            </a:solidFill>
+          </a:ln>
+        </p:spPr>
+      </p:pic>
+    </p:spTree>
+    <p:extLst>
+      <p:ext uri="{BB962C8B-B14F-4D97-AF65-F5344CB8AC3E}">
+        <p14:creationId xmlns:p14="http://schemas.microsoft.com/office/powerpoint/2010/main" val="96222409"/>
+      </p:ext>
+    </p:extLst>
+  </p:cSld>
+  <p:clrMapOvr>
+    <a:masterClrMapping/>
+  </p:clrMapOvr>
+  <mc:AlternateContent xmlns:mc="http://schemas.openxmlformats.org/markup-compatibility/2006" xmlns:p14="http://schemas.microsoft.com/office/powerpoint/2010/main">
+    <mc:Choice Requires="p14">
+      <p:transition p14:dur="0"/>
+    </mc:Choice>
+    <mc:Fallback xmlns="">
+      <p:transition/>
+    </mc:Fallback>
+  </mc:AlternateContent>
+  <p:timing>
+    <p:tnLst>
+      <p:par>
+        <p:cTn id="1" dur="indefinite" restart="never" nodeType="tmRoot"/>
+      </p:par>
+    </p:tnLst>
+  </p:timing>
+</p:sld>
+</file>
+
+<file path=ppt/slides/slide33.xml><?xml version="1.0" encoding="utf-8"?>
+<p:sld xmlns:a="http://schemas.openxmlformats.org/drawingml/2006/main" xmlns:r="http://schemas.openxmlformats.org/officeDocument/2006/relationships" xmlns:p="http://schemas.openxmlformats.org/presentationml/2006/main">
+  <p:cSld>
+    <p:spTree>
+      <p:nvGrpSpPr>
+        <p:cNvPr id="1" name=""/>
+        <p:cNvGrpSpPr/>
+        <p:nvPr/>
+      </p:nvGrpSpPr>
+      <p:grpSpPr>
+        <a:xfrm>
+          <a:off x="0" y="0"/>
+          <a:ext cx="0" cy="0"/>
+          <a:chOff x="0" y="0"/>
+          <a:chExt cx="0" cy="0"/>
+        </a:xfrm>
+      </p:grpSpPr>
+      <p:sp>
+        <p:nvSpPr>
+          <p:cNvPr id="4" name="Title 3"/>
+          <p:cNvSpPr>
+            <a:spLocks noGrp="1"/>
+          </p:cNvSpPr>
+          <p:nvPr>
+            <p:ph type="title"/>
+          </p:nvPr>
+        </p:nvSpPr>
+        <p:spPr>
+          <a:xfrm>
+            <a:off x="461085" y="409577"/>
+            <a:ext cx="8205261" cy="418700"/>
+          </a:xfrm>
+        </p:spPr>
+        <p:txBody>
+          <a:bodyPr>
+            <a:normAutofit/>
+          </a:bodyPr>
+          <a:lstStyle/>
+          <a:p>
+            <a:r>
+              <a:rPr lang="en-CA" sz="2000" dirty="0" smtClean="0"/>
+              <a:t>Hadoop Map reduce </a:t>
+            </a:r>
+            <a:endParaRPr lang="en-US" sz="2000" dirty="0">
+              <a:solidFill>
+                <a:schemeClr val="tx1">
+                  <a:lumMod val="95000"/>
+                  <a:lumOff val="5000"/>
+                </a:schemeClr>
+              </a:solidFill>
+            </a:endParaRPr>
+          </a:p>
+        </p:txBody>
+      </p:sp>
+      <p:sp>
+        <p:nvSpPr>
+          <p:cNvPr id="3" name="Rectangle 2"/>
+          <p:cNvSpPr/>
+          <p:nvPr/>
+        </p:nvSpPr>
+        <p:spPr>
+          <a:xfrm>
+            <a:off x="533512" y="1603238"/>
+            <a:ext cx="7877157" cy="3293209"/>
+          </a:xfrm>
+          <a:prstGeom prst="rect">
+            <a:avLst/>
+          </a:prstGeom>
+          <a:ln w="15875">
+            <a:solidFill>
+              <a:schemeClr val="accent1"/>
+            </a:solidFill>
+          </a:ln>
+        </p:spPr>
+        <p:txBody>
+          <a:bodyPr wrap="square">
+            <a:spAutoFit/>
+          </a:bodyPr>
+          <a:lstStyle/>
+          <a:p>
+            <a:r>
+              <a:rPr lang="en-US" sz="1600" dirty="0"/>
+              <a:t>MapReduce jobs consists </a:t>
+            </a:r>
+            <a:r>
+              <a:rPr lang="en-US" sz="1600" dirty="0" smtClean="0"/>
+              <a:t>of</a:t>
+            </a:r>
+          </a:p>
+          <a:p>
+            <a:endParaRPr lang="en-US" sz="1600" dirty="0"/>
+          </a:p>
+          <a:p>
+            <a:pPr marL="282575" indent="-282575">
+              <a:buFont typeface="Arial" panose="020B0604020202020204" pitchFamily="34" charset="0"/>
+              <a:buChar char="•"/>
+            </a:pPr>
+            <a:r>
+              <a:rPr lang="en-US" sz="1600" b="1" dirty="0"/>
+              <a:t>Map phase </a:t>
+            </a:r>
+            <a:r>
+              <a:rPr lang="en-US" sz="1600" dirty="0"/>
+              <a:t>- reads the local file data block(s); extracts the fields of interest and assigns an aggregating key; and releases the extract records to the shuffle </a:t>
+            </a:r>
+            <a:r>
+              <a:rPr lang="en-US" sz="1600" dirty="0" smtClean="0"/>
+              <a:t>phase</a:t>
+            </a:r>
+          </a:p>
+          <a:p>
+            <a:endParaRPr lang="en-US" sz="1600" dirty="0"/>
+          </a:p>
+          <a:p>
+            <a:pPr marL="282575" indent="-282575">
+              <a:buFont typeface="Arial" panose="020B0604020202020204" pitchFamily="34" charset="0"/>
+              <a:buChar char="•"/>
+            </a:pPr>
+            <a:r>
+              <a:rPr lang="en-US" sz="1600" b="1" dirty="0"/>
+              <a:t>Shuffle phase </a:t>
+            </a:r>
+            <a:r>
+              <a:rPr lang="en-US" sz="1600" dirty="0"/>
+              <a:t>- sorts the extract records by key; ships records of each group of keys to Datanodes where the Reduce phase takes place</a:t>
+            </a:r>
+            <a:r>
+              <a:rPr lang="en-US" sz="1600" dirty="0" smtClean="0"/>
+              <a:t>.</a:t>
+            </a:r>
+          </a:p>
+          <a:p>
+            <a:endParaRPr lang="en-US" sz="1600" dirty="0"/>
+          </a:p>
+          <a:p>
+            <a:pPr marL="282575" indent="-282575">
+              <a:buFont typeface="Arial" panose="020B0604020202020204" pitchFamily="34" charset="0"/>
+              <a:buChar char="•"/>
+            </a:pPr>
+            <a:r>
+              <a:rPr lang="en-US" sz="1600" b="1" dirty="0"/>
+              <a:t>Reduce phase </a:t>
+            </a:r>
+            <a:r>
+              <a:rPr lang="en-US" sz="1600" dirty="0"/>
+              <a:t>- reads the records received from the shuffle phase; performs whatever aggregation is required ; writes its block to HDFS.  </a:t>
+            </a:r>
+            <a:endParaRPr lang="en-US" sz="1600" dirty="0" smtClean="0"/>
+          </a:p>
+          <a:p>
+            <a:endParaRPr lang="en-US" sz="1600" dirty="0"/>
+          </a:p>
+          <a:p>
+            <a:r>
+              <a:rPr lang="en-US" sz="1600" dirty="0"/>
+              <a:t>The blocks are named using a sequence number, so that the individual reduction file blocks can be reassembled in proper order. </a:t>
+            </a:r>
+          </a:p>
+        </p:txBody>
+      </p:sp>
+    </p:spTree>
+    <p:extLst>
+      <p:ext uri="{BB962C8B-B14F-4D97-AF65-F5344CB8AC3E}">
+        <p14:creationId xmlns:p14="http://schemas.microsoft.com/office/powerpoint/2010/main" val="1182420612"/>
+      </p:ext>
+    </p:extLst>
+  </p:cSld>
+  <p:clrMapOvr>
+    <a:masterClrMapping/>
+  </p:clrMapOvr>
+  <mc:AlternateContent xmlns:mc="http://schemas.openxmlformats.org/markup-compatibility/2006" xmlns:p14="http://schemas.microsoft.com/office/powerpoint/2010/main">
+    <mc:Choice Requires="p14">
+      <p:transition p14:dur="0"/>
+    </mc:Choice>
+    <mc:Fallback xmlns="">
+      <p:transition/>
+    </mc:Fallback>
+  </mc:AlternateContent>
+  <p:timing>
+    <p:tnLst>
+      <p:par>
+        <p:cTn id="1" dur="indefinite" restart="never" nodeType="tmRoot"/>
+      </p:par>
+    </p:tnLst>
+  </p:timing>
+</p:sld>
+</file>
+
+<file path=ppt/slides/slide4.xml><?xml version="1.0" encoding="utf-8"?>
+<p:sld xmlns:a="http://schemas.openxmlformats.org/drawingml/2006/main" xmlns:r="http://schemas.openxmlformats.org/officeDocument/2006/relationships" xmlns:p="http://schemas.openxmlformats.org/presentationml/2006/main">
+  <p:cSld>
+    <p:spTree>
+      <p:nvGrpSpPr>
+        <p:cNvPr id="1" name=""/>
+        <p:cNvGrpSpPr/>
+        <p:nvPr/>
+      </p:nvGrpSpPr>
+      <p:grpSpPr>
+        <a:xfrm>
+          <a:off x="0" y="0"/>
+          <a:ext cx="0" cy="0"/>
+          <a:chOff x="0" y="0"/>
+          <a:chExt cx="0" cy="0"/>
+        </a:xfrm>
+      </p:grpSpPr>
+      <p:sp>
+        <p:nvSpPr>
+          <p:cNvPr id="2" name="Title 1"/>
+          <p:cNvSpPr>
+            <a:spLocks noGrp="1"/>
+          </p:cNvSpPr>
+          <p:nvPr>
+            <p:ph type="title"/>
+          </p:nvPr>
+        </p:nvSpPr>
+        <p:spPr/>
+        <p:txBody>
+          <a:bodyPr>
+            <a:normAutofit/>
+          </a:bodyPr>
+          <a:lstStyle/>
+          <a:p>
+            <a:r>
+              <a:rPr lang="en-CA" sz="2080" b="0" dirty="0"/>
+              <a:t>Top </a:t>
+            </a:r>
+            <a:r>
+              <a:rPr lang="en-CA" sz="2080" b="0" dirty="0" smtClean="0"/>
+              <a:t>10 </a:t>
+            </a:r>
+            <a:r>
+              <a:rPr lang="en-CA" sz="2080" b="0" dirty="0"/>
+              <a:t>web pages viewed in Wikipedia English </a:t>
+            </a:r>
+            <a:r>
+              <a:rPr lang="en-CA" sz="2080" b="0" dirty="0" smtClean="0"/>
+              <a:t>During June</a:t>
+            </a:r>
+            <a:endParaRPr lang="en-US" sz="2080" b="0" dirty="0"/>
+          </a:p>
+        </p:txBody>
+      </p:sp>
+      <p:graphicFrame>
+        <p:nvGraphicFramePr>
+          <p:cNvPr id="5" name="Table 4"/>
+          <p:cNvGraphicFramePr>
+            <a:graphicFrameLocks noGrp="1"/>
+          </p:cNvGraphicFramePr>
+          <p:nvPr>
+            <p:extLst/>
+          </p:nvPr>
+        </p:nvGraphicFramePr>
+        <p:xfrm>
+          <a:off x="764720" y="1423096"/>
+          <a:ext cx="7111226" cy="3552297"/>
+        </p:xfrm>
+        <a:graphic>
+          <a:graphicData uri="http://schemas.openxmlformats.org/drawingml/2006/table">
+            <a:tbl>
+              <a:tblPr firstRow="1" bandRow="1">
+                <a:tableStyleId>{5C22544A-7EE6-4342-B048-85BDC9FD1C3A}</a:tableStyleId>
+              </a:tblPr>
+              <a:tblGrid>
+                <a:gridCol w="901523"/>
+                <a:gridCol w="3983119"/>
+                <a:gridCol w="2226584"/>
               </a:tblGrid>
               <a:tr h="409047">
                 <a:tc>
@@ -13927,14 +15566,6 @@
                         </a:rPr>
                         <a:t>4</a:t>
                       </a:r>
-                      <a:endParaRPr lang="en-US" sz="2000" b="0" i="0" u="none" strike="noStrike" dirty="0">
-                        <a:solidFill>
-                          <a:srgbClr val="000000"/>
-                        </a:solidFill>
-                        <a:effectLst/>
-                        <a:latin typeface="Calibri" panose="020F0502020204030204" pitchFamily="34" charset="0"/>
-                        <a:cs typeface="Arial" panose="020B0604020202020204" pitchFamily="34" charset="0"/>
-                      </a:endParaRPr>
                     </a:p>
                   </a:txBody>
                   <a:tcPr marL="9525" marR="9525" marT="9525" marB="0" anchor="ctr">
@@ -14016,14 +15647,6 @@
                         </a:rPr>
                         <a:t>5</a:t>
                       </a:r>
-                      <a:endParaRPr lang="en-US" sz="2000" b="0" i="0" u="none" strike="noStrike" dirty="0">
-                        <a:solidFill>
-                          <a:srgbClr val="000000"/>
-                        </a:solidFill>
-                        <a:effectLst/>
-                        <a:latin typeface="Calibri" panose="020F0502020204030204" pitchFamily="34" charset="0"/>
-                        <a:cs typeface="Arial" panose="020B0604020202020204" pitchFamily="34" charset="0"/>
-                      </a:endParaRPr>
                     </a:p>
                   </a:txBody>
                   <a:tcPr marL="9525" marR="9525" marT="9525" marB="0" anchor="ctr">
@@ -14107,14 +15730,6 @@
                         </a:rPr>
                         <a:t>6</a:t>
                       </a:r>
-                      <a:endParaRPr lang="en-US" sz="2000" b="0" i="0" u="none" strike="noStrike" dirty="0">
-                        <a:solidFill>
-                          <a:srgbClr val="000000"/>
-                        </a:solidFill>
-                        <a:effectLst/>
-                        <a:latin typeface="Calibri" panose="020F0502020204030204" pitchFamily="34" charset="0"/>
-                        <a:cs typeface="Arial" panose="020B0604020202020204" pitchFamily="34" charset="0"/>
-                      </a:endParaRPr>
                     </a:p>
                   </a:txBody>
                   <a:tcPr marL="9525" marR="9525" marT="9525" marB="0" anchor="ctr">
@@ -14203,14 +15818,6 @@
                         </a:rPr>
                         <a:t>7</a:t>
                       </a:r>
-                      <a:endParaRPr lang="en-US" sz="2000" b="0" i="0" u="none" strike="noStrike" dirty="0">
-                        <a:solidFill>
-                          <a:srgbClr val="000000"/>
-                        </a:solidFill>
-                        <a:effectLst/>
-                        <a:latin typeface="Calibri" panose="020F0502020204030204" pitchFamily="34" charset="0"/>
-                        <a:cs typeface="Arial" panose="020B0604020202020204" pitchFamily="34" charset="0"/>
-                      </a:endParaRPr>
                     </a:p>
                   </a:txBody>
                   <a:tcPr marL="9525" marR="9525" marT="9525" marB="0" anchor="ctr">
@@ -14292,14 +15899,6 @@
                         </a:rPr>
                         <a:t>8</a:t>
                       </a:r>
-                      <a:endParaRPr lang="en-US" sz="2000" b="0" i="0" u="none" strike="noStrike" dirty="0">
-                        <a:solidFill>
-                          <a:srgbClr val="000000"/>
-                        </a:solidFill>
-                        <a:effectLst/>
-                        <a:latin typeface="Calibri" panose="020F0502020204030204" pitchFamily="34" charset="0"/>
-                        <a:cs typeface="Arial" panose="020B0604020202020204" pitchFamily="34" charset="0"/>
-                      </a:endParaRPr>
                     </a:p>
                   </a:txBody>
                   <a:tcPr marL="9525" marR="9525" marT="9525" marB="0" anchor="ctr">
@@ -14521,14 +16120,12 @@
                     <a:p>
                       <a:pPr algn="ctr" fontAlgn="b"/>
                       <a:r>
-                        <a:rPr lang="en-US" sz="2000" b="0" i="0" u="none" strike="noStrike" kern="1200" dirty="0">
+                        <a:rPr lang="en-US" sz="2000" b="0" i="0" u="none" strike="noStrike" dirty="0">
                           <a:solidFill>
                             <a:srgbClr val="000000"/>
                           </a:solidFill>
                           <a:effectLst/>
                           <a:latin typeface="Calibri" panose="020F0502020204030204" pitchFamily="34" charset="0"/>
-                          <a:ea typeface="+mn-ea"/>
-                          <a:cs typeface="Arial" panose="020B0604020202020204" pitchFamily="34" charset="0"/>
                         </a:rPr>
                         <a:t>1,352,617</a:t>
                       </a:r>
@@ -14550,1474 +16147,7 @@
     </p:spTree>
     <p:extLst>
       <p:ext uri="{BB962C8B-B14F-4D97-AF65-F5344CB8AC3E}">
-        <p14:creationId xmlns:p14="http://schemas.microsoft.com/office/powerpoint/2010/main" val="1963239701"/>
-      </p:ext>
-    </p:extLst>
-  </p:cSld>
-  <p:clrMapOvr>
-    <a:masterClrMapping/>
-  </p:clrMapOvr>
-  <p:timing>
-    <p:tnLst>
-      <p:par>
-        <p:cTn id="1" dur="indefinite" restart="never" nodeType="tmRoot"/>
-      </p:par>
-    </p:tnLst>
-  </p:timing>
-</p:sld>
-</file>
-
-<file path=ppt/slides/slide30.xml><?xml version="1.0" encoding="utf-8"?>
-<p:sld xmlns:a="http://schemas.openxmlformats.org/drawingml/2006/main" xmlns:r="http://schemas.openxmlformats.org/officeDocument/2006/relationships" xmlns:p="http://schemas.openxmlformats.org/presentationml/2006/main">
-  <p:cSld>
-    <p:spTree>
-      <p:nvGrpSpPr>
-        <p:cNvPr id="1" name=""/>
-        <p:cNvGrpSpPr/>
-        <p:nvPr/>
-      </p:nvGrpSpPr>
-      <p:grpSpPr>
-        <a:xfrm>
-          <a:off x="0" y="0"/>
-          <a:ext cx="0" cy="0"/>
-          <a:chOff x="0" y="0"/>
-          <a:chExt cx="0" cy="0"/>
-        </a:xfrm>
-      </p:grpSpPr>
-      <p:sp>
-        <p:nvSpPr>
-          <p:cNvPr id="4" name="Title 3"/>
-          <p:cNvSpPr>
-            <a:spLocks noGrp="1"/>
-          </p:cNvSpPr>
-          <p:nvPr>
-            <p:ph type="title"/>
-          </p:nvPr>
-        </p:nvSpPr>
-        <p:spPr>
-          <a:xfrm>
-            <a:off x="461085" y="409577"/>
-            <a:ext cx="8205261" cy="418700"/>
-          </a:xfrm>
-        </p:spPr>
-        <p:txBody>
-          <a:bodyPr>
-            <a:normAutofit/>
-          </a:bodyPr>
-          <a:lstStyle/>
-          <a:p>
-            <a:r>
-              <a:rPr lang="en-CA" sz="2000" dirty="0" smtClean="0"/>
-              <a:t>S3 Folder Structure</a:t>
-            </a:r>
-            <a:endParaRPr lang="en-US" sz="2000" dirty="0">
-              <a:solidFill>
-                <a:schemeClr val="tx1">
-                  <a:lumMod val="95000"/>
-                  <a:lumOff val="5000"/>
-                </a:schemeClr>
-              </a:solidFill>
-            </a:endParaRPr>
-          </a:p>
-        </p:txBody>
-      </p:sp>
-      <p:pic>
-        <p:nvPicPr>
-          <p:cNvPr id="2" name="Picture 1"/>
-          <p:cNvPicPr>
-            <a:picLocks noChangeAspect="1"/>
-          </p:cNvPicPr>
-          <p:nvPr/>
-        </p:nvPicPr>
-        <p:blipFill>
-          <a:blip r:embed="rId3"/>
-          <a:stretch>
-            <a:fillRect/>
-          </a:stretch>
-        </p:blipFill>
-        <p:spPr>
-          <a:xfrm>
-            <a:off x="1451053" y="1857987"/>
-            <a:ext cx="4105275" cy="2752725"/>
-          </a:xfrm>
-          <a:prstGeom prst="rect">
-            <a:avLst/>
-          </a:prstGeom>
-        </p:spPr>
-      </p:pic>
-    </p:spTree>
-    <p:extLst>
-      <p:ext uri="{BB962C8B-B14F-4D97-AF65-F5344CB8AC3E}">
-        <p14:creationId xmlns:p14="http://schemas.microsoft.com/office/powerpoint/2010/main" val="2665432111"/>
-      </p:ext>
-    </p:extLst>
-  </p:cSld>
-  <p:clrMapOvr>
-    <a:masterClrMapping/>
-  </p:clrMapOvr>
-  <mc:AlternateContent xmlns:mc="http://schemas.openxmlformats.org/markup-compatibility/2006">
-    <mc:Choice xmlns:p14="http://schemas.microsoft.com/office/powerpoint/2010/main" Requires="p14">
-      <p:transition p14:dur="0"/>
-    </mc:Choice>
-    <mc:Fallback>
-      <p:transition/>
-    </mc:Fallback>
-  </mc:AlternateContent>
-  <p:timing>
-    <p:tnLst>
-      <p:par>
-        <p:cTn id="1" dur="indefinite" restart="never" nodeType="tmRoot"/>
-      </p:par>
-    </p:tnLst>
-  </p:timing>
-</p:sld>
-</file>
-
-<file path=ppt/slides/slide31.xml><?xml version="1.0" encoding="utf-8"?>
-<p:sld xmlns:a="http://schemas.openxmlformats.org/drawingml/2006/main" xmlns:r="http://schemas.openxmlformats.org/officeDocument/2006/relationships" xmlns:p="http://schemas.openxmlformats.org/presentationml/2006/main">
-  <p:cSld>
-    <p:spTree>
-      <p:nvGrpSpPr>
-        <p:cNvPr id="1" name=""/>
-        <p:cNvGrpSpPr/>
-        <p:nvPr/>
-      </p:nvGrpSpPr>
-      <p:grpSpPr>
-        <a:xfrm>
-          <a:off x="0" y="0"/>
-          <a:ext cx="0" cy="0"/>
-          <a:chOff x="0" y="0"/>
-          <a:chExt cx="0" cy="0"/>
-        </a:xfrm>
-      </p:grpSpPr>
-      <p:sp>
-        <p:nvSpPr>
-          <p:cNvPr id="4" name="Title 3"/>
-          <p:cNvSpPr>
-            <a:spLocks noGrp="1"/>
-          </p:cNvSpPr>
-          <p:nvPr>
-            <p:ph type="title"/>
-          </p:nvPr>
-        </p:nvSpPr>
-        <p:spPr>
-          <a:xfrm>
-            <a:off x="461085" y="409577"/>
-            <a:ext cx="8205261" cy="418700"/>
-          </a:xfrm>
-        </p:spPr>
-        <p:txBody>
-          <a:bodyPr>
-            <a:normAutofit/>
-          </a:bodyPr>
-          <a:lstStyle/>
-          <a:p>
-            <a:r>
-              <a:rPr lang="en-CA" sz="2000" dirty="0" smtClean="0"/>
-              <a:t>EMR Pricing</a:t>
-            </a:r>
-            <a:endParaRPr lang="en-US" sz="2000" dirty="0">
-              <a:solidFill>
-                <a:schemeClr val="tx1">
-                  <a:lumMod val="95000"/>
-                  <a:lumOff val="5000"/>
-                </a:schemeClr>
-              </a:solidFill>
-            </a:endParaRPr>
-          </a:p>
-        </p:txBody>
-      </p:sp>
-      <p:pic>
-        <p:nvPicPr>
-          <p:cNvPr id="3" name="Picture 2"/>
-          <p:cNvPicPr>
-            <a:picLocks noChangeAspect="1"/>
-          </p:cNvPicPr>
-          <p:nvPr/>
-        </p:nvPicPr>
-        <p:blipFill>
-          <a:blip r:embed="rId3"/>
-          <a:stretch>
-            <a:fillRect/>
-          </a:stretch>
-        </p:blipFill>
-        <p:spPr>
-          <a:xfrm>
-            <a:off x="348903" y="1072720"/>
-            <a:ext cx="8052714" cy="4685284"/>
-          </a:xfrm>
-          <a:prstGeom prst="rect">
-            <a:avLst/>
-          </a:prstGeom>
-          <a:ln w="15875">
-            <a:solidFill>
-              <a:schemeClr val="accent1">
-                <a:shade val="95000"/>
-                <a:satMod val="105000"/>
-              </a:schemeClr>
-            </a:solidFill>
-          </a:ln>
-        </p:spPr>
-      </p:pic>
-    </p:spTree>
-    <p:extLst>
-      <p:ext uri="{BB962C8B-B14F-4D97-AF65-F5344CB8AC3E}">
-        <p14:creationId xmlns:p14="http://schemas.microsoft.com/office/powerpoint/2010/main" val="96222409"/>
-      </p:ext>
-    </p:extLst>
-  </p:cSld>
-  <p:clrMapOvr>
-    <a:masterClrMapping/>
-  </p:clrMapOvr>
-  <mc:AlternateContent xmlns:mc="http://schemas.openxmlformats.org/markup-compatibility/2006">
-    <mc:Choice xmlns:p14="http://schemas.microsoft.com/office/powerpoint/2010/main" Requires="p14">
-      <p:transition p14:dur="0"/>
-    </mc:Choice>
-    <mc:Fallback>
-      <p:transition/>
-    </mc:Fallback>
-  </mc:AlternateContent>
-  <p:timing>
-    <p:tnLst>
-      <p:par>
-        <p:cTn id="1" dur="indefinite" restart="never" nodeType="tmRoot"/>
-      </p:par>
-    </p:tnLst>
-  </p:timing>
-</p:sld>
-</file>
-
-<file path=ppt/slides/slide32.xml><?xml version="1.0" encoding="utf-8"?>
-<p:sld xmlns:a="http://schemas.openxmlformats.org/drawingml/2006/main" xmlns:r="http://schemas.openxmlformats.org/officeDocument/2006/relationships" xmlns:p="http://schemas.openxmlformats.org/presentationml/2006/main">
-  <p:cSld>
-    <p:spTree>
-      <p:nvGrpSpPr>
-        <p:cNvPr id="1" name=""/>
-        <p:cNvGrpSpPr/>
-        <p:nvPr/>
-      </p:nvGrpSpPr>
-      <p:grpSpPr>
-        <a:xfrm>
-          <a:off x="0" y="0"/>
-          <a:ext cx="0" cy="0"/>
-          <a:chOff x="0" y="0"/>
-          <a:chExt cx="0" cy="0"/>
-        </a:xfrm>
-      </p:grpSpPr>
-      <p:sp>
-        <p:nvSpPr>
-          <p:cNvPr id="4" name="Title 3"/>
-          <p:cNvSpPr>
-            <a:spLocks noGrp="1"/>
-          </p:cNvSpPr>
-          <p:nvPr>
-            <p:ph type="title"/>
-          </p:nvPr>
-        </p:nvSpPr>
-        <p:spPr>
-          <a:xfrm>
-            <a:off x="461085" y="409577"/>
-            <a:ext cx="8205261" cy="418700"/>
-          </a:xfrm>
-        </p:spPr>
-        <p:txBody>
-          <a:bodyPr>
-            <a:normAutofit/>
-          </a:bodyPr>
-          <a:lstStyle/>
-          <a:p>
-            <a:r>
-              <a:rPr lang="en-CA" sz="2000" dirty="0" smtClean="0"/>
-              <a:t>Hadoop Map reduce </a:t>
-            </a:r>
-            <a:endParaRPr lang="en-US" sz="2000" dirty="0">
-              <a:solidFill>
-                <a:schemeClr val="tx1">
-                  <a:lumMod val="95000"/>
-                  <a:lumOff val="5000"/>
-                </a:schemeClr>
-              </a:solidFill>
-            </a:endParaRPr>
-          </a:p>
-        </p:txBody>
-      </p:sp>
-      <p:sp>
-        <p:nvSpPr>
-          <p:cNvPr id="3" name="Rectangle 2"/>
-          <p:cNvSpPr/>
-          <p:nvPr/>
-        </p:nvSpPr>
-        <p:spPr>
-          <a:xfrm>
-            <a:off x="533512" y="1603238"/>
-            <a:ext cx="7877157" cy="3293209"/>
-          </a:xfrm>
-          <a:prstGeom prst="rect">
-            <a:avLst/>
-          </a:prstGeom>
-          <a:ln w="15875">
-            <a:solidFill>
-              <a:schemeClr val="accent1"/>
-            </a:solidFill>
-          </a:ln>
-        </p:spPr>
-        <p:txBody>
-          <a:bodyPr wrap="square">
-            <a:spAutoFit/>
-          </a:bodyPr>
-          <a:lstStyle/>
-          <a:p>
-            <a:r>
-              <a:rPr lang="en-US" sz="1600" dirty="0"/>
-              <a:t>MapReduce jobs consists </a:t>
-            </a:r>
-            <a:r>
-              <a:rPr lang="en-US" sz="1600" dirty="0" smtClean="0"/>
-              <a:t>of</a:t>
-            </a:r>
-          </a:p>
-          <a:p>
-            <a:endParaRPr lang="en-US" sz="1600" dirty="0"/>
-          </a:p>
-          <a:p>
-            <a:pPr marL="282575" indent="-282575">
-              <a:buFont typeface="Arial" panose="020B0604020202020204" pitchFamily="34" charset="0"/>
-              <a:buChar char="•"/>
-            </a:pPr>
-            <a:r>
-              <a:rPr lang="en-US" sz="1600" b="1" dirty="0"/>
-              <a:t>Map phase </a:t>
-            </a:r>
-            <a:r>
-              <a:rPr lang="en-US" sz="1600" dirty="0"/>
-              <a:t>- reads the local file data block(s); extracts the fields of interest and assigns an aggregating key; and releases the extract records to the shuffle </a:t>
-            </a:r>
-            <a:r>
-              <a:rPr lang="en-US" sz="1600" dirty="0" smtClean="0"/>
-              <a:t>phase</a:t>
-            </a:r>
-          </a:p>
-          <a:p>
-            <a:endParaRPr lang="en-US" sz="1600" dirty="0"/>
-          </a:p>
-          <a:p>
-            <a:pPr marL="282575" indent="-282575">
-              <a:buFont typeface="Arial" panose="020B0604020202020204" pitchFamily="34" charset="0"/>
-              <a:buChar char="•"/>
-            </a:pPr>
-            <a:r>
-              <a:rPr lang="en-US" sz="1600" b="1" dirty="0"/>
-              <a:t>Shuffle phase </a:t>
-            </a:r>
-            <a:r>
-              <a:rPr lang="en-US" sz="1600" dirty="0"/>
-              <a:t>- sorts the extract records by key; ships records of each group of keys to Datanodes where the Reduce phase takes place</a:t>
-            </a:r>
-            <a:r>
-              <a:rPr lang="en-US" sz="1600" dirty="0" smtClean="0"/>
-              <a:t>.</a:t>
-            </a:r>
-          </a:p>
-          <a:p>
-            <a:endParaRPr lang="en-US" sz="1600" dirty="0"/>
-          </a:p>
-          <a:p>
-            <a:pPr marL="282575" indent="-282575">
-              <a:buFont typeface="Arial" panose="020B0604020202020204" pitchFamily="34" charset="0"/>
-              <a:buChar char="•"/>
-            </a:pPr>
-            <a:r>
-              <a:rPr lang="en-US" sz="1600" b="1" dirty="0"/>
-              <a:t>Reduce phase </a:t>
-            </a:r>
-            <a:r>
-              <a:rPr lang="en-US" sz="1600" dirty="0"/>
-              <a:t>- reads the records received from the shuffle phase; performs whatever aggregation is required ; writes its block to HDFS.  </a:t>
-            </a:r>
-            <a:endParaRPr lang="en-US" sz="1600" dirty="0" smtClean="0"/>
-          </a:p>
-          <a:p>
-            <a:endParaRPr lang="en-US" sz="1600" dirty="0"/>
-          </a:p>
-          <a:p>
-            <a:r>
-              <a:rPr lang="en-US" sz="1600" dirty="0"/>
-              <a:t>The blocks are named using a sequence number, so that the individual reduction file blocks can be reassembled in proper order. </a:t>
-            </a:r>
-          </a:p>
-        </p:txBody>
-      </p:sp>
-    </p:spTree>
-    <p:extLst>
-      <p:ext uri="{BB962C8B-B14F-4D97-AF65-F5344CB8AC3E}">
-        <p14:creationId xmlns:p14="http://schemas.microsoft.com/office/powerpoint/2010/main" val="1182420612"/>
-      </p:ext>
-    </p:extLst>
-  </p:cSld>
-  <p:clrMapOvr>
-    <a:masterClrMapping/>
-  </p:clrMapOvr>
-  <mc:AlternateContent xmlns:mc="http://schemas.openxmlformats.org/markup-compatibility/2006">
-    <mc:Choice xmlns:p14="http://schemas.microsoft.com/office/powerpoint/2010/main" Requires="p14">
-      <p:transition p14:dur="0"/>
-    </mc:Choice>
-    <mc:Fallback>
-      <p:transition/>
-    </mc:Fallback>
-  </mc:AlternateContent>
-  <p:timing>
-    <p:tnLst>
-      <p:par>
-        <p:cTn id="1" dur="indefinite" restart="never" nodeType="tmRoot"/>
-      </p:par>
-    </p:tnLst>
-  </p:timing>
-</p:sld>
-</file>
-
-<file path=ppt/slides/slide4.xml><?xml version="1.0" encoding="utf-8"?>
-<p:sld xmlns:a="http://schemas.openxmlformats.org/drawingml/2006/main" xmlns:r="http://schemas.openxmlformats.org/officeDocument/2006/relationships" xmlns:p="http://schemas.openxmlformats.org/presentationml/2006/main">
-  <p:cSld>
-    <p:spTree>
-      <p:nvGrpSpPr>
-        <p:cNvPr id="1" name=""/>
-        <p:cNvGrpSpPr/>
-        <p:nvPr/>
-      </p:nvGrpSpPr>
-      <p:grpSpPr>
-        <a:xfrm>
-          <a:off x="0" y="0"/>
-          <a:ext cx="0" cy="0"/>
-          <a:chOff x="0" y="0"/>
-          <a:chExt cx="0" cy="0"/>
-        </a:xfrm>
-      </p:grpSpPr>
-      <p:sp>
-        <p:nvSpPr>
-          <p:cNvPr id="2" name="Title 1"/>
-          <p:cNvSpPr>
-            <a:spLocks noGrp="1"/>
-          </p:cNvSpPr>
-          <p:nvPr>
-            <p:ph type="title"/>
-          </p:nvPr>
-        </p:nvSpPr>
-        <p:spPr/>
-        <p:txBody>
-          <a:bodyPr>
-            <a:normAutofit/>
-          </a:bodyPr>
-          <a:lstStyle/>
-          <a:p>
-            <a:r>
-              <a:rPr lang="en-CA" sz="2080" b="0" dirty="0"/>
-              <a:t>Top </a:t>
-            </a:r>
-            <a:r>
-              <a:rPr lang="en-CA" sz="2080" b="0" dirty="0" smtClean="0"/>
-              <a:t>10 </a:t>
-            </a:r>
-            <a:r>
-              <a:rPr lang="en-CA" sz="2080" b="0" dirty="0"/>
-              <a:t>web pages viewed in Wikipedia English During </a:t>
-            </a:r>
-            <a:r>
-              <a:rPr lang="en-CA" sz="2080" b="0" dirty="0" smtClean="0"/>
-              <a:t>May</a:t>
-            </a:r>
-            <a:endParaRPr lang="en-US" sz="2080" b="0" dirty="0"/>
-          </a:p>
-        </p:txBody>
-      </p:sp>
-      <p:graphicFrame>
-        <p:nvGraphicFramePr>
-          <p:cNvPr id="5" name="Table 4"/>
-          <p:cNvGraphicFramePr>
-            <a:graphicFrameLocks noGrp="1"/>
-          </p:cNvGraphicFramePr>
-          <p:nvPr>
-            <p:extLst>
-              <p:ext uri="{D42A27DB-BD31-4B8C-83A1-F6EECF244321}">
-                <p14:modId xmlns:p14="http://schemas.microsoft.com/office/powerpoint/2010/main" val="4124743211"/>
-              </p:ext>
-            </p:extLst>
-          </p:nvPr>
-        </p:nvGraphicFramePr>
-        <p:xfrm>
-          <a:off x="764720" y="1423096"/>
-          <a:ext cx="7111226" cy="3552297"/>
-        </p:xfrm>
-        <a:graphic>
-          <a:graphicData uri="http://schemas.openxmlformats.org/drawingml/2006/table">
-            <a:tbl>
-              <a:tblPr firstRow="1" bandRow="1">
-                <a:tableStyleId>{5C22544A-7EE6-4342-B048-85BDC9FD1C3A}</a:tableStyleId>
-              </a:tblPr>
-              <a:tblGrid>
-                <a:gridCol w="901523"/>
-                <a:gridCol w="3839294"/>
-                <a:gridCol w="2370409"/>
-              </a:tblGrid>
-              <a:tr h="409047">
-                <a:tc>
-                  <a:txBody>
-                    <a:bodyPr/>
-                    <a:lstStyle/>
-                    <a:p>
-                      <a:pPr algn="ctr" fontAlgn="b"/>
-                      <a:r>
-                        <a:rPr lang="en-US" sz="2000" b="1" i="0" u="none" strike="noStrike" dirty="0">
-                          <a:solidFill>
-                            <a:schemeClr val="bg1"/>
-                          </a:solidFill>
-                          <a:effectLst/>
-                          <a:latin typeface="Calibri" panose="020F0502020204030204" pitchFamily="34" charset="0"/>
-                        </a:rPr>
-                        <a:t>Rank</a:t>
-                      </a:r>
-                    </a:p>
-                  </a:txBody>
-                  <a:tcPr marL="9525" marR="9525" marT="9525" marB="0" anchor="ctr"/>
-                </a:tc>
-                <a:tc>
-                  <a:txBody>
-                    <a:bodyPr/>
-                    <a:lstStyle/>
-                    <a:p>
-                      <a:pPr algn="ctr" fontAlgn="b"/>
-                      <a:r>
-                        <a:rPr lang="en-US" sz="2000" b="1" i="0" u="none" strike="noStrike" dirty="0" smtClean="0">
-                          <a:solidFill>
-                            <a:schemeClr val="bg1"/>
-                          </a:solidFill>
-                          <a:effectLst/>
-                          <a:latin typeface="Calibri" panose="020F0502020204030204" pitchFamily="34" charset="0"/>
-                        </a:rPr>
-                        <a:t>Page</a:t>
-                      </a:r>
-                      <a:endParaRPr lang="en-US" sz="2000" b="1" i="0" u="none" strike="noStrike" dirty="0">
-                        <a:solidFill>
-                          <a:schemeClr val="bg1"/>
-                        </a:solidFill>
-                        <a:effectLst/>
-                        <a:latin typeface="Calibri" panose="020F0502020204030204" pitchFamily="34" charset="0"/>
-                      </a:endParaRPr>
-                    </a:p>
-                  </a:txBody>
-                  <a:tcPr marL="9525" marR="9525" marT="9525" marB="0" anchor="ctr"/>
-                </a:tc>
-                <a:tc>
-                  <a:txBody>
-                    <a:bodyPr/>
-                    <a:lstStyle/>
-                    <a:p>
-                      <a:pPr algn="ctr" fontAlgn="b"/>
-                      <a:r>
-                        <a:rPr lang="en-US" sz="2000" b="1" i="0" u="none" strike="noStrike" dirty="0" smtClean="0">
-                          <a:solidFill>
-                            <a:schemeClr val="bg1"/>
-                          </a:solidFill>
-                          <a:effectLst/>
-                          <a:latin typeface="Calibri" panose="020F0502020204030204" pitchFamily="34" charset="0"/>
-                        </a:rPr>
-                        <a:t>Requests</a:t>
-                      </a:r>
-                      <a:endParaRPr lang="en-US" sz="2000" b="1" i="0" u="none" strike="noStrike" dirty="0">
-                        <a:solidFill>
-                          <a:schemeClr val="bg1"/>
-                        </a:solidFill>
-                        <a:effectLst/>
-                        <a:latin typeface="Calibri" panose="020F0502020204030204" pitchFamily="34" charset="0"/>
-                      </a:endParaRPr>
-                    </a:p>
-                  </a:txBody>
-                  <a:tcPr marL="9525" marR="9525" marT="9525" marB="0" anchor="ctr"/>
-                </a:tc>
-              </a:tr>
-              <a:tr h="301753">
-                <a:tc>
-                  <a:txBody>
-                    <a:bodyPr/>
-                    <a:lstStyle/>
-                    <a:p>
-                      <a:pPr algn="ctr" fontAlgn="ctr"/>
-                      <a:r>
-                        <a:rPr lang="en-US" sz="2000" b="0" i="0" u="none" strike="noStrike" dirty="0">
-                          <a:solidFill>
-                            <a:srgbClr val="000000"/>
-                          </a:solidFill>
-                          <a:effectLst/>
-                          <a:latin typeface="Calibri" panose="020F0502020204030204" pitchFamily="34" charset="0"/>
-                          <a:cs typeface="Arial" panose="020B0604020202020204" pitchFamily="34" charset="0"/>
-                        </a:rPr>
-                        <a:t>1</a:t>
-                      </a:r>
-                    </a:p>
-                  </a:txBody>
-                  <a:tcPr marL="9525" marR="9525" marT="9525" marB="0" anchor="ctr">
-                    <a:solidFill>
-                      <a:schemeClr val="bg1">
-                        <a:lumMod val="95000"/>
-                      </a:schemeClr>
-                    </a:solidFill>
-                  </a:tcPr>
-                </a:tc>
-                <a:tc>
-                  <a:txBody>
-                    <a:bodyPr/>
-                    <a:lstStyle/>
-                    <a:p>
-                      <a:pPr lvl="0" algn="l" fontAlgn="b"/>
-                      <a:r>
-                        <a:rPr lang="en-US" sz="2000" b="0" i="0" u="none" strike="noStrike" dirty="0">
-                          <a:solidFill>
-                            <a:srgbClr val="000000"/>
-                          </a:solidFill>
-                          <a:effectLst/>
-                          <a:latin typeface="Calibri" panose="020F0502020204030204" pitchFamily="34" charset="0"/>
-                          <a:cs typeface="Arial" panose="020B0604020202020204" pitchFamily="34" charset="0"/>
-                        </a:rPr>
-                        <a:t>Malware</a:t>
-                      </a:r>
-                    </a:p>
-                  </a:txBody>
-                  <a:tcPr marL="9525" marR="9525" marT="9525" marB="0" anchor="b">
-                    <a:solidFill>
-                      <a:schemeClr val="bg1">
-                        <a:lumMod val="95000"/>
-                      </a:schemeClr>
-                    </a:solidFill>
-                  </a:tcPr>
-                </a:tc>
-                <a:tc>
-                  <a:txBody>
-                    <a:bodyPr/>
-                    <a:lstStyle/>
-                    <a:p>
-                      <a:pPr algn="ctr" rtl="0" fontAlgn="b"/>
-                      <a:r>
-                        <a:rPr lang="en-US" sz="2000" b="0" i="0" u="none" strike="noStrike">
-                          <a:solidFill>
-                            <a:srgbClr val="000000"/>
-                          </a:solidFill>
-                          <a:effectLst/>
-                          <a:latin typeface="Calibri" panose="020F0502020204030204" pitchFamily="34" charset="0"/>
-                        </a:rPr>
-                        <a:t>7,885,529</a:t>
-                      </a:r>
-                    </a:p>
-                  </a:txBody>
-                  <a:tcPr marL="9525" marR="9525" marT="9525" marB="0" anchor="b">
-                    <a:solidFill>
-                      <a:schemeClr val="bg1">
-                        <a:lumMod val="95000"/>
-                      </a:schemeClr>
-                    </a:solidFill>
-                  </a:tcPr>
-                </a:tc>
-              </a:tr>
-              <a:tr h="301753">
-                <a:tc>
-                  <a:txBody>
-                    <a:bodyPr/>
-                    <a:lstStyle/>
-                    <a:p>
-                      <a:pPr algn="ctr" fontAlgn="ctr"/>
-                      <a:r>
-                        <a:rPr lang="en-US" sz="2000" b="0" i="0" u="none" strike="noStrike" dirty="0">
-                          <a:solidFill>
-                            <a:srgbClr val="000000"/>
-                          </a:solidFill>
-                          <a:effectLst/>
-                          <a:latin typeface="Calibri" panose="020F0502020204030204" pitchFamily="34" charset="0"/>
-                          <a:cs typeface="Arial" panose="020B0604020202020204" pitchFamily="34" charset="0"/>
-                        </a:rPr>
-                        <a:t>2</a:t>
-                      </a:r>
-                    </a:p>
-                  </a:txBody>
-                  <a:tcPr marL="9525" marR="9525" marT="9525" marB="0" anchor="ctr">
-                    <a:solidFill>
-                      <a:schemeClr val="bg1">
-                        <a:lumMod val="95000"/>
-                      </a:schemeClr>
-                    </a:solidFill>
-                  </a:tcPr>
-                </a:tc>
-                <a:tc>
-                  <a:txBody>
-                    <a:bodyPr/>
-                    <a:lstStyle/>
-                    <a:p>
-                      <a:pPr lvl="0" algn="l" fontAlgn="b"/>
-                      <a:r>
-                        <a:rPr lang="en-US" sz="2000" b="0" i="0" u="none" strike="noStrike">
-                          <a:solidFill>
-                            <a:srgbClr val="000000"/>
-                          </a:solidFill>
-                          <a:effectLst/>
-                          <a:latin typeface="Calibri" panose="020F0502020204030204" pitchFamily="34" charset="0"/>
-                          <a:cs typeface="Arial" panose="020B0604020202020204" pitchFamily="34" charset="0"/>
-                        </a:rPr>
-                        <a:t>Falcon_9_v1.1</a:t>
-                      </a:r>
-                    </a:p>
-                  </a:txBody>
-                  <a:tcPr marL="9525" marR="9525" marT="9525" marB="0" anchor="b">
-                    <a:solidFill>
-                      <a:schemeClr val="bg1">
-                        <a:lumMod val="95000"/>
-                      </a:schemeClr>
-                    </a:solidFill>
-                  </a:tcPr>
-                </a:tc>
-                <a:tc>
-                  <a:txBody>
-                    <a:bodyPr/>
-                    <a:lstStyle/>
-                    <a:p>
-                      <a:pPr algn="ctr" rtl="0" fontAlgn="b"/>
-                      <a:r>
-                        <a:rPr lang="en-US" sz="2000" b="0" i="0" u="none" strike="noStrike">
-                          <a:solidFill>
-                            <a:srgbClr val="000000"/>
-                          </a:solidFill>
-                          <a:effectLst/>
-                          <a:latin typeface="Calibri" panose="020F0502020204030204" pitchFamily="34" charset="0"/>
-                        </a:rPr>
-                        <a:t>4,601,897</a:t>
-                      </a:r>
-                    </a:p>
-                  </a:txBody>
-                  <a:tcPr marL="9525" marR="9525" marT="9525" marB="0" anchor="b">
-                    <a:solidFill>
-                      <a:schemeClr val="bg1">
-                        <a:lumMod val="95000"/>
-                      </a:schemeClr>
-                    </a:solidFill>
-                  </a:tcPr>
-                </a:tc>
-              </a:tr>
-              <a:tr h="301753">
-                <a:tc>
-                  <a:txBody>
-                    <a:bodyPr/>
-                    <a:lstStyle/>
-                    <a:p>
-                      <a:pPr algn="ctr" fontAlgn="ctr"/>
-                      <a:r>
-                        <a:rPr lang="en-US" sz="2000" b="0" i="0" u="none" strike="noStrike" dirty="0">
-                          <a:solidFill>
-                            <a:srgbClr val="000000"/>
-                          </a:solidFill>
-                          <a:effectLst/>
-                          <a:latin typeface="Calibri" panose="020F0502020204030204" pitchFamily="34" charset="0"/>
-                          <a:cs typeface="Arial" panose="020B0604020202020204" pitchFamily="34" charset="0"/>
-                        </a:rPr>
-                        <a:t>3</a:t>
-                      </a:r>
-                    </a:p>
-                  </a:txBody>
-                  <a:tcPr marL="9525" marR="9525" marT="9525" marB="0" anchor="ctr">
-                    <a:solidFill>
-                      <a:schemeClr val="bg1">
-                        <a:lumMod val="95000"/>
-                      </a:schemeClr>
-                    </a:solidFill>
-                  </a:tcPr>
-                </a:tc>
-                <a:tc>
-                  <a:txBody>
-                    <a:bodyPr/>
-                    <a:lstStyle/>
-                    <a:p>
-                      <a:pPr lvl="0" algn="l" fontAlgn="b"/>
-                      <a:r>
-                        <a:rPr lang="en-US" sz="2000" b="0" i="0" u="none" strike="noStrike" dirty="0">
-                          <a:solidFill>
-                            <a:srgbClr val="000000"/>
-                          </a:solidFill>
-                          <a:effectLst/>
-                          <a:latin typeface="Calibri" panose="020F0502020204030204" pitchFamily="34" charset="0"/>
-                          <a:cs typeface="Arial" panose="020B0604020202020204" pitchFamily="34" charset="0"/>
-                        </a:rPr>
-                        <a:t>Academy_Awards</a:t>
-                      </a:r>
-                    </a:p>
-                  </a:txBody>
-                  <a:tcPr marL="9525" marR="9525" marT="9525" marB="0" anchor="b">
-                    <a:solidFill>
-                      <a:schemeClr val="bg1">
-                        <a:lumMod val="95000"/>
-                      </a:schemeClr>
-                    </a:solidFill>
-                  </a:tcPr>
-                </a:tc>
-                <a:tc>
-                  <a:txBody>
-                    <a:bodyPr/>
-                    <a:lstStyle/>
-                    <a:p>
-                      <a:pPr algn="ctr" rtl="0" fontAlgn="b"/>
-                      <a:r>
-                        <a:rPr lang="en-US" sz="2000" b="0" i="0" u="none" strike="noStrike">
-                          <a:solidFill>
-                            <a:srgbClr val="000000"/>
-                          </a:solidFill>
-                          <a:effectLst/>
-                          <a:latin typeface="Calibri" panose="020F0502020204030204" pitchFamily="34" charset="0"/>
-                        </a:rPr>
-                        <a:t>4,353,390</a:t>
-                      </a:r>
-                    </a:p>
-                  </a:txBody>
-                  <a:tcPr marL="9525" marR="9525" marT="9525" marB="0" anchor="b">
-                    <a:solidFill>
-                      <a:schemeClr val="bg1">
-                        <a:lumMod val="95000"/>
-                      </a:schemeClr>
-                    </a:solidFill>
-                  </a:tcPr>
-                </a:tc>
-              </a:tr>
-              <a:tr h="301753">
-                <a:tc>
-                  <a:txBody>
-                    <a:bodyPr/>
-                    <a:lstStyle/>
-                    <a:p>
-                      <a:pPr algn="ctr" fontAlgn="ctr"/>
-                      <a:r>
-                        <a:rPr lang="en-US" sz="2000" b="0" i="0" u="none" strike="noStrike" dirty="0">
-                          <a:solidFill>
-                            <a:srgbClr val="000000"/>
-                          </a:solidFill>
-                          <a:effectLst/>
-                          <a:latin typeface="Calibri" panose="020F0502020204030204" pitchFamily="34" charset="0"/>
-                          <a:cs typeface="Arial" panose="020B0604020202020204" pitchFamily="34" charset="0"/>
-                        </a:rPr>
-                        <a:t>4</a:t>
-                      </a:r>
-                      <a:endParaRPr lang="en-US" sz="2000" b="0" i="0" u="none" strike="noStrike" dirty="0">
-                        <a:solidFill>
-                          <a:srgbClr val="000000"/>
-                        </a:solidFill>
-                        <a:effectLst/>
-                        <a:latin typeface="Calibri" panose="020F0502020204030204" pitchFamily="34" charset="0"/>
-                        <a:cs typeface="Arial" panose="020B0604020202020204" pitchFamily="34" charset="0"/>
-                      </a:endParaRPr>
-                    </a:p>
-                  </a:txBody>
-                  <a:tcPr marL="9525" marR="9525" marT="9525" marB="0" anchor="ctr">
-                    <a:solidFill>
-                      <a:schemeClr val="bg1">
-                        <a:lumMod val="95000"/>
-                      </a:schemeClr>
-                    </a:solidFill>
-                  </a:tcPr>
-                </a:tc>
-                <a:tc>
-                  <a:txBody>
-                    <a:bodyPr/>
-                    <a:lstStyle/>
-                    <a:p>
-                      <a:pPr lvl="0" algn="l" fontAlgn="b"/>
-                      <a:r>
-                        <a:rPr lang="en-US" sz="2000" b="0" i="0" u="none" strike="noStrike" dirty="0">
-                          <a:solidFill>
-                            <a:srgbClr val="000000"/>
-                          </a:solidFill>
-                          <a:effectLst/>
-                          <a:latin typeface="Calibri" panose="020F0502020204030204" pitchFamily="34" charset="0"/>
-                          <a:cs typeface="Arial" panose="020B0604020202020204" pitchFamily="34" charset="0"/>
-                        </a:rPr>
-                        <a:t>Avengers:_Age_of_Ultron</a:t>
-                      </a:r>
-                    </a:p>
-                  </a:txBody>
-                  <a:tcPr marL="9525" marR="9525" marT="9525" marB="0" anchor="b">
-                    <a:solidFill>
-                      <a:schemeClr val="bg1">
-                        <a:lumMod val="95000"/>
-                      </a:schemeClr>
-                    </a:solidFill>
-                  </a:tcPr>
-                </a:tc>
-                <a:tc>
-                  <a:txBody>
-                    <a:bodyPr/>
-                    <a:lstStyle/>
-                    <a:p>
-                      <a:pPr algn="ctr" rtl="0" fontAlgn="b"/>
-                      <a:r>
-                        <a:rPr lang="en-US" sz="2000" b="0" i="0" u="none" strike="noStrike">
-                          <a:solidFill>
-                            <a:srgbClr val="000000"/>
-                          </a:solidFill>
-                          <a:effectLst/>
-                          <a:latin typeface="Calibri" panose="020F0502020204030204" pitchFamily="34" charset="0"/>
-                        </a:rPr>
-                        <a:t>2,164,117</a:t>
-                      </a:r>
-                    </a:p>
-                  </a:txBody>
-                  <a:tcPr marL="9525" marR="9525" marT="9525" marB="0" anchor="b">
-                    <a:solidFill>
-                      <a:schemeClr val="bg1">
-                        <a:lumMod val="95000"/>
-                      </a:schemeClr>
-                    </a:solidFill>
-                  </a:tcPr>
-                </a:tc>
-              </a:tr>
-              <a:tr h="301753">
-                <a:tc>
-                  <a:txBody>
-                    <a:bodyPr/>
-                    <a:lstStyle/>
-                    <a:p>
-                      <a:pPr algn="ctr" fontAlgn="ctr"/>
-                      <a:r>
-                        <a:rPr lang="en-US" sz="2000" b="0" i="0" u="none" strike="noStrike" dirty="0">
-                          <a:solidFill>
-                            <a:srgbClr val="000000"/>
-                          </a:solidFill>
-                          <a:effectLst/>
-                          <a:latin typeface="Calibri" panose="020F0502020204030204" pitchFamily="34" charset="0"/>
-                          <a:cs typeface="Arial" panose="020B0604020202020204" pitchFamily="34" charset="0"/>
-                        </a:rPr>
-                        <a:t>5</a:t>
-                      </a:r>
-                      <a:endParaRPr lang="en-US" sz="2000" b="0" i="0" u="none" strike="noStrike" dirty="0">
-                        <a:solidFill>
-                          <a:srgbClr val="000000"/>
-                        </a:solidFill>
-                        <a:effectLst/>
-                        <a:latin typeface="Calibri" panose="020F0502020204030204" pitchFamily="34" charset="0"/>
-                        <a:cs typeface="Arial" panose="020B0604020202020204" pitchFamily="34" charset="0"/>
-                      </a:endParaRPr>
-                    </a:p>
-                  </a:txBody>
-                  <a:tcPr marL="9525" marR="9525" marT="9525" marB="0" anchor="ctr">
-                    <a:solidFill>
-                      <a:schemeClr val="bg1">
-                        <a:lumMod val="95000"/>
-                      </a:schemeClr>
-                    </a:solidFill>
-                  </a:tcPr>
-                </a:tc>
-                <a:tc>
-                  <a:txBody>
-                    <a:bodyPr/>
-                    <a:lstStyle/>
-                    <a:p>
-                      <a:pPr lvl="0" algn="l" fontAlgn="b"/>
-                      <a:r>
-                        <a:rPr lang="en-US" sz="2000" b="0" i="0" u="none" strike="noStrike" dirty="0">
-                          <a:solidFill>
-                            <a:srgbClr val="000000"/>
-                          </a:solidFill>
-                          <a:effectLst/>
-                          <a:latin typeface="Calibri" panose="020F0502020204030204" pitchFamily="34" charset="0"/>
-                          <a:cs typeface="Arial" panose="020B0604020202020204" pitchFamily="34" charset="0"/>
-                        </a:rPr>
-                        <a:t>2015_in_spaceflight</a:t>
-                      </a:r>
-                    </a:p>
-                  </a:txBody>
-                  <a:tcPr marL="9525" marR="9525" marT="9525" marB="0" anchor="b">
-                    <a:solidFill>
-                      <a:schemeClr val="bg1">
-                        <a:lumMod val="95000"/>
-                      </a:schemeClr>
-                    </a:solidFill>
-                  </a:tcPr>
-                </a:tc>
-                <a:tc>
-                  <a:txBody>
-                    <a:bodyPr/>
-                    <a:lstStyle/>
-                    <a:p>
-                      <a:pPr algn="ctr" rtl="0" fontAlgn="b"/>
-                      <a:r>
-                        <a:rPr lang="en-US" sz="2000" b="0" i="0" u="none" strike="noStrike" dirty="0">
-                          <a:solidFill>
-                            <a:srgbClr val="000000"/>
-                          </a:solidFill>
-                          <a:effectLst/>
-                          <a:latin typeface="Calibri" panose="020F0502020204030204" pitchFamily="34" charset="0"/>
-                        </a:rPr>
-                        <a:t>2,128,490</a:t>
-                      </a:r>
-                    </a:p>
-                  </a:txBody>
-                  <a:tcPr marL="9525" marR="9525" marT="9525" marB="0" anchor="b">
-                    <a:solidFill>
-                      <a:schemeClr val="bg1">
-                        <a:lumMod val="95000"/>
-                      </a:schemeClr>
-                    </a:solidFill>
-                  </a:tcPr>
-                </a:tc>
-              </a:tr>
-              <a:tr h="301753">
-                <a:tc>
-                  <a:txBody>
-                    <a:bodyPr/>
-                    <a:lstStyle/>
-                    <a:p>
-                      <a:pPr algn="ctr" fontAlgn="ctr"/>
-                      <a:r>
-                        <a:rPr lang="en-US" sz="2000" b="0" i="0" u="none" strike="noStrike" dirty="0">
-                          <a:solidFill>
-                            <a:srgbClr val="000000"/>
-                          </a:solidFill>
-                          <a:effectLst/>
-                          <a:latin typeface="Calibri" panose="020F0502020204030204" pitchFamily="34" charset="0"/>
-                          <a:cs typeface="Arial" panose="020B0604020202020204" pitchFamily="34" charset="0"/>
-                        </a:rPr>
-                        <a:t>6</a:t>
-                      </a:r>
-                      <a:endParaRPr lang="en-US" sz="2000" b="0" i="0" u="none" strike="noStrike" dirty="0">
-                        <a:solidFill>
-                          <a:srgbClr val="000000"/>
-                        </a:solidFill>
-                        <a:effectLst/>
-                        <a:latin typeface="Calibri" panose="020F0502020204030204" pitchFamily="34" charset="0"/>
-                        <a:cs typeface="Arial" panose="020B0604020202020204" pitchFamily="34" charset="0"/>
-                      </a:endParaRPr>
-                    </a:p>
-                  </a:txBody>
-                  <a:tcPr marL="9525" marR="9525" marT="9525" marB="0" anchor="ctr">
-                    <a:solidFill>
-                      <a:schemeClr val="bg1">
-                        <a:lumMod val="95000"/>
-                      </a:schemeClr>
-                    </a:solidFill>
-                  </a:tcPr>
-                </a:tc>
-                <a:tc>
-                  <a:txBody>
-                    <a:bodyPr/>
-                    <a:lstStyle/>
-                    <a:p>
-                      <a:pPr lvl="0" algn="l" fontAlgn="b"/>
-                      <a:r>
-                        <a:rPr lang="en-US" sz="2000" b="0" i="0" u="none" strike="noStrike" dirty="0">
-                          <a:solidFill>
-                            <a:srgbClr val="000000"/>
-                          </a:solidFill>
-                          <a:effectLst/>
-                          <a:latin typeface="Calibri" panose="020F0502020204030204" pitchFamily="34" charset="0"/>
-                          <a:cs typeface="Arial" panose="020B0604020202020204" pitchFamily="34" charset="0"/>
-                        </a:rPr>
-                        <a:t>Mad_Max:_Fury_Road</a:t>
-                      </a:r>
-                    </a:p>
-                  </a:txBody>
-                  <a:tcPr marL="9525" marR="9525" marT="9525" marB="0" anchor="b">
-                    <a:solidFill>
-                      <a:schemeClr val="bg1">
-                        <a:lumMod val="95000"/>
-                      </a:schemeClr>
-                    </a:solidFill>
-                  </a:tcPr>
-                </a:tc>
-                <a:tc>
-                  <a:txBody>
-                    <a:bodyPr/>
-                    <a:lstStyle/>
-                    <a:p>
-                      <a:pPr algn="ctr" rtl="0" fontAlgn="b"/>
-                      <a:r>
-                        <a:rPr lang="en-US" sz="2000" b="0" i="0" u="none" strike="noStrike">
-                          <a:solidFill>
-                            <a:srgbClr val="000000"/>
-                          </a:solidFill>
-                          <a:effectLst/>
-                          <a:latin typeface="Calibri" panose="020F0502020204030204" pitchFamily="34" charset="0"/>
-                        </a:rPr>
-                        <a:t>1,769,086</a:t>
-                      </a:r>
-                    </a:p>
-                  </a:txBody>
-                  <a:tcPr marL="9525" marR="9525" marT="9525" marB="0" anchor="b">
-                    <a:solidFill>
-                      <a:schemeClr val="bg1">
-                        <a:lumMod val="95000"/>
-                      </a:schemeClr>
-                    </a:solidFill>
-                  </a:tcPr>
-                </a:tc>
-              </a:tr>
-              <a:tr h="301753">
-                <a:tc>
-                  <a:txBody>
-                    <a:bodyPr/>
-                    <a:lstStyle/>
-                    <a:p>
-                      <a:pPr algn="ctr" fontAlgn="ctr"/>
-                      <a:r>
-                        <a:rPr lang="en-US" sz="2000" b="0" i="0" u="none" strike="noStrike" dirty="0">
-                          <a:solidFill>
-                            <a:srgbClr val="000000"/>
-                          </a:solidFill>
-                          <a:effectLst/>
-                          <a:latin typeface="Calibri" panose="020F0502020204030204" pitchFamily="34" charset="0"/>
-                          <a:cs typeface="Arial" panose="020B0604020202020204" pitchFamily="34" charset="0"/>
-                        </a:rPr>
-                        <a:t>7</a:t>
-                      </a:r>
-                      <a:endParaRPr lang="en-US" sz="2000" b="0" i="0" u="none" strike="noStrike" dirty="0">
-                        <a:solidFill>
-                          <a:srgbClr val="000000"/>
-                        </a:solidFill>
-                        <a:effectLst/>
-                        <a:latin typeface="Calibri" panose="020F0502020204030204" pitchFamily="34" charset="0"/>
-                        <a:cs typeface="Arial" panose="020B0604020202020204" pitchFamily="34" charset="0"/>
-                      </a:endParaRPr>
-                    </a:p>
-                  </a:txBody>
-                  <a:tcPr marL="9525" marR="9525" marT="9525" marB="0" anchor="ctr">
-                    <a:solidFill>
-                      <a:schemeClr val="bg1">
-                        <a:lumMod val="95000"/>
-                      </a:schemeClr>
-                    </a:solidFill>
-                  </a:tcPr>
-                </a:tc>
-                <a:tc>
-                  <a:txBody>
-                    <a:bodyPr/>
-                    <a:lstStyle/>
-                    <a:p>
-                      <a:pPr lvl="0" algn="l" fontAlgn="b"/>
-                      <a:r>
-                        <a:rPr lang="en-US" sz="2000" b="0" i="0" u="none" strike="noStrike" dirty="0">
-                          <a:solidFill>
-                            <a:srgbClr val="000000"/>
-                          </a:solidFill>
-                          <a:effectLst/>
-                          <a:latin typeface="Calibri" panose="020F0502020204030204" pitchFamily="34" charset="0"/>
-                          <a:cs typeface="Arial" panose="020B0604020202020204" pitchFamily="34" charset="0"/>
-                        </a:rPr>
-                        <a:t>Nellie_Bly</a:t>
-                      </a:r>
-                    </a:p>
-                  </a:txBody>
-                  <a:tcPr marL="9525" marR="9525" marT="9525" marB="0" anchor="b">
-                    <a:solidFill>
-                      <a:schemeClr val="bg1">
-                        <a:lumMod val="95000"/>
-                      </a:schemeClr>
-                    </a:solidFill>
-                  </a:tcPr>
-                </a:tc>
-                <a:tc>
-                  <a:txBody>
-                    <a:bodyPr/>
-                    <a:lstStyle/>
-                    <a:p>
-                      <a:pPr algn="ctr" rtl="0" fontAlgn="b"/>
-                      <a:r>
-                        <a:rPr lang="en-US" sz="2000" b="0" i="0" u="none" strike="noStrike" dirty="0">
-                          <a:solidFill>
-                            <a:srgbClr val="000000"/>
-                          </a:solidFill>
-                          <a:effectLst/>
-                          <a:latin typeface="Calibri" panose="020F0502020204030204" pitchFamily="34" charset="0"/>
-                        </a:rPr>
-                        <a:t>1,732,868</a:t>
-                      </a:r>
-                    </a:p>
-                  </a:txBody>
-                  <a:tcPr marL="9525" marR="9525" marT="9525" marB="0" anchor="b">
-                    <a:solidFill>
-                      <a:schemeClr val="bg1">
-                        <a:lumMod val="95000"/>
-                      </a:schemeClr>
-                    </a:solidFill>
-                  </a:tcPr>
-                </a:tc>
-              </a:tr>
-              <a:tr h="301753">
-                <a:tc>
-                  <a:txBody>
-                    <a:bodyPr/>
-                    <a:lstStyle/>
-                    <a:p>
-                      <a:pPr algn="ctr" fontAlgn="ctr"/>
-                      <a:r>
-                        <a:rPr lang="en-US" sz="2000" b="0" i="0" u="none" strike="noStrike" dirty="0">
-                          <a:solidFill>
-                            <a:srgbClr val="000000"/>
-                          </a:solidFill>
-                          <a:effectLst/>
-                          <a:latin typeface="Calibri" panose="020F0502020204030204" pitchFamily="34" charset="0"/>
-                          <a:cs typeface="Arial" panose="020B0604020202020204" pitchFamily="34" charset="0"/>
-                        </a:rPr>
-                        <a:t>8</a:t>
-                      </a:r>
-                      <a:endParaRPr lang="en-US" sz="2000" b="0" i="0" u="none" strike="noStrike" dirty="0">
-                        <a:solidFill>
-                          <a:srgbClr val="000000"/>
-                        </a:solidFill>
-                        <a:effectLst/>
-                        <a:latin typeface="Calibri" panose="020F0502020204030204" pitchFamily="34" charset="0"/>
-                        <a:cs typeface="Arial" panose="020B0604020202020204" pitchFamily="34" charset="0"/>
-                      </a:endParaRPr>
-                    </a:p>
-                  </a:txBody>
-                  <a:tcPr marL="9525" marR="9525" marT="9525" marB="0" anchor="ctr">
-                    <a:solidFill>
-                      <a:schemeClr val="bg1">
-                        <a:lumMod val="95000"/>
-                      </a:schemeClr>
-                    </a:solidFill>
-                  </a:tcPr>
-                </a:tc>
-                <a:tc>
-                  <a:txBody>
-                    <a:bodyPr/>
-                    <a:lstStyle/>
-                    <a:p>
-                      <a:pPr lvl="0" algn="l" fontAlgn="b"/>
-                      <a:r>
-                        <a:rPr lang="en-US" sz="2000" b="0" i="0" u="none" strike="noStrike" dirty="0">
-                          <a:solidFill>
-                            <a:srgbClr val="000000"/>
-                          </a:solidFill>
-                          <a:effectLst/>
-                          <a:latin typeface="Calibri" panose="020F0502020204030204" pitchFamily="34" charset="0"/>
-                          <a:cs typeface="Arial" panose="020B0604020202020204" pitchFamily="34" charset="0"/>
-                        </a:rPr>
-                        <a:t>Floyd_Mayweather</a:t>
-                      </a:r>
-                    </a:p>
-                  </a:txBody>
-                  <a:tcPr marL="9525" marR="9525" marT="9525" marB="0" anchor="b">
-                    <a:solidFill>
-                      <a:schemeClr val="bg1">
-                        <a:lumMod val="95000"/>
-                      </a:schemeClr>
-                    </a:solidFill>
-                  </a:tcPr>
-                </a:tc>
-                <a:tc>
-                  <a:txBody>
-                    <a:bodyPr/>
-                    <a:lstStyle/>
-                    <a:p>
-                      <a:pPr algn="ctr" rtl="0" fontAlgn="b"/>
-                      <a:r>
-                        <a:rPr lang="en-US" sz="2000" b="0" i="0" u="none" strike="noStrike" dirty="0">
-                          <a:solidFill>
-                            <a:srgbClr val="000000"/>
-                          </a:solidFill>
-                          <a:effectLst/>
-                          <a:latin typeface="Calibri" panose="020F0502020204030204" pitchFamily="34" charset="0"/>
-                        </a:rPr>
-                        <a:t>1,716,975</a:t>
-                      </a:r>
-                    </a:p>
-                  </a:txBody>
-                  <a:tcPr marL="9525" marR="9525" marT="9525" marB="0" anchor="b">
-                    <a:solidFill>
-                      <a:schemeClr val="bg1">
-                        <a:lumMod val="95000"/>
-                      </a:schemeClr>
-                    </a:solidFill>
-                  </a:tcPr>
-                </a:tc>
-              </a:tr>
-              <a:tr h="301753">
-                <a:tc>
-                  <a:txBody>
-                    <a:bodyPr/>
-                    <a:lstStyle/>
-                    <a:p>
-                      <a:pPr algn="ctr" fontAlgn="ctr"/>
-                      <a:r>
-                        <a:rPr lang="en-US" sz="2000" b="0" i="0" u="none" strike="noStrike" dirty="0" smtClean="0">
-                          <a:solidFill>
-                            <a:srgbClr val="000000"/>
-                          </a:solidFill>
-                          <a:effectLst/>
-                          <a:latin typeface="Calibri" panose="020F0502020204030204" pitchFamily="34" charset="0"/>
-                          <a:cs typeface="Arial" panose="020B0604020202020204" pitchFamily="34" charset="0"/>
-                        </a:rPr>
-                        <a:t>9</a:t>
-                      </a:r>
-                      <a:endParaRPr lang="en-US" sz="2000" b="0" i="0" u="none" strike="noStrike" dirty="0">
-                        <a:solidFill>
-                          <a:srgbClr val="000000"/>
-                        </a:solidFill>
-                        <a:effectLst/>
-                        <a:latin typeface="Calibri" panose="020F0502020204030204" pitchFamily="34" charset="0"/>
-                        <a:cs typeface="Arial" panose="020B0604020202020204" pitchFamily="34" charset="0"/>
-                      </a:endParaRPr>
-                    </a:p>
-                  </a:txBody>
-                  <a:tcPr marL="9525" marR="9525" marT="9525" marB="0" anchor="ctr">
-                    <a:solidFill>
-                      <a:schemeClr val="bg1">
-                        <a:lumMod val="95000"/>
-                      </a:schemeClr>
-                    </a:solidFill>
-                  </a:tcPr>
-                </a:tc>
-                <a:tc>
-                  <a:txBody>
-                    <a:bodyPr/>
-                    <a:lstStyle/>
-                    <a:p>
-                      <a:pPr lvl="0" algn="l" fontAlgn="b"/>
-                      <a:r>
-                        <a:rPr lang="en-US" sz="2000" b="0" i="0" u="none" strike="noStrike" dirty="0">
-                          <a:solidFill>
-                            <a:srgbClr val="000000"/>
-                          </a:solidFill>
-                          <a:effectLst/>
-                          <a:latin typeface="Calibri" panose="020F0502020204030204" pitchFamily="34" charset="0"/>
-                          <a:cs typeface="Arial" panose="020B0604020202020204" pitchFamily="34" charset="0"/>
-                        </a:rPr>
-                        <a:t>Plantronics_Headset</a:t>
-                      </a:r>
-                    </a:p>
-                  </a:txBody>
-                  <a:tcPr marL="9525" marR="9525" marT="9525" marB="0" anchor="b">
-                    <a:solidFill>
-                      <a:schemeClr val="bg1">
-                        <a:lumMod val="95000"/>
-                      </a:schemeClr>
-                    </a:solidFill>
-                  </a:tcPr>
-                </a:tc>
-                <a:tc>
-                  <a:txBody>
-                    <a:bodyPr/>
-                    <a:lstStyle/>
-                    <a:p>
-                      <a:pPr algn="ctr" rtl="0" fontAlgn="b"/>
-                      <a:r>
-                        <a:rPr lang="en-US" sz="2000" b="0" i="0" u="none" strike="noStrike">
-                          <a:solidFill>
-                            <a:srgbClr val="000000"/>
-                          </a:solidFill>
-                          <a:effectLst/>
-                          <a:latin typeface="Calibri" panose="020F0502020204030204" pitchFamily="34" charset="0"/>
-                        </a:rPr>
-                        <a:t>1,660,100</a:t>
-                      </a:r>
-                    </a:p>
-                  </a:txBody>
-                  <a:tcPr marL="9525" marR="9525" marT="9525" marB="0" anchor="b">
-                    <a:solidFill>
-                      <a:schemeClr val="bg1">
-                        <a:lumMod val="95000"/>
-                      </a:schemeClr>
-                    </a:solidFill>
-                  </a:tcPr>
-                </a:tc>
-              </a:tr>
-              <a:tr h="301753">
-                <a:tc>
-                  <a:txBody>
-                    <a:bodyPr/>
-                    <a:lstStyle/>
-                    <a:p>
-                      <a:pPr algn="ctr" fontAlgn="ctr"/>
-                      <a:r>
-                        <a:rPr lang="en-US" sz="2000" b="0" i="0" u="none" strike="noStrike" dirty="0" smtClean="0">
-                          <a:solidFill>
-                            <a:srgbClr val="000000"/>
-                          </a:solidFill>
-                          <a:effectLst/>
-                          <a:latin typeface="Calibri" panose="020F0502020204030204" pitchFamily="34" charset="0"/>
-                          <a:cs typeface="Arial" panose="020B0604020202020204" pitchFamily="34" charset="0"/>
-                        </a:rPr>
-                        <a:t>10</a:t>
-                      </a:r>
-                      <a:endParaRPr lang="en-US" sz="2000" b="0" i="0" u="none" strike="noStrike" dirty="0">
-                        <a:solidFill>
-                          <a:srgbClr val="000000"/>
-                        </a:solidFill>
-                        <a:effectLst/>
-                        <a:latin typeface="Calibri" panose="020F0502020204030204" pitchFamily="34" charset="0"/>
-                        <a:cs typeface="Arial" panose="020B0604020202020204" pitchFamily="34" charset="0"/>
-                      </a:endParaRPr>
-                    </a:p>
-                  </a:txBody>
-                  <a:tcPr marL="9525" marR="9525" marT="9525" marB="0" anchor="ctr">
-                    <a:solidFill>
-                      <a:schemeClr val="bg1">
-                        <a:lumMod val="95000"/>
-                      </a:schemeClr>
-                    </a:solidFill>
-                  </a:tcPr>
-                </a:tc>
-                <a:tc>
-                  <a:txBody>
-                    <a:bodyPr/>
-                    <a:lstStyle/>
-                    <a:p>
-                      <a:pPr lvl="0" algn="l" fontAlgn="b"/>
-                      <a:r>
-                        <a:rPr lang="en-US" sz="2000" b="0" i="0" u="none" strike="noStrike" dirty="0">
-                          <a:solidFill>
-                            <a:srgbClr val="000000"/>
-                          </a:solidFill>
-                          <a:effectLst/>
-                          <a:latin typeface="Calibri" panose="020F0502020204030204" pitchFamily="34" charset="0"/>
-                          <a:cs typeface="Arial" panose="020B0604020202020204" pitchFamily="34" charset="0"/>
-                        </a:rPr>
-                        <a:t>Sally_Ride</a:t>
-                      </a:r>
-                    </a:p>
-                  </a:txBody>
-                  <a:tcPr marL="9525" marR="9525" marT="9525" marB="0" anchor="b">
-                    <a:solidFill>
-                      <a:schemeClr val="bg1">
-                        <a:lumMod val="95000"/>
-                      </a:schemeClr>
-                    </a:solidFill>
-                  </a:tcPr>
-                </a:tc>
-                <a:tc>
-                  <a:txBody>
-                    <a:bodyPr/>
-                    <a:lstStyle/>
-                    <a:p>
-                      <a:pPr algn="ctr" rtl="0" fontAlgn="b"/>
-                      <a:r>
-                        <a:rPr lang="en-US" sz="2000" b="0" i="0" u="none" strike="noStrike" dirty="0">
-                          <a:solidFill>
-                            <a:srgbClr val="000000"/>
-                          </a:solidFill>
-                          <a:effectLst/>
-                          <a:latin typeface="Calibri" panose="020F0502020204030204" pitchFamily="34" charset="0"/>
-                        </a:rPr>
-                        <a:t>1,620,413</a:t>
-                      </a:r>
-                    </a:p>
-                  </a:txBody>
-                  <a:tcPr marL="9525" marR="9525" marT="9525" marB="0" anchor="b">
-                    <a:solidFill>
-                      <a:schemeClr val="bg1">
-                        <a:lumMod val="95000"/>
-                      </a:schemeClr>
-                    </a:solidFill>
-                  </a:tcPr>
-                </a:tc>
-              </a:tr>
-            </a:tbl>
-          </a:graphicData>
-        </a:graphic>
-      </p:graphicFrame>
-    </p:spTree>
-    <p:extLst>
-      <p:ext uri="{BB962C8B-B14F-4D97-AF65-F5344CB8AC3E}">
-        <p14:creationId xmlns:p14="http://schemas.microsoft.com/office/powerpoint/2010/main" val="1172192020"/>
+        <p14:creationId xmlns:p14="http://schemas.microsoft.com/office/powerpoint/2010/main" val="1728447510"/>
       </p:ext>
     </p:extLst>
   </p:cSld>
@@ -16078,23 +16208,11 @@
             </a:r>
             <a:r>
               <a:rPr lang="en-CA" sz="2080" b="0" dirty="0"/>
-              <a:t>web pages viewed in Wikipedia English </a:t>
+              <a:t>web pages viewed in Wikipedia English During </a:t>
             </a:r>
             <a:r>
               <a:rPr lang="en-CA" sz="2080" b="0" dirty="0" smtClean="0"/>
-              <a:t>On </a:t>
-            </a:r>
-            <a:r>
-              <a:rPr lang="en-CA" sz="2080" b="0" dirty="0"/>
-              <a:t>June 6</a:t>
-            </a:r>
-            <a:r>
-              <a:rPr lang="en-CA" sz="2080" b="0" baseline="30000" dirty="0"/>
-              <a:t>th</a:t>
-            </a:r>
-            <a:r>
-              <a:rPr lang="en-CA" sz="2080" b="0" dirty="0"/>
-              <a:t> (Sat)</a:t>
+              <a:t>August</a:t>
             </a:r>
             <a:endParaRPr lang="en-US" sz="2080" b="0" dirty="0"/>
           </a:p>
@@ -16109,7 +16227,7 @@
           <p:nvPr>
             <p:extLst>
               <p:ext uri="{D42A27DB-BD31-4B8C-83A1-F6EECF244321}">
-                <p14:modId xmlns:p14="http://schemas.microsoft.com/office/powerpoint/2010/main" val="826914117"/>
+                <p14:modId xmlns:p14="http://schemas.microsoft.com/office/powerpoint/2010/main" val="4232433789"/>
               </p:ext>
             </p:extLst>
           </p:nvPr>
@@ -16126,8 +16244,8 @@
               </a:tblPr>
               <a:tblGrid>
                 <a:gridCol w="901523"/>
-                <a:gridCol w="3839294"/>
-                <a:gridCol w="2370409"/>
+                <a:gridCol w="4155135"/>
+                <a:gridCol w="2054568"/>
               </a:tblGrid>
               <a:tr h="409047">
                 <a:tc>
@@ -16240,14 +16358,14 @@
                     <a:p>
                       <a:pPr algn="l" fontAlgn="b"/>
                       <a:r>
-                        <a:rPr lang="en-US" sz="2000" b="0" i="0" u="none" strike="noStrike">
+                        <a:rPr lang="en-US" sz="1800" b="0" i="0" u="none" strike="noStrike">
                           <a:solidFill>
                             <a:srgbClr val="000000"/>
                           </a:solidFill>
                           <a:effectLst/>
                           <a:latin typeface="Calibri" panose="020F0502020204030204" pitchFamily="34" charset="0"/>
                         </a:rPr>
-                        <a:t>Malware</a:t>
+                        <a:t>Nuclear_magnetic_resonance_spectroscopy</a:t>
                       </a:r>
                     </a:p>
                   </a:txBody>
@@ -16266,14 +16384,14 @@
                     <a:p>
                       <a:pPr algn="ctr" fontAlgn="b"/>
                       <a:r>
-                        <a:rPr lang="en-US" sz="2000" b="0" i="0" u="none" strike="noStrike">
+                        <a:rPr lang="en-US" sz="1800" b="0" i="0" u="none" strike="noStrike">
                           <a:solidFill>
                             <a:srgbClr val="000000"/>
                           </a:solidFill>
                           <a:effectLst/>
                           <a:latin typeface="Calibri" panose="020F0502020204030204" pitchFamily="34" charset="0"/>
                         </a:rPr>
-                        <a:t>416,576</a:t>
+                        <a:t>7,129,740</a:t>
                       </a:r>
                     </a:p>
                   </a:txBody>
@@ -16321,14 +16439,14 @@
                     <a:p>
                       <a:pPr algn="l" fontAlgn="b"/>
                       <a:r>
-                        <a:rPr lang="en-US" sz="2000" b="0" i="0" u="none" strike="noStrike" dirty="0">
+                        <a:rPr lang="en-US" sz="1800" b="0" i="0" u="none" strike="noStrike">
                           <a:solidFill>
                             <a:srgbClr val="000000"/>
                           </a:solidFill>
                           <a:effectLst/>
                           <a:latin typeface="Calibri" panose="020F0502020204030204" pitchFamily="34" charset="0"/>
                         </a:rPr>
-                        <a:t>Ashoka</a:t>
+                        <a:t>Galapagos_shark</a:t>
                       </a:r>
                     </a:p>
                   </a:txBody>
@@ -16347,14 +16465,14 @@
                     <a:p>
                       <a:pPr algn="ctr" fontAlgn="b"/>
                       <a:r>
-                        <a:rPr lang="en-US" sz="2000" b="0" i="0" u="none" strike="noStrike">
+                        <a:rPr lang="en-US" sz="1800" b="0" i="0" u="none" strike="noStrike">
                           <a:solidFill>
                             <a:srgbClr val="000000"/>
                           </a:solidFill>
                           <a:effectLst/>
                           <a:latin typeface="Calibri" panose="020F0502020204030204" pitchFamily="34" charset="0"/>
                         </a:rPr>
-                        <a:t>193,104</a:t>
+                        <a:t>2,573,661</a:t>
                       </a:r>
                     </a:p>
                   </a:txBody>
@@ -16402,14 +16520,14 @@
                     <a:p>
                       <a:pPr algn="l" fontAlgn="b"/>
                       <a:r>
-                        <a:rPr lang="en-US" sz="2000" b="0" i="0" u="none" strike="noStrike" dirty="0">
+                        <a:rPr lang="en-US" sz="1800" b="0" i="0" u="none" strike="noStrike">
                           <a:solidFill>
                             <a:srgbClr val="000000"/>
                           </a:solidFill>
                           <a:effectLst/>
                           <a:latin typeface="Calibri" panose="020F0502020204030204" pitchFamily="34" charset="0"/>
                         </a:rPr>
-                        <a:t>Vitaly_Kaloyev</a:t>
+                        <a:t>am</a:t>
                       </a:r>
                     </a:p>
                   </a:txBody>
@@ -16428,14 +16546,14 @@
                     <a:p>
                       <a:pPr algn="ctr" fontAlgn="b"/>
                       <a:r>
-                        <a:rPr lang="en-US" sz="2000" b="0" i="0" u="none" strike="noStrike">
+                        <a:rPr lang="en-US" sz="1800" b="0" i="0" u="none" strike="noStrike">
                           <a:solidFill>
                             <a:srgbClr val="000000"/>
                           </a:solidFill>
                           <a:effectLst/>
                           <a:latin typeface="Calibri" panose="020F0502020204030204" pitchFamily="34" charset="0"/>
                         </a:rPr>
-                        <a:t>182,388</a:t>
+                        <a:t>2,561,048</a:t>
                       </a:r>
                     </a:p>
                   </a:txBody>
@@ -16466,14 +16584,6 @@
                         </a:rPr>
                         <a:t>4</a:t>
                       </a:r>
-                      <a:endParaRPr lang="en-US" sz="2000" b="0" i="0" u="none" strike="noStrike" dirty="0">
-                        <a:solidFill>
-                          <a:srgbClr val="000000"/>
-                        </a:solidFill>
-                        <a:effectLst/>
-                        <a:latin typeface="Calibri" panose="020F0502020204030204" pitchFamily="34" charset="0"/>
-                        <a:cs typeface="Arial" panose="020B0604020202020204" pitchFamily="34" charset="0"/>
-                      </a:endParaRPr>
                     </a:p>
                   </a:txBody>
                   <a:tcPr marL="9525" marR="9525" marT="9525" marB="0" anchor="ctr">
@@ -16491,14 +16601,14 @@
                     <a:p>
                       <a:pPr algn="l" fontAlgn="b"/>
                       <a:r>
-                        <a:rPr lang="en-US" sz="2000" b="0" i="0" u="none" strike="noStrike" dirty="0">
+                        <a:rPr lang="en-US" sz="1800" b="0" i="0" u="none" strike="noStrike">
                           <a:solidFill>
                             <a:srgbClr val="000000"/>
                           </a:solidFill>
                           <a:effectLst/>
                           <a:latin typeface="Calibri" panose="020F0502020204030204" pitchFamily="34" charset="0"/>
                         </a:rPr>
-                        <a:t>Special:HideBanners</a:t>
+                        <a:t>Windex.php</a:t>
                       </a:r>
                     </a:p>
                   </a:txBody>
@@ -16517,14 +16627,14 @@
                     <a:p>
                       <a:pPr algn="ctr" fontAlgn="b"/>
                       <a:r>
-                        <a:rPr lang="en-US" sz="2000" b="0" i="0" u="none" strike="noStrike">
+                        <a:rPr lang="en-US" sz="1800" b="0" i="0" u="none" strike="noStrike">
                           <a:solidFill>
                             <a:srgbClr val="000000"/>
                           </a:solidFill>
                           <a:effectLst/>
                           <a:latin typeface="Calibri" panose="020F0502020204030204" pitchFamily="34" charset="0"/>
                         </a:rPr>
-                        <a:t>161,612</a:t>
+                        <a:t>2,458,294</a:t>
                       </a:r>
                     </a:p>
                   </a:txBody>
@@ -16555,14 +16665,6 @@
                         </a:rPr>
                         <a:t>5</a:t>
                       </a:r>
-                      <a:endParaRPr lang="en-US" sz="2000" b="0" i="0" u="none" strike="noStrike" dirty="0">
-                        <a:solidFill>
-                          <a:srgbClr val="000000"/>
-                        </a:solidFill>
-                        <a:effectLst/>
-                        <a:latin typeface="Calibri" panose="020F0502020204030204" pitchFamily="34" charset="0"/>
-                        <a:cs typeface="Arial" panose="020B0604020202020204" pitchFamily="34" charset="0"/>
-                      </a:endParaRPr>
                     </a:p>
                   </a:txBody>
                   <a:tcPr marL="9525" marR="9525" marT="9525" marB="0" anchor="ctr">
@@ -16580,14 +16682,14 @@
                     <a:p>
                       <a:pPr algn="l" fontAlgn="b"/>
                       <a:r>
-                        <a:rPr lang="en-US" sz="2000" b="0" i="0" u="none" strike="noStrike" dirty="0">
+                        <a:rPr lang="en-US" sz="1800" b="0" i="0" u="none" strike="noStrike">
                           <a:solidFill>
                             <a:srgbClr val="000000"/>
                           </a:solidFill>
                           <a:effectLst/>
                           <a:latin typeface="Calibri" panose="020F0502020204030204" pitchFamily="34" charset="0"/>
                         </a:rPr>
-                        <a:t>Plantronics_Headset</a:t>
+                        <a:t>What.CD</a:t>
                       </a:r>
                     </a:p>
                   </a:txBody>
@@ -16606,14 +16708,14 @@
                     <a:p>
                       <a:pPr algn="ctr" fontAlgn="b"/>
                       <a:r>
-                        <a:rPr lang="en-US" sz="2000" b="0" i="0" u="none" strike="noStrike">
+                        <a:rPr lang="en-US" sz="1800" b="0" i="0" u="none" strike="noStrike">
                           <a:solidFill>
                             <a:srgbClr val="000000"/>
                           </a:solidFill>
                           <a:effectLst/>
                           <a:latin typeface="Calibri" panose="020F0502020204030204" pitchFamily="34" charset="0"/>
                         </a:rPr>
-                        <a:t>132,244</a:t>
+                        <a:t>1,990,772</a:t>
                       </a:r>
                     </a:p>
                   </a:txBody>
@@ -16644,14 +16746,6 @@
                         </a:rPr>
                         <a:t>6</a:t>
                       </a:r>
-                      <a:endParaRPr lang="en-US" sz="2000" b="0" i="0" u="none" strike="noStrike" dirty="0">
-                        <a:solidFill>
-                          <a:srgbClr val="000000"/>
-                        </a:solidFill>
-                        <a:effectLst/>
-                        <a:latin typeface="Calibri" panose="020F0502020204030204" pitchFamily="34" charset="0"/>
-                        <a:cs typeface="Arial" panose="020B0604020202020204" pitchFamily="34" charset="0"/>
-                      </a:endParaRPr>
                     </a:p>
                   </a:txBody>
                   <a:tcPr marL="9525" marR="9525" marT="9525" marB="0" anchor="ctr">
@@ -16669,14 +16763,14 @@
                     <a:p>
                       <a:pPr algn="l" fontAlgn="b"/>
                       <a:r>
-                        <a:rPr lang="en-US" sz="2000" b="0" i="0" u="none" strike="noStrike" dirty="0">
+                        <a:rPr lang="en-US" sz="1800" b="0" i="0" u="none" strike="noStrike">
                           <a:solidFill>
                             <a:srgbClr val="000000"/>
                           </a:solidFill>
                           <a:effectLst/>
                           <a:latin typeface="Calibri" panose="020F0502020204030204" pitchFamily="34" charset="0"/>
                         </a:rPr>
-                        <a:t>American_Ninja_Warrior</a:t>
+                        <a:t>Deaths_in_2015</a:t>
                       </a:r>
                     </a:p>
                   </a:txBody>
@@ -16695,14 +16789,14 @@
                     <a:p>
                       <a:pPr algn="ctr" fontAlgn="b"/>
                       <a:r>
-                        <a:rPr lang="en-US" sz="2000" b="0" i="0" u="none" strike="noStrike" dirty="0">
+                        <a:rPr lang="en-US" sz="1800" b="0" i="0" u="none" strike="noStrike">
                           <a:solidFill>
                             <a:srgbClr val="000000"/>
                           </a:solidFill>
                           <a:effectLst/>
                           <a:latin typeface="Calibri" panose="020F0502020204030204" pitchFamily="34" charset="0"/>
                         </a:rPr>
-                        <a:t>118,910</a:t>
+                        <a:t>1,798,286</a:t>
                       </a:r>
                     </a:p>
                   </a:txBody>
@@ -16733,14 +16827,6 @@
                         </a:rPr>
                         <a:t>7</a:t>
                       </a:r>
-                      <a:endParaRPr lang="en-US" sz="2000" b="0" i="0" u="none" strike="noStrike" dirty="0">
-                        <a:solidFill>
-                          <a:srgbClr val="000000"/>
-                        </a:solidFill>
-                        <a:effectLst/>
-                        <a:latin typeface="Calibri" panose="020F0502020204030204" pitchFamily="34" charset="0"/>
-                        <a:cs typeface="Arial" panose="020B0604020202020204" pitchFamily="34" charset="0"/>
-                      </a:endParaRPr>
                     </a:p>
                   </a:txBody>
                   <a:tcPr marL="9525" marR="9525" marT="9525" marB="0" anchor="ctr">
@@ -16758,14 +16844,14 @@
                     <a:p>
                       <a:pPr algn="l" fontAlgn="b"/>
                       <a:r>
-                        <a:rPr lang="en-US" sz="2000" b="0" i="0" u="none" strike="noStrike" dirty="0">
+                        <a:rPr lang="en-US" sz="1800" b="0" i="0" u="none" strike="noStrike">
                           <a:solidFill>
                             <a:srgbClr val="000000"/>
                           </a:solidFill>
                           <a:effectLst/>
                           <a:latin typeface="Calibri" panose="020F0502020204030204" pitchFamily="34" charset="0"/>
                         </a:rPr>
-                        <a:t>Basketball</a:t>
+                        <a:t>Malware</a:t>
                       </a:r>
                     </a:p>
                   </a:txBody>
@@ -16784,14 +16870,14 @@
                     <a:p>
                       <a:pPr algn="ctr" fontAlgn="b"/>
                       <a:r>
-                        <a:rPr lang="en-US" sz="2000" b="0" i="0" u="none" strike="noStrike">
+                        <a:rPr lang="en-US" sz="1800" b="0" i="0" u="none" strike="noStrike">
                           <a:solidFill>
                             <a:srgbClr val="000000"/>
                           </a:solidFill>
                           <a:effectLst/>
                           <a:latin typeface="Calibri" panose="020F0502020204030204" pitchFamily="34" charset="0"/>
                         </a:rPr>
-                        <a:t>117,635</a:t>
+                        <a:t>1,432,732</a:t>
                       </a:r>
                     </a:p>
                   </a:txBody>
@@ -16822,14 +16908,6 @@
                         </a:rPr>
                         <a:t>8</a:t>
                       </a:r>
-                      <a:endParaRPr lang="en-US" sz="2000" b="0" i="0" u="none" strike="noStrike" dirty="0">
-                        <a:solidFill>
-                          <a:srgbClr val="000000"/>
-                        </a:solidFill>
-                        <a:effectLst/>
-                        <a:latin typeface="Calibri" panose="020F0502020204030204" pitchFamily="34" charset="0"/>
-                        <a:cs typeface="Arial" panose="020B0604020202020204" pitchFamily="34" charset="0"/>
-                      </a:endParaRPr>
                     </a:p>
                   </a:txBody>
                   <a:tcPr marL="9525" marR="9525" marT="9525" marB="0" anchor="ctr">
@@ -16847,14 +16925,14 @@
                     <a:p>
                       <a:pPr algn="l" fontAlgn="b"/>
                       <a:r>
-                        <a:rPr lang="en-US" sz="2000" b="0" i="0" u="none" strike="noStrike" dirty="0">
+                        <a:rPr lang="en-US" sz="1800" b="0" i="0" u="none" strike="noStrike">
                           <a:solidFill>
                             <a:srgbClr val="000000"/>
                           </a:solidFill>
                           <a:effectLst/>
                           <a:latin typeface="Calibri" panose="020F0502020204030204" pitchFamily="34" charset="0"/>
                         </a:rPr>
-                        <a:t>Psoralen</a:t>
+                        <a:t>Ddd</a:t>
                       </a:r>
                     </a:p>
                   </a:txBody>
@@ -16873,14 +16951,14 @@
                     <a:p>
                       <a:pPr algn="ctr" fontAlgn="b"/>
                       <a:r>
-                        <a:rPr lang="en-US" sz="2000" b="0" i="0" u="none" strike="noStrike">
+                        <a:rPr lang="en-US" sz="1800" b="0" i="0" u="none" strike="noStrike">
                           <a:solidFill>
                             <a:srgbClr val="000000"/>
                           </a:solidFill>
                           <a:effectLst/>
                           <a:latin typeface="Calibri" panose="020F0502020204030204" pitchFamily="34" charset="0"/>
                         </a:rPr>
-                        <a:t>114,629</a:t>
+                        <a:t>1,292,970</a:t>
                       </a:r>
                     </a:p>
                   </a:txBody>
@@ -16936,14 +17014,14 @@
                     <a:p>
                       <a:pPr algn="l" fontAlgn="b"/>
                       <a:r>
-                        <a:rPr lang="en-US" sz="2000" b="0" i="0" u="none" strike="noStrike" dirty="0">
+                        <a:rPr lang="en-US" sz="1800" b="0" i="0" u="none" strike="noStrike">
                           <a:solidFill>
                             <a:srgbClr val="000000"/>
                           </a:solidFill>
                           <a:effectLst/>
                           <a:latin typeface="Calibri" panose="020F0502020204030204" pitchFamily="34" charset="0"/>
                         </a:rPr>
-                        <a:t>Caitlyn_Jenner</a:t>
+                        <a:t>Donald_Trump</a:t>
                       </a:r>
                     </a:p>
                   </a:txBody>
@@ -16962,14 +17040,14 @@
                     <a:p>
                       <a:pPr algn="ctr" fontAlgn="b"/>
                       <a:r>
-                        <a:rPr lang="en-US" sz="2000" b="0" i="0" u="none" strike="noStrike" dirty="0">
+                        <a:rPr lang="en-US" sz="1800" b="0" i="0" u="none" strike="noStrike">
                           <a:solidFill>
                             <a:srgbClr val="000000"/>
                           </a:solidFill>
                           <a:effectLst/>
                           <a:latin typeface="Calibri" panose="020F0502020204030204" pitchFamily="34" charset="0"/>
                         </a:rPr>
-                        <a:t>71,624</a:t>
+                        <a:t>1,204,890</a:t>
                       </a:r>
                     </a:p>
                   </a:txBody>
@@ -17025,14 +17103,14 @@
                     <a:p>
                       <a:pPr algn="l" fontAlgn="b"/>
                       <a:r>
-                        <a:rPr lang="en-US" sz="2000" b="0" i="0" u="none" strike="noStrike" dirty="0">
+                        <a:rPr lang="en-US" sz="1800" b="0" i="0" u="none" strike="noStrike">
                           <a:solidFill>
                             <a:srgbClr val="000000"/>
                           </a:solidFill>
                           <a:effectLst/>
                           <a:latin typeface="Calibri" panose="020F0502020204030204" pitchFamily="34" charset="0"/>
                         </a:rPr>
-                        <a:t>Bruce_Jenner</a:t>
+                        <a:t>Tiananmen_Square_protests_of_1989</a:t>
                       </a:r>
                     </a:p>
                   </a:txBody>
@@ -17051,14 +17129,14 @@
                     <a:p>
                       <a:pPr algn="ctr" fontAlgn="b"/>
                       <a:r>
-                        <a:rPr lang="en-US" sz="2000" b="0" i="0" u="none" strike="noStrike" dirty="0">
+                        <a:rPr lang="en-US" sz="1800" b="0" i="0" u="none" strike="noStrike" dirty="0">
                           <a:solidFill>
                             <a:srgbClr val="000000"/>
                           </a:solidFill>
                           <a:effectLst/>
                           <a:latin typeface="Calibri" panose="020F0502020204030204" pitchFamily="34" charset="0"/>
                         </a:rPr>
-                        <a:t>63,364</a:t>
+                        <a:t>1,204,078</a:t>
                       </a:r>
                     </a:p>
                   </a:txBody>
@@ -17078,7 +17156,7 @@
     </p:spTree>
     <p:extLst>
       <p:ext uri="{BB962C8B-B14F-4D97-AF65-F5344CB8AC3E}">
-        <p14:creationId xmlns:p14="http://schemas.microsoft.com/office/powerpoint/2010/main" val="2488680254"/>
+        <p14:creationId xmlns:p14="http://schemas.microsoft.com/office/powerpoint/2010/main" val="974398465"/>
       </p:ext>
     </p:extLst>
   </p:cSld>
@@ -17139,15 +17217,11 @@
             </a:r>
             <a:r>
               <a:rPr lang="en-CA" sz="2080" b="0" dirty="0"/>
-              <a:t>web pages viewed in Wikipedia English May </a:t>
+              <a:t>web pages viewed in Wikipedia English During </a:t>
             </a:r>
             <a:r>
               <a:rPr lang="en-CA" sz="2080" b="0" dirty="0" smtClean="0"/>
-              <a:t>1(Long </a:t>
-            </a:r>
-            <a:r>
-              <a:rPr lang="en-CA" sz="2080" b="0" dirty="0"/>
-              <a:t>weekend)</a:t>
+              <a:t>September</a:t>
             </a:r>
             <a:endParaRPr lang="en-US" sz="2080" b="0" dirty="0"/>
           </a:p>
@@ -17162,14 +17236,14 @@
           <p:nvPr>
             <p:extLst>
               <p:ext uri="{D42A27DB-BD31-4B8C-83A1-F6EECF244321}">
-                <p14:modId xmlns:p14="http://schemas.microsoft.com/office/powerpoint/2010/main" val="2568027984"/>
+                <p14:modId xmlns:p14="http://schemas.microsoft.com/office/powerpoint/2010/main" val="457293864"/>
               </p:ext>
             </p:extLst>
           </p:nvPr>
         </p:nvGraphicFramePr>
         <p:xfrm>
-          <a:off x="461035" y="1423096"/>
-          <a:ext cx="7994902" cy="3552297"/>
+          <a:off x="764720" y="1423096"/>
+          <a:ext cx="7111226" cy="3552297"/>
         </p:xfrm>
         <a:graphic>
           <a:graphicData uri="http://schemas.openxmlformats.org/drawingml/2006/table">
@@ -17178,9 +17252,9 @@
                 <a:tableStyleId>{5C22544A-7EE6-4342-B048-85BDC9FD1C3A}</a:tableStyleId>
               </a:tblPr>
               <a:tblGrid>
-                <a:gridCol w="762152"/>
-                <a:gridCol w="5349629"/>
-                <a:gridCol w="1883121"/>
+                <a:gridCol w="901523"/>
+                <a:gridCol w="4426739"/>
+                <a:gridCol w="1782964"/>
               </a:tblGrid>
               <a:tr h="409047">
                 <a:tc>
@@ -17293,14 +17367,14 @@
                     <a:p>
                       <a:pPr algn="l" fontAlgn="b"/>
                       <a:r>
-                        <a:rPr lang="en-US" sz="2000" b="0" i="0" u="none" strike="noStrike">
+                        <a:rPr lang="en-US" sz="1800" b="0" i="0" u="none" strike="noStrike">
                           <a:solidFill>
                             <a:srgbClr val="000000"/>
                           </a:solidFill>
                           <a:effectLst/>
                           <a:latin typeface="Calibri" panose="020F0502020204030204" pitchFamily="34" charset="0"/>
                         </a:rPr>
-                        <a:t>Malware</a:t>
+                        <a:t>PlayStation_3</a:t>
                       </a:r>
                     </a:p>
                   </a:txBody>
@@ -17317,16 +17391,16 @@
                     <a:bodyPr/>
                     <a:lstStyle/>
                     <a:p>
-                      <a:pPr algn="ctr" rtl="0" fontAlgn="b"/>
+                      <a:pPr algn="ctr" fontAlgn="b"/>
                       <a:r>
-                        <a:rPr lang="en-US" sz="2000" b="0" i="0" u="none" strike="noStrike">
+                        <a:rPr lang="en-US" sz="1800" b="0" i="0" u="none" strike="noStrike" dirty="0">
                           <a:solidFill>
                             <a:srgbClr val="000000"/>
                           </a:solidFill>
                           <a:effectLst/>
                           <a:latin typeface="Calibri" panose="020F0502020204030204" pitchFamily="34" charset="0"/>
                         </a:rPr>
-                        <a:t>812,927</a:t>
+                        <a:t>2,114,964</a:t>
                       </a:r>
                     </a:p>
                   </a:txBody>
@@ -17374,14 +17448,14 @@
                     <a:p>
                       <a:pPr algn="l" fontAlgn="b"/>
                       <a:r>
-                        <a:rPr lang="en-US" sz="2000" b="0" i="0" u="none" strike="noStrike" dirty="0">
+                        <a:rPr lang="en-US" sz="1800" b="0" i="0" u="none" strike="noStrike">
                           <a:solidFill>
                             <a:srgbClr val="000000"/>
                           </a:solidFill>
                           <a:effectLst/>
                           <a:latin typeface="Calibri" panose="020F0502020204030204" pitchFamily="34" charset="0"/>
                         </a:rPr>
-                        <a:t>Academy_Awards</a:t>
+                        <a:t>Windex.php</a:t>
                       </a:r>
                     </a:p>
                   </a:txBody>
@@ -17398,16 +17472,16 @@
                     <a:bodyPr/>
                     <a:lstStyle/>
                     <a:p>
-                      <a:pPr algn="ctr" rtl="0" fontAlgn="b"/>
+                      <a:pPr algn="ctr" fontAlgn="b"/>
                       <a:r>
-                        <a:rPr lang="en-US" sz="2000" b="0" i="0" u="none" strike="noStrike">
+                        <a:rPr lang="en-US" sz="1800" b="0" i="0" u="none" strike="noStrike" dirty="0">
                           <a:solidFill>
                             <a:srgbClr val="000000"/>
                           </a:solidFill>
                           <a:effectLst/>
                           <a:latin typeface="Calibri" panose="020F0502020204030204" pitchFamily="34" charset="0"/>
                         </a:rPr>
-                        <a:t>597,934</a:t>
+                        <a:t>1,964,267</a:t>
                       </a:r>
                     </a:p>
                   </a:txBody>
@@ -17455,22 +17529,15 @@
                     <a:p>
                       <a:pPr algn="l" fontAlgn="b"/>
                       <a:r>
-                        <a:rPr lang="en-US" sz="2000" b="0" i="0" u="none" strike="noStrike" dirty="0" smtClean="0">
+                        <a:rPr lang="en-US" sz="1800" b="0" i="0" u="none" strike="noStrike" dirty="0">
                           <a:solidFill>
                             <a:srgbClr val="000000"/>
                           </a:solidFill>
                           <a:effectLst/>
                           <a:latin typeface="Calibri" panose="020F0502020204030204" pitchFamily="34" charset="0"/>
                         </a:rPr>
-                        <a:t>Nuclear_magnetic_resonance_spectroscopy</a:t>
+                        <a:t>Deaths_in_2015</a:t>
                       </a:r>
-                      <a:endParaRPr lang="en-US" sz="2000" b="0" i="0" u="none" strike="noStrike" dirty="0">
-                        <a:solidFill>
-                          <a:srgbClr val="000000"/>
-                        </a:solidFill>
-                        <a:effectLst/>
-                        <a:latin typeface="Calibri" panose="020F0502020204030204" pitchFamily="34" charset="0"/>
-                      </a:endParaRPr>
                     </a:p>
                   </a:txBody>
                   <a:tcPr marL="9525" marR="9525" marT="9525" marB="0" anchor="b">
@@ -17486,16 +17553,16 @@
                     <a:bodyPr/>
                     <a:lstStyle/>
                     <a:p>
-                      <a:pPr algn="ctr" rtl="0" fontAlgn="b"/>
+                      <a:pPr algn="ctr" fontAlgn="b"/>
                       <a:r>
-                        <a:rPr lang="en-US" sz="2000" b="0" i="0" u="none" strike="noStrike">
+                        <a:rPr lang="en-US" sz="1800" b="0" i="0" u="none" strike="noStrike" dirty="0">
                           <a:solidFill>
                             <a:srgbClr val="000000"/>
                           </a:solidFill>
                           <a:effectLst/>
                           <a:latin typeface="Calibri" panose="020F0502020204030204" pitchFamily="34" charset="0"/>
                         </a:rPr>
-                        <a:t>313,729</a:t>
+                        <a:t>1,763,752</a:t>
                       </a:r>
                     </a:p>
                   </a:txBody>
@@ -17526,14 +17593,6 @@
                         </a:rPr>
                         <a:t>4</a:t>
                       </a:r>
-                      <a:endParaRPr lang="en-US" sz="2000" b="0" i="0" u="none" strike="noStrike" dirty="0">
-                        <a:solidFill>
-                          <a:srgbClr val="000000"/>
-                        </a:solidFill>
-                        <a:effectLst/>
-                        <a:latin typeface="Calibri" panose="020F0502020204030204" pitchFamily="34" charset="0"/>
-                        <a:cs typeface="Arial" panose="020B0604020202020204" pitchFamily="34" charset="0"/>
-                      </a:endParaRPr>
                     </a:p>
                   </a:txBody>
                   <a:tcPr marL="9525" marR="9525" marT="9525" marB="0" anchor="ctr">
@@ -17551,14 +17610,14 @@
                     <a:p>
                       <a:pPr algn="l" fontAlgn="b"/>
                       <a:r>
-                        <a:rPr lang="en-US" sz="2000" b="0" i="0" u="none" strike="noStrike" dirty="0">
+                        <a:rPr lang="en-US" sz="1800" b="0" i="0" u="none" strike="noStrike">
                           <a:solidFill>
                             <a:srgbClr val="000000"/>
                           </a:solidFill>
                           <a:effectLst/>
                           <a:latin typeface="Calibri" panose="020F0502020204030204" pitchFamily="34" charset="0"/>
                         </a:rPr>
-                        <a:t>Avengers_(comics)</a:t>
+                        <a:t>Pablo_Escobar</a:t>
                       </a:r>
                     </a:p>
                   </a:txBody>
@@ -17575,16 +17634,16 @@
                     <a:bodyPr/>
                     <a:lstStyle/>
                     <a:p>
-                      <a:pPr algn="ctr" rtl="0" fontAlgn="b"/>
+                      <a:pPr algn="ctr" fontAlgn="b"/>
                       <a:r>
-                        <a:rPr lang="en-US" sz="2000" b="0" i="0" u="none" strike="noStrike">
+                        <a:rPr lang="en-US" sz="1800" b="0" i="0" u="none" strike="noStrike" dirty="0">
                           <a:solidFill>
                             <a:srgbClr val="000000"/>
                           </a:solidFill>
                           <a:effectLst/>
                           <a:latin typeface="Calibri" panose="020F0502020204030204" pitchFamily="34" charset="0"/>
                         </a:rPr>
-                        <a:t>247,555</a:t>
+                        <a:t>1,414,870</a:t>
                       </a:r>
                     </a:p>
                   </a:txBody>
@@ -17615,14 +17674,6 @@
                         </a:rPr>
                         <a:t>5</a:t>
                       </a:r>
-                      <a:endParaRPr lang="en-US" sz="2000" b="0" i="0" u="none" strike="noStrike" dirty="0">
-                        <a:solidFill>
-                          <a:srgbClr val="000000"/>
-                        </a:solidFill>
-                        <a:effectLst/>
-                        <a:latin typeface="Calibri" panose="020F0502020204030204" pitchFamily="34" charset="0"/>
-                        <a:cs typeface="Arial" panose="020B0604020202020204" pitchFamily="34" charset="0"/>
-                      </a:endParaRPr>
                     </a:p>
                   </a:txBody>
                   <a:tcPr marL="9525" marR="9525" marT="9525" marB="0" anchor="ctr">
@@ -17640,14 +17691,14 @@
                     <a:p>
                       <a:pPr algn="l" fontAlgn="b"/>
                       <a:r>
-                        <a:rPr lang="en-US" sz="2000" b="0" i="0" u="none" strike="noStrike" dirty="0">
+                        <a:rPr lang="en-US" sz="1800" b="0" i="0" u="none" strike="noStrike">
                           <a:solidFill>
                             <a:srgbClr val="000000"/>
                           </a:solidFill>
                           <a:effectLst/>
                           <a:latin typeface="Calibri" panose="020F0502020204030204" pitchFamily="34" charset="0"/>
                         </a:rPr>
-                        <a:t>Floyd_Mayweather,_Jr._vs._Manny_Pacquiao</a:t>
+                        <a:t>Ddd</a:t>
                       </a:r>
                     </a:p>
                   </a:txBody>
@@ -17664,16 +17715,16 @@
                     <a:bodyPr/>
                     <a:lstStyle/>
                     <a:p>
-                      <a:pPr algn="ctr" rtl="0" fontAlgn="b"/>
+                      <a:pPr algn="ctr" fontAlgn="b"/>
                       <a:r>
-                        <a:rPr lang="en-US" sz="2000" b="0" i="0" u="none" strike="noStrike">
+                        <a:rPr lang="en-US" sz="1800" b="0" i="0" u="none" strike="noStrike" dirty="0">
                           <a:solidFill>
                             <a:srgbClr val="000000"/>
                           </a:solidFill>
                           <a:effectLst/>
                           <a:latin typeface="Calibri" panose="020F0502020204030204" pitchFamily="34" charset="0"/>
                         </a:rPr>
-                        <a:t>235,536</a:t>
+                        <a:t>1,278,942</a:t>
                       </a:r>
                     </a:p>
                   </a:txBody>
@@ -17704,14 +17755,6 @@
                         </a:rPr>
                         <a:t>6</a:t>
                       </a:r>
-                      <a:endParaRPr lang="en-US" sz="2000" b="0" i="0" u="none" strike="noStrike" dirty="0">
-                        <a:solidFill>
-                          <a:srgbClr val="000000"/>
-                        </a:solidFill>
-                        <a:effectLst/>
-                        <a:latin typeface="Calibri" panose="020F0502020204030204" pitchFamily="34" charset="0"/>
-                        <a:cs typeface="Arial" panose="020B0604020202020204" pitchFamily="34" charset="0"/>
-                      </a:endParaRPr>
                     </a:p>
                   </a:txBody>
                   <a:tcPr marL="9525" marR="9525" marT="9525" marB="0" anchor="ctr">
@@ -17729,14 +17772,14 @@
                     <a:p>
                       <a:pPr algn="l" fontAlgn="b"/>
                       <a:r>
-                        <a:rPr lang="en-US" sz="2000" b="0" i="0" u="none" strike="noStrike" dirty="0">
+                        <a:rPr lang="en-US" sz="1800" b="0" i="0" u="none" strike="noStrike">
                           <a:solidFill>
                             <a:srgbClr val="000000"/>
                           </a:solidFill>
                           <a:effectLst/>
                           <a:latin typeface="Calibri" panose="020F0502020204030204" pitchFamily="34" charset="0"/>
                         </a:rPr>
-                        <a:t>Manny_Pacquiao</a:t>
+                        <a:t>Hillary_Clinton_presidential_campaign_2016</a:t>
                       </a:r>
                     </a:p>
                   </a:txBody>
@@ -17753,16 +17796,16 @@
                     <a:bodyPr/>
                     <a:lstStyle/>
                     <a:p>
-                      <a:pPr algn="ctr" rtl="0" fontAlgn="b"/>
+                      <a:pPr algn="ctr" fontAlgn="b"/>
                       <a:r>
-                        <a:rPr lang="en-US" sz="2000" b="0" i="0" u="none" strike="noStrike">
+                        <a:rPr lang="en-US" sz="1800" b="0" i="0" u="none" strike="noStrike" dirty="0">
                           <a:solidFill>
                             <a:srgbClr val="000000"/>
                           </a:solidFill>
                           <a:effectLst/>
                           <a:latin typeface="Calibri" panose="020F0502020204030204" pitchFamily="34" charset="0"/>
                         </a:rPr>
-                        <a:t>209,696</a:t>
+                        <a:t>1,258,099</a:t>
                       </a:r>
                     </a:p>
                   </a:txBody>
@@ -17793,14 +17836,6 @@
                         </a:rPr>
                         <a:t>7</a:t>
                       </a:r>
-                      <a:endParaRPr lang="en-US" sz="2000" b="0" i="0" u="none" strike="noStrike" dirty="0">
-                        <a:solidFill>
-                          <a:srgbClr val="000000"/>
-                        </a:solidFill>
-                        <a:effectLst/>
-                        <a:latin typeface="Calibri" panose="020F0502020204030204" pitchFamily="34" charset="0"/>
-                        <a:cs typeface="Arial" panose="020B0604020202020204" pitchFamily="34" charset="0"/>
-                      </a:endParaRPr>
                     </a:p>
                   </a:txBody>
                   <a:tcPr marL="9525" marR="9525" marT="9525" marB="0" anchor="ctr">
@@ -17818,14 +17853,14 @@
                     <a:p>
                       <a:pPr algn="l" fontAlgn="b"/>
                       <a:r>
-                        <a:rPr lang="en-US" sz="2000" b="0" i="0" u="none" strike="noStrike" dirty="0">
+                        <a:rPr lang="en-US" sz="1800" b="0" i="0" u="none" strike="noStrike">
                           <a:solidFill>
                             <a:srgbClr val="000000"/>
                           </a:solidFill>
                           <a:effectLst/>
                           <a:latin typeface="Calibri" panose="020F0502020204030204" pitchFamily="34" charset="0"/>
                         </a:rPr>
-                        <a:t>Flash_Boys</a:t>
+                        <a:t>An_Inspector_Calls</a:t>
                       </a:r>
                     </a:p>
                   </a:txBody>
@@ -17842,16 +17877,16 @@
                     <a:bodyPr/>
                     <a:lstStyle/>
                     <a:p>
-                      <a:pPr algn="ctr" rtl="0" fontAlgn="b"/>
+                      <a:pPr algn="ctr" fontAlgn="b"/>
                       <a:r>
-                        <a:rPr lang="en-US" sz="2000" b="0" i="0" u="none" strike="noStrike">
+                        <a:rPr lang="en-US" sz="1800" b="0" i="0" u="none" strike="noStrike" dirty="0">
                           <a:solidFill>
                             <a:srgbClr val="000000"/>
                           </a:solidFill>
                           <a:effectLst/>
                           <a:latin typeface="Calibri" panose="020F0502020204030204" pitchFamily="34" charset="0"/>
                         </a:rPr>
-                        <a:t>200,547</a:t>
+                        <a:t>1,173,259</a:t>
                       </a:r>
                     </a:p>
                   </a:txBody>
@@ -17882,14 +17917,6 @@
                         </a:rPr>
                         <a:t>8</a:t>
                       </a:r>
-                      <a:endParaRPr lang="en-US" sz="2000" b="0" i="0" u="none" strike="noStrike" dirty="0">
-                        <a:solidFill>
-                          <a:srgbClr val="000000"/>
-                        </a:solidFill>
-                        <a:effectLst/>
-                        <a:latin typeface="Calibri" panose="020F0502020204030204" pitchFamily="34" charset="0"/>
-                        <a:cs typeface="Arial" panose="020B0604020202020204" pitchFamily="34" charset="0"/>
-                      </a:endParaRPr>
                     </a:p>
                   </a:txBody>
                   <a:tcPr marL="9525" marR="9525" marT="9525" marB="0" anchor="ctr">
@@ -17907,14 +17934,14 @@
                     <a:p>
                       <a:pPr algn="l" fontAlgn="b"/>
                       <a:r>
-                        <a:rPr lang="en-US" sz="2000" b="0" i="0" u="none" strike="noStrike" dirty="0">
+                        <a:rPr lang="en-US" sz="1800" b="0" i="0" u="none" strike="noStrike">
                           <a:solidFill>
                             <a:srgbClr val="000000"/>
                           </a:solidFill>
                           <a:effectLst/>
                           <a:latin typeface="Calibri" panose="020F0502020204030204" pitchFamily="34" charset="0"/>
                         </a:rPr>
-                        <a:t>Floyd_Mayweather,_Jr.</a:t>
+                        <a:t>Google</a:t>
                       </a:r>
                     </a:p>
                   </a:txBody>
@@ -17931,16 +17958,16 @@
                     <a:bodyPr/>
                     <a:lstStyle/>
                     <a:p>
-                      <a:pPr algn="ctr" rtl="0" fontAlgn="b"/>
+                      <a:pPr algn="ctr" fontAlgn="b"/>
                       <a:r>
-                        <a:rPr lang="en-US" sz="2000" b="0" i="0" u="none" strike="noStrike">
+                        <a:rPr lang="en-US" sz="1800" b="0" i="0" u="none" strike="noStrike" dirty="0">
                           <a:solidFill>
                             <a:srgbClr val="000000"/>
                           </a:solidFill>
                           <a:effectLst/>
                           <a:latin typeface="Calibri" panose="020F0502020204030204" pitchFamily="34" charset="0"/>
                         </a:rPr>
-                        <a:t>197,249</a:t>
+                        <a:t>895,930</a:t>
                       </a:r>
                     </a:p>
                   </a:txBody>
@@ -17996,14 +18023,14 @@
                     <a:p>
                       <a:pPr algn="l" fontAlgn="b"/>
                       <a:r>
-                        <a:rPr lang="en-US" sz="2000" b="0" i="0" u="none" strike="noStrike" dirty="0">
+                        <a:rPr lang="en-US" sz="1800" b="0" i="0" u="none" strike="noStrike">
                           <a:solidFill>
                             <a:srgbClr val="000000"/>
                           </a:solidFill>
                           <a:effectLst/>
                           <a:latin typeface="Calibri" panose="020F0502020204030204" pitchFamily="34" charset="0"/>
                         </a:rPr>
-                        <a:t>Avengers:_Age_of_Ultron</a:t>
+                        <a:t>List_of_Bollywood_films_of_2015</a:t>
                       </a:r>
                     </a:p>
                   </a:txBody>
@@ -18020,16 +18047,16 @@
                     <a:bodyPr/>
                     <a:lstStyle/>
                     <a:p>
-                      <a:pPr algn="ctr" rtl="0" fontAlgn="b"/>
+                      <a:pPr algn="ctr" fontAlgn="b"/>
                       <a:r>
-                        <a:rPr lang="en-US" sz="2000" b="0" i="0" u="none" strike="noStrike">
+                        <a:rPr lang="en-US" sz="1800" b="0" i="0" u="none" strike="noStrike" dirty="0">
                           <a:solidFill>
                             <a:srgbClr val="000000"/>
                           </a:solidFill>
                           <a:effectLst/>
                           <a:latin typeface="Calibri" panose="020F0502020204030204" pitchFamily="34" charset="0"/>
                         </a:rPr>
-                        <a:t>183,147</a:t>
+                        <a:t>889,154</a:t>
                       </a:r>
                     </a:p>
                   </a:txBody>
@@ -18085,14 +18112,14 @@
                     <a:p>
                       <a:pPr algn="l" fontAlgn="b"/>
                       <a:r>
-                        <a:rPr lang="en-US" sz="2000" b="0" i="0" u="none" strike="noStrike" dirty="0">
+                        <a:rPr lang="en-US" sz="1800" b="0" i="0" u="none" strike="noStrike">
                           <a:solidFill>
                             <a:srgbClr val="000000"/>
                           </a:solidFill>
                           <a:effectLst/>
                           <a:latin typeface="Calibri" panose="020F0502020204030204" pitchFamily="34" charset="0"/>
                         </a:rPr>
-                        <a:t>May_Day</a:t>
+                        <a:t>Fear_the_Walking_Dead</a:t>
                       </a:r>
                     </a:p>
                   </a:txBody>
@@ -18109,16 +18136,16 @@
                     <a:bodyPr/>
                     <a:lstStyle/>
                     <a:p>
-                      <a:pPr algn="ctr" rtl="0" fontAlgn="b"/>
+                      <a:pPr algn="ctr" fontAlgn="b"/>
                       <a:r>
-                        <a:rPr lang="en-US" sz="2000" b="0" i="0" u="none" strike="noStrike" dirty="0">
+                        <a:rPr lang="en-US" sz="1800" b="0" i="0" u="none" strike="noStrike" dirty="0">
                           <a:solidFill>
                             <a:srgbClr val="000000"/>
                           </a:solidFill>
                           <a:effectLst/>
                           <a:latin typeface="Calibri" panose="020F0502020204030204" pitchFamily="34" charset="0"/>
                         </a:rPr>
-                        <a:t>166,512</a:t>
+                        <a:t>887,734</a:t>
                       </a:r>
                     </a:p>
                   </a:txBody>
@@ -18138,7 +18165,7 @@
     </p:spTree>
     <p:extLst>
       <p:ext uri="{BB962C8B-B14F-4D97-AF65-F5344CB8AC3E}">
-        <p14:creationId xmlns:p14="http://schemas.microsoft.com/office/powerpoint/2010/main" val="3705719051"/>
+        <p14:creationId xmlns:p14="http://schemas.microsoft.com/office/powerpoint/2010/main" val="1282950030"/>
       </p:ext>
     </p:extLst>
   </p:cSld>
@@ -18190,1012 +18217,41 @@
           <a:lstStyle/>
           <a:p>
             <a:r>
-              <a:rPr lang="en-CA" sz="2080" b="0" dirty="0"/>
-              <a:t>Top </a:t>
-            </a:r>
-            <a:r>
               <a:rPr lang="en-CA" sz="2080" b="0" dirty="0" smtClean="0"/>
-              <a:t>10 </a:t>
-            </a:r>
-            <a:r>
-              <a:rPr lang="en-CA" sz="2080" b="0" dirty="0"/>
-              <a:t>web pages viewed in Wikipedia English on May 5</a:t>
-            </a:r>
-            <a:r>
-              <a:rPr lang="en-CA" sz="2080" b="0" baseline="30000" dirty="0"/>
-              <a:t>th</a:t>
-            </a:r>
-            <a:r>
-              <a:rPr lang="en-CA" sz="2080" b="0" dirty="0"/>
-              <a:t> </a:t>
-            </a:r>
-            <a:r>
-              <a:rPr lang="en-CA" sz="2080" b="0" dirty="0" smtClean="0"/>
-              <a:t>(Wed)</a:t>
+              <a:t>Wikipedia</a:t>
             </a:r>
             <a:endParaRPr lang="en-US" sz="2080" b="0" dirty="0"/>
           </a:p>
         </p:txBody>
       </p:sp>
-      <p:graphicFrame>
-        <p:nvGraphicFramePr>
-          <p:cNvPr id="5" name="Table 4"/>
-          <p:cNvGraphicFramePr>
-            <a:graphicFrameLocks noGrp="1"/>
-          </p:cNvGraphicFramePr>
-          <p:nvPr>
-            <p:extLst>
-              <p:ext uri="{D42A27DB-BD31-4B8C-83A1-F6EECF244321}">
-                <p14:modId xmlns:p14="http://schemas.microsoft.com/office/powerpoint/2010/main" val="3779922752"/>
-              </p:ext>
-            </p:extLst>
-          </p:nvPr>
-        </p:nvGraphicFramePr>
-        <p:xfrm>
-          <a:off x="764720" y="1423096"/>
-          <a:ext cx="7111226" cy="3552297"/>
-        </p:xfrm>
-        <a:graphic>
-          <a:graphicData uri="http://schemas.openxmlformats.org/drawingml/2006/table">
-            <a:tbl>
-              <a:tblPr firstRow="1" bandRow="1">
-                <a:tableStyleId>{5C22544A-7EE6-4342-B048-85BDC9FD1C3A}</a:tableStyleId>
-              </a:tblPr>
-              <a:tblGrid>
-                <a:gridCol w="901523"/>
-                <a:gridCol w="3839294"/>
-                <a:gridCol w="2370409"/>
-              </a:tblGrid>
-              <a:tr h="409047">
-                <a:tc>
-                  <a:txBody>
-                    <a:bodyPr/>
-                    <a:lstStyle/>
-                    <a:p>
-                      <a:pPr algn="ctr" fontAlgn="b"/>
-                      <a:r>
-                        <a:rPr lang="en-US" sz="2000" b="1" i="0" u="none" strike="noStrike" dirty="0">
-                          <a:solidFill>
-                            <a:schemeClr val="bg1"/>
-                          </a:solidFill>
-                          <a:effectLst/>
-                          <a:latin typeface="Calibri" panose="020F0502020204030204" pitchFamily="34" charset="0"/>
-                        </a:rPr>
-                        <a:t>Rank</a:t>
-                      </a:r>
-                    </a:p>
-                  </a:txBody>
-                  <a:tcPr marL="9525" marR="9525" marT="9525" marB="0" anchor="ctr"/>
-                </a:tc>
-                <a:tc>
-                  <a:txBody>
-                    <a:bodyPr/>
-                    <a:lstStyle/>
-                    <a:p>
-                      <a:pPr algn="ctr" fontAlgn="b"/>
-                      <a:r>
-                        <a:rPr lang="en-US" sz="2000" b="1" i="0" u="none" strike="noStrike" dirty="0" smtClean="0">
-                          <a:solidFill>
-                            <a:schemeClr val="bg1"/>
-                          </a:solidFill>
-                          <a:effectLst/>
-                          <a:latin typeface="Calibri" panose="020F0502020204030204" pitchFamily="34" charset="0"/>
-                        </a:rPr>
-                        <a:t>Page</a:t>
-                      </a:r>
-                      <a:endParaRPr lang="en-US" sz="2000" b="1" i="0" u="none" strike="noStrike" dirty="0">
-                        <a:solidFill>
-                          <a:schemeClr val="bg1"/>
-                        </a:solidFill>
-                        <a:effectLst/>
-                        <a:latin typeface="Calibri" panose="020F0502020204030204" pitchFamily="34" charset="0"/>
-                      </a:endParaRPr>
-                    </a:p>
-                  </a:txBody>
-                  <a:tcPr marL="9525" marR="9525" marT="9525" marB="0" anchor="ctr"/>
-                </a:tc>
-                <a:tc>
-                  <a:txBody>
-                    <a:bodyPr/>
-                    <a:lstStyle/>
-                    <a:p>
-                      <a:pPr algn="ctr" fontAlgn="b"/>
-                      <a:r>
-                        <a:rPr lang="en-US" sz="2000" b="1" i="0" u="none" strike="noStrike" dirty="0" smtClean="0">
-                          <a:solidFill>
-                            <a:schemeClr val="bg1"/>
-                          </a:solidFill>
-                          <a:effectLst/>
-                          <a:latin typeface="Calibri" panose="020F0502020204030204" pitchFamily="34" charset="0"/>
-                        </a:rPr>
-                        <a:t>Requests</a:t>
-                      </a:r>
-                      <a:endParaRPr lang="en-US" sz="2000" b="1" i="0" u="none" strike="noStrike" dirty="0">
-                        <a:solidFill>
-                          <a:schemeClr val="bg1"/>
-                        </a:solidFill>
-                        <a:effectLst/>
-                        <a:latin typeface="Calibri" panose="020F0502020204030204" pitchFamily="34" charset="0"/>
-                      </a:endParaRPr>
-                    </a:p>
-                  </a:txBody>
-                  <a:tcPr marL="9525" marR="9525" marT="9525" marB="0" anchor="ctr"/>
-                </a:tc>
-              </a:tr>
-              <a:tr h="301753">
-                <a:tc>
-                  <a:txBody>
-                    <a:bodyPr/>
-                    <a:lstStyle/>
-                    <a:p>
-                      <a:pPr algn="ctr" fontAlgn="ctr"/>
-                      <a:r>
-                        <a:rPr lang="en-US" sz="2000" b="0" i="0" u="none" strike="noStrike" dirty="0">
-                          <a:solidFill>
-                            <a:srgbClr val="000000"/>
-                          </a:solidFill>
-                          <a:effectLst/>
-                          <a:latin typeface="Calibri" panose="020F0502020204030204" pitchFamily="34" charset="0"/>
-                          <a:cs typeface="Arial" panose="020B0604020202020204" pitchFamily="34" charset="0"/>
-                        </a:rPr>
-                        <a:t>1</a:t>
-                      </a:r>
-                    </a:p>
-                  </a:txBody>
-                  <a:tcPr marL="9525" marR="9525" marT="9525" marB="0" anchor="ctr">
-                    <a:solidFill>
-                      <a:schemeClr val="bg1">
-                        <a:lumMod val="95000"/>
-                      </a:schemeClr>
-                    </a:solidFill>
-                  </a:tcPr>
-                </a:tc>
-                <a:tc>
-                  <a:txBody>
-                    <a:bodyPr/>
-                    <a:lstStyle/>
-                    <a:p>
-                      <a:pPr algn="l" fontAlgn="b"/>
-                      <a:r>
-                        <a:rPr lang="en-US" sz="2000" b="0" i="0" u="none" strike="noStrike" dirty="0">
-                          <a:solidFill>
-                            <a:srgbClr val="000000"/>
-                          </a:solidFill>
-                          <a:effectLst/>
-                          <a:latin typeface="Calibri" panose="020F0502020204030204" pitchFamily="34" charset="0"/>
-                        </a:rPr>
-                        <a:t>Nellie_Bly</a:t>
-                      </a:r>
-                    </a:p>
-                  </a:txBody>
-                  <a:tcPr marL="9525" marR="9525" marT="9525" marB="0" anchor="b">
-                    <a:solidFill>
-                      <a:schemeClr val="bg1">
-                        <a:lumMod val="95000"/>
-                      </a:schemeClr>
-                    </a:solidFill>
-                  </a:tcPr>
-                </a:tc>
-                <a:tc>
-                  <a:txBody>
-                    <a:bodyPr/>
-                    <a:lstStyle/>
-                    <a:p>
-                      <a:pPr algn="ctr" rtl="0" fontAlgn="b"/>
-                      <a:r>
-                        <a:rPr lang="en-US" sz="2000" b="0" i="0" u="none" strike="noStrike">
-                          <a:solidFill>
-                            <a:srgbClr val="000000"/>
-                          </a:solidFill>
-                          <a:effectLst/>
-                          <a:latin typeface="Arial" panose="020B0604020202020204" pitchFamily="34" charset="0"/>
-                        </a:rPr>
-                        <a:t>1,534,510</a:t>
-                      </a:r>
-                    </a:p>
-                  </a:txBody>
-                  <a:tcPr marL="9525" marR="9525" marT="9525" marB="0" anchor="b">
-                    <a:solidFill>
-                      <a:schemeClr val="bg1">
-                        <a:lumMod val="95000"/>
-                      </a:schemeClr>
-                    </a:solidFill>
-                  </a:tcPr>
-                </a:tc>
-              </a:tr>
-              <a:tr h="301753">
-                <a:tc>
-                  <a:txBody>
-                    <a:bodyPr/>
-                    <a:lstStyle/>
-                    <a:p>
-                      <a:pPr algn="ctr" fontAlgn="ctr"/>
-                      <a:r>
-                        <a:rPr lang="en-US" sz="2000" b="0" i="0" u="none" strike="noStrike" dirty="0">
-                          <a:solidFill>
-                            <a:srgbClr val="000000"/>
-                          </a:solidFill>
-                          <a:effectLst/>
-                          <a:latin typeface="Calibri" panose="020F0502020204030204" pitchFamily="34" charset="0"/>
-                          <a:cs typeface="Arial" panose="020B0604020202020204" pitchFamily="34" charset="0"/>
-                        </a:rPr>
-                        <a:t>2</a:t>
-                      </a:r>
-                    </a:p>
-                  </a:txBody>
-                  <a:tcPr marL="9525" marR="9525" marT="9525" marB="0" anchor="ctr">
-                    <a:solidFill>
-                      <a:schemeClr val="bg1">
-                        <a:lumMod val="95000"/>
-                      </a:schemeClr>
-                    </a:solidFill>
-                  </a:tcPr>
-                </a:tc>
-                <a:tc>
-                  <a:txBody>
-                    <a:bodyPr/>
-                    <a:lstStyle/>
-                    <a:p>
-                      <a:pPr algn="l" fontAlgn="b"/>
-                      <a:r>
-                        <a:rPr lang="en-US" sz="2000" b="0" i="0" u="none" strike="noStrike">
-                          <a:solidFill>
-                            <a:srgbClr val="000000"/>
-                          </a:solidFill>
-                          <a:effectLst/>
-                          <a:latin typeface="Calibri" panose="020F0502020204030204" pitchFamily="34" charset="0"/>
-                        </a:rPr>
-                        <a:t>Malware</a:t>
-                      </a:r>
-                    </a:p>
-                  </a:txBody>
-                  <a:tcPr marL="9525" marR="9525" marT="9525" marB="0" anchor="b">
-                    <a:solidFill>
-                      <a:schemeClr val="bg1">
-                        <a:lumMod val="95000"/>
-                      </a:schemeClr>
-                    </a:solidFill>
-                  </a:tcPr>
-                </a:tc>
-                <a:tc>
-                  <a:txBody>
-                    <a:bodyPr/>
-                    <a:lstStyle/>
-                    <a:p>
-                      <a:pPr algn="ctr" rtl="0" fontAlgn="b"/>
-                      <a:r>
-                        <a:rPr lang="en-US" sz="2000" b="0" i="0" u="none" strike="noStrike">
-                          <a:solidFill>
-                            <a:srgbClr val="000000"/>
-                          </a:solidFill>
-                          <a:effectLst/>
-                          <a:latin typeface="Arial" panose="020B0604020202020204" pitchFamily="34" charset="0"/>
-                        </a:rPr>
-                        <a:t>936,866</a:t>
-                      </a:r>
-                    </a:p>
-                  </a:txBody>
-                  <a:tcPr marL="9525" marR="9525" marT="9525" marB="0" anchor="b">
-                    <a:solidFill>
-                      <a:schemeClr val="bg1">
-                        <a:lumMod val="95000"/>
-                      </a:schemeClr>
-                    </a:solidFill>
-                  </a:tcPr>
-                </a:tc>
-              </a:tr>
-              <a:tr h="301753">
-                <a:tc>
-                  <a:txBody>
-                    <a:bodyPr/>
-                    <a:lstStyle/>
-                    <a:p>
-                      <a:pPr algn="ctr" fontAlgn="ctr"/>
-                      <a:r>
-                        <a:rPr lang="en-US" sz="2000" b="0" i="0" u="none" strike="noStrike" dirty="0">
-                          <a:solidFill>
-                            <a:srgbClr val="000000"/>
-                          </a:solidFill>
-                          <a:effectLst/>
-                          <a:latin typeface="Calibri" panose="020F0502020204030204" pitchFamily="34" charset="0"/>
-                          <a:cs typeface="Arial" panose="020B0604020202020204" pitchFamily="34" charset="0"/>
-                        </a:rPr>
-                        <a:t>3</a:t>
-                      </a:r>
-                    </a:p>
-                  </a:txBody>
-                  <a:tcPr marL="9525" marR="9525" marT="9525" marB="0" anchor="ctr">
-                    <a:solidFill>
-                      <a:schemeClr val="bg1">
-                        <a:lumMod val="95000"/>
-                      </a:schemeClr>
-                    </a:solidFill>
-                  </a:tcPr>
-                </a:tc>
-                <a:tc>
-                  <a:txBody>
-                    <a:bodyPr/>
-                    <a:lstStyle/>
-                    <a:p>
-                      <a:pPr algn="l" fontAlgn="b"/>
-                      <a:r>
-                        <a:rPr lang="en-US" sz="2000" b="0" i="0" u="none" strike="noStrike" dirty="0">
-                          <a:solidFill>
-                            <a:srgbClr val="000000"/>
-                          </a:solidFill>
-                          <a:effectLst/>
-                          <a:latin typeface="Calibri" panose="020F0502020204030204" pitchFamily="34" charset="0"/>
-                        </a:rPr>
-                        <a:t>Cinco_de_Mayo</a:t>
-                      </a:r>
-                    </a:p>
-                  </a:txBody>
-                  <a:tcPr marL="9525" marR="9525" marT="9525" marB="0" anchor="b">
-                    <a:solidFill>
-                      <a:schemeClr val="bg1">
-                        <a:lumMod val="95000"/>
-                      </a:schemeClr>
-                    </a:solidFill>
-                  </a:tcPr>
-                </a:tc>
-                <a:tc>
-                  <a:txBody>
-                    <a:bodyPr/>
-                    <a:lstStyle/>
-                    <a:p>
-                      <a:pPr algn="ctr" rtl="0" fontAlgn="b"/>
-                      <a:r>
-                        <a:rPr lang="en-US" sz="2000" b="0" i="0" u="none" strike="noStrike">
-                          <a:solidFill>
-                            <a:srgbClr val="000000"/>
-                          </a:solidFill>
-                          <a:effectLst/>
-                          <a:latin typeface="Arial" panose="020B0604020202020204" pitchFamily="34" charset="0"/>
-                        </a:rPr>
-                        <a:t>532,897</a:t>
-                      </a:r>
-                    </a:p>
-                  </a:txBody>
-                  <a:tcPr marL="9525" marR="9525" marT="9525" marB="0" anchor="b">
-                    <a:solidFill>
-                      <a:schemeClr val="bg1">
-                        <a:lumMod val="95000"/>
-                      </a:schemeClr>
-                    </a:solidFill>
-                  </a:tcPr>
-                </a:tc>
-              </a:tr>
-              <a:tr h="301753">
-                <a:tc>
-                  <a:txBody>
-                    <a:bodyPr/>
-                    <a:lstStyle/>
-                    <a:p>
-                      <a:pPr algn="ctr" fontAlgn="ctr"/>
-                      <a:r>
-                        <a:rPr lang="en-US" sz="2000" b="0" i="0" u="none" strike="noStrike" dirty="0">
-                          <a:solidFill>
-                            <a:srgbClr val="000000"/>
-                          </a:solidFill>
-                          <a:effectLst/>
-                          <a:latin typeface="Calibri" panose="020F0502020204030204" pitchFamily="34" charset="0"/>
-                          <a:cs typeface="Arial" panose="020B0604020202020204" pitchFamily="34" charset="0"/>
-                        </a:rPr>
-                        <a:t>4</a:t>
-                      </a:r>
-                      <a:endParaRPr lang="en-US" sz="2000" b="0" i="0" u="none" strike="noStrike" dirty="0">
-                        <a:solidFill>
-                          <a:srgbClr val="000000"/>
-                        </a:solidFill>
-                        <a:effectLst/>
-                        <a:latin typeface="Calibri" panose="020F0502020204030204" pitchFamily="34" charset="0"/>
-                        <a:cs typeface="Arial" panose="020B0604020202020204" pitchFamily="34" charset="0"/>
-                      </a:endParaRPr>
-                    </a:p>
-                  </a:txBody>
-                  <a:tcPr marL="9525" marR="9525" marT="9525" marB="0" anchor="ctr">
-                    <a:solidFill>
-                      <a:schemeClr val="bg1">
-                        <a:lumMod val="95000"/>
-                      </a:schemeClr>
-                    </a:solidFill>
-                  </a:tcPr>
-                </a:tc>
-                <a:tc>
-                  <a:txBody>
-                    <a:bodyPr/>
-                    <a:lstStyle/>
-                    <a:p>
-                      <a:pPr algn="l" fontAlgn="b"/>
-                      <a:r>
-                        <a:rPr lang="en-US" sz="2000" b="0" i="0" u="none" strike="noStrike" dirty="0">
-                          <a:solidFill>
-                            <a:srgbClr val="000000"/>
-                          </a:solidFill>
-                          <a:effectLst/>
-                          <a:latin typeface="Calibri" panose="020F0502020204030204" pitchFamily="34" charset="0"/>
-                        </a:rPr>
-                        <a:t>Academy_Awards</a:t>
-                      </a:r>
-                    </a:p>
-                  </a:txBody>
-                  <a:tcPr marL="9525" marR="9525" marT="9525" marB="0" anchor="b">
-                    <a:solidFill>
-                      <a:schemeClr val="bg1">
-                        <a:lumMod val="95000"/>
-                      </a:schemeClr>
-                    </a:solidFill>
-                  </a:tcPr>
-                </a:tc>
-                <a:tc>
-                  <a:txBody>
-                    <a:bodyPr/>
-                    <a:lstStyle/>
-                    <a:p>
-                      <a:pPr algn="ctr" rtl="0" fontAlgn="b"/>
-                      <a:r>
-                        <a:rPr lang="en-US" sz="2000" b="0" i="0" u="none" strike="noStrike">
-                          <a:solidFill>
-                            <a:srgbClr val="000000"/>
-                          </a:solidFill>
-                          <a:effectLst/>
-                          <a:latin typeface="Arial" panose="020B0604020202020204" pitchFamily="34" charset="0"/>
-                        </a:rPr>
-                        <a:t>496,921</a:t>
-                      </a:r>
-                    </a:p>
-                  </a:txBody>
-                  <a:tcPr marL="9525" marR="9525" marT="9525" marB="0" anchor="b">
-                    <a:solidFill>
-                      <a:schemeClr val="bg1">
-                        <a:lumMod val="95000"/>
-                      </a:schemeClr>
-                    </a:solidFill>
-                  </a:tcPr>
-                </a:tc>
-              </a:tr>
-              <a:tr h="301753">
-                <a:tc>
-                  <a:txBody>
-                    <a:bodyPr/>
-                    <a:lstStyle/>
-                    <a:p>
-                      <a:pPr algn="ctr" fontAlgn="ctr"/>
-                      <a:r>
-                        <a:rPr lang="en-US" sz="2000" b="0" i="0" u="none" strike="noStrike" dirty="0">
-                          <a:solidFill>
-                            <a:srgbClr val="000000"/>
-                          </a:solidFill>
-                          <a:effectLst/>
-                          <a:latin typeface="Calibri" panose="020F0502020204030204" pitchFamily="34" charset="0"/>
-                          <a:cs typeface="Arial" panose="020B0604020202020204" pitchFamily="34" charset="0"/>
-                        </a:rPr>
-                        <a:t>5</a:t>
-                      </a:r>
-                      <a:endParaRPr lang="en-US" sz="2000" b="0" i="0" u="none" strike="noStrike" dirty="0">
-                        <a:solidFill>
-                          <a:srgbClr val="000000"/>
-                        </a:solidFill>
-                        <a:effectLst/>
-                        <a:latin typeface="Calibri" panose="020F0502020204030204" pitchFamily="34" charset="0"/>
-                        <a:cs typeface="Arial" panose="020B0604020202020204" pitchFamily="34" charset="0"/>
-                      </a:endParaRPr>
-                    </a:p>
-                  </a:txBody>
-                  <a:tcPr marL="9525" marR="9525" marT="9525" marB="0" anchor="ctr">
-                    <a:solidFill>
-                      <a:schemeClr val="bg1">
-                        <a:lumMod val="95000"/>
-                      </a:schemeClr>
-                    </a:solidFill>
-                  </a:tcPr>
-                </a:tc>
-                <a:tc>
-                  <a:txBody>
-                    <a:bodyPr/>
-                    <a:lstStyle/>
-                    <a:p>
-                      <a:pPr algn="l" fontAlgn="b"/>
-                      <a:r>
-                        <a:rPr lang="en-US" sz="2000" b="0" i="0" u="none" strike="noStrike">
-                          <a:solidFill>
-                            <a:srgbClr val="000000"/>
-                          </a:solidFill>
-                          <a:effectLst/>
-                          <a:latin typeface="Calibri" panose="020F0502020204030204" pitchFamily="34" charset="0"/>
-                        </a:rPr>
-                        <a:t>Bay_of_Bengal</a:t>
-                      </a:r>
-                    </a:p>
-                  </a:txBody>
-                  <a:tcPr marL="9525" marR="9525" marT="9525" marB="0" anchor="b">
-                    <a:solidFill>
-                      <a:schemeClr val="bg1">
-                        <a:lumMod val="95000"/>
-                      </a:schemeClr>
-                    </a:solidFill>
-                  </a:tcPr>
-                </a:tc>
-                <a:tc>
-                  <a:txBody>
-                    <a:bodyPr/>
-                    <a:lstStyle/>
-                    <a:p>
-                      <a:pPr algn="ctr" rtl="0" fontAlgn="b"/>
-                      <a:r>
-                        <a:rPr lang="en-US" sz="2000" b="0" i="0" u="none" strike="noStrike">
-                          <a:solidFill>
-                            <a:srgbClr val="000000"/>
-                          </a:solidFill>
-                          <a:effectLst/>
-                          <a:latin typeface="Arial" panose="020B0604020202020204" pitchFamily="34" charset="0"/>
-                        </a:rPr>
-                        <a:t>243,790</a:t>
-                      </a:r>
-                    </a:p>
-                  </a:txBody>
-                  <a:tcPr marL="9525" marR="9525" marT="9525" marB="0" anchor="b">
-                    <a:solidFill>
-                      <a:schemeClr val="bg1">
-                        <a:lumMod val="95000"/>
-                      </a:schemeClr>
-                    </a:solidFill>
-                  </a:tcPr>
-                </a:tc>
-              </a:tr>
-              <a:tr h="301753">
-                <a:tc>
-                  <a:txBody>
-                    <a:bodyPr/>
-                    <a:lstStyle/>
-                    <a:p>
-                      <a:pPr algn="ctr" fontAlgn="ctr"/>
-                      <a:r>
-                        <a:rPr lang="en-US" sz="2000" b="0" i="0" u="none" strike="noStrike" dirty="0">
-                          <a:solidFill>
-                            <a:srgbClr val="000000"/>
-                          </a:solidFill>
-                          <a:effectLst/>
-                          <a:latin typeface="Calibri" panose="020F0502020204030204" pitchFamily="34" charset="0"/>
-                          <a:cs typeface="Arial" panose="020B0604020202020204" pitchFamily="34" charset="0"/>
-                        </a:rPr>
-                        <a:t>6</a:t>
-                      </a:r>
-                      <a:endParaRPr lang="en-US" sz="2000" b="0" i="0" u="none" strike="noStrike" dirty="0">
-                        <a:solidFill>
-                          <a:srgbClr val="000000"/>
-                        </a:solidFill>
-                        <a:effectLst/>
-                        <a:latin typeface="Calibri" panose="020F0502020204030204" pitchFamily="34" charset="0"/>
-                        <a:cs typeface="Arial" panose="020B0604020202020204" pitchFamily="34" charset="0"/>
-                      </a:endParaRPr>
-                    </a:p>
-                  </a:txBody>
-                  <a:tcPr marL="9525" marR="9525" marT="9525" marB="0" anchor="ctr">
-                    <a:solidFill>
-                      <a:schemeClr val="bg1">
-                        <a:lumMod val="95000"/>
-                      </a:schemeClr>
-                    </a:solidFill>
-                  </a:tcPr>
-                </a:tc>
-                <a:tc>
-                  <a:txBody>
-                    <a:bodyPr/>
-                    <a:lstStyle/>
-                    <a:p>
-                      <a:pPr algn="l" fontAlgn="b"/>
-                      <a:r>
-                        <a:rPr lang="en-US" sz="2000" b="0" i="0" u="none" strike="noStrike" dirty="0">
-                          <a:solidFill>
-                            <a:srgbClr val="000000"/>
-                          </a:solidFill>
-                          <a:effectLst/>
-                          <a:latin typeface="Calibri" panose="020F0502020204030204" pitchFamily="34" charset="0"/>
-                        </a:rPr>
-                        <a:t>Recycling</a:t>
-                      </a:r>
-                    </a:p>
-                  </a:txBody>
-                  <a:tcPr marL="9525" marR="9525" marT="9525" marB="0" anchor="b">
-                    <a:solidFill>
-                      <a:schemeClr val="bg1">
-                        <a:lumMod val="95000"/>
-                      </a:schemeClr>
-                    </a:solidFill>
-                  </a:tcPr>
-                </a:tc>
-                <a:tc>
-                  <a:txBody>
-                    <a:bodyPr/>
-                    <a:lstStyle/>
-                    <a:p>
-                      <a:pPr algn="ctr" rtl="0" fontAlgn="b"/>
-                      <a:r>
-                        <a:rPr lang="en-US" sz="2000" b="0" i="0" u="none" strike="noStrike">
-                          <a:solidFill>
-                            <a:srgbClr val="000000"/>
-                          </a:solidFill>
-                          <a:effectLst/>
-                          <a:latin typeface="Arial" panose="020B0604020202020204" pitchFamily="34" charset="0"/>
-                        </a:rPr>
-                        <a:t>177,379</a:t>
-                      </a:r>
-                    </a:p>
-                  </a:txBody>
-                  <a:tcPr marL="9525" marR="9525" marT="9525" marB="0" anchor="b">
-                    <a:solidFill>
-                      <a:schemeClr val="bg1">
-                        <a:lumMod val="95000"/>
-                      </a:schemeClr>
-                    </a:solidFill>
-                  </a:tcPr>
-                </a:tc>
-              </a:tr>
-              <a:tr h="301753">
-                <a:tc>
-                  <a:txBody>
-                    <a:bodyPr/>
-                    <a:lstStyle/>
-                    <a:p>
-                      <a:pPr algn="ctr" fontAlgn="ctr"/>
-                      <a:r>
-                        <a:rPr lang="en-US" sz="2000" b="0" i="0" u="none" strike="noStrike" dirty="0">
-                          <a:solidFill>
-                            <a:srgbClr val="000000"/>
-                          </a:solidFill>
-                          <a:effectLst/>
-                          <a:latin typeface="Calibri" panose="020F0502020204030204" pitchFamily="34" charset="0"/>
-                          <a:cs typeface="Arial" panose="020B0604020202020204" pitchFamily="34" charset="0"/>
-                        </a:rPr>
-                        <a:t>7</a:t>
-                      </a:r>
-                      <a:endParaRPr lang="en-US" sz="2000" b="0" i="0" u="none" strike="noStrike" dirty="0">
-                        <a:solidFill>
-                          <a:srgbClr val="000000"/>
-                        </a:solidFill>
-                        <a:effectLst/>
-                        <a:latin typeface="Calibri" panose="020F0502020204030204" pitchFamily="34" charset="0"/>
-                        <a:cs typeface="Arial" panose="020B0604020202020204" pitchFamily="34" charset="0"/>
-                      </a:endParaRPr>
-                    </a:p>
-                  </a:txBody>
-                  <a:tcPr marL="9525" marR="9525" marT="9525" marB="0" anchor="ctr">
-                    <a:solidFill>
-                      <a:schemeClr val="bg1">
-                        <a:lumMod val="95000"/>
-                      </a:schemeClr>
-                    </a:solidFill>
-                  </a:tcPr>
-                </a:tc>
-                <a:tc>
-                  <a:txBody>
-                    <a:bodyPr/>
-                    <a:lstStyle/>
-                    <a:p>
-                      <a:pPr algn="l" fontAlgn="b"/>
-                      <a:r>
-                        <a:rPr lang="en-US" sz="2000" b="0" i="0" u="none" strike="noStrike" dirty="0">
-                          <a:solidFill>
-                            <a:srgbClr val="000000"/>
-                          </a:solidFill>
-                          <a:effectLst/>
-                          <a:latin typeface="Calibri" panose="020F0502020204030204" pitchFamily="34" charset="0"/>
-                        </a:rPr>
-                        <a:t>Irukandji_jellyfish</a:t>
-                      </a:r>
-                    </a:p>
-                  </a:txBody>
-                  <a:tcPr marL="9525" marR="9525" marT="9525" marB="0" anchor="b">
-                    <a:solidFill>
-                      <a:schemeClr val="bg1">
-                        <a:lumMod val="95000"/>
-                      </a:schemeClr>
-                    </a:solidFill>
-                  </a:tcPr>
-                </a:tc>
-                <a:tc>
-                  <a:txBody>
-                    <a:bodyPr/>
-                    <a:lstStyle/>
-                    <a:p>
-                      <a:pPr algn="ctr" rtl="0" fontAlgn="b"/>
-                      <a:r>
-                        <a:rPr lang="en-US" sz="2000" b="0" i="0" u="none" strike="noStrike">
-                          <a:solidFill>
-                            <a:srgbClr val="000000"/>
-                          </a:solidFill>
-                          <a:effectLst/>
-                          <a:latin typeface="Arial" panose="020B0604020202020204" pitchFamily="34" charset="0"/>
-                        </a:rPr>
-                        <a:t>156,370</a:t>
-                      </a:r>
-                    </a:p>
-                  </a:txBody>
-                  <a:tcPr marL="9525" marR="9525" marT="9525" marB="0" anchor="b">
-                    <a:solidFill>
-                      <a:schemeClr val="bg1">
-                        <a:lumMod val="95000"/>
-                      </a:schemeClr>
-                    </a:solidFill>
-                  </a:tcPr>
-                </a:tc>
-              </a:tr>
-              <a:tr h="301753">
-                <a:tc>
-                  <a:txBody>
-                    <a:bodyPr/>
-                    <a:lstStyle/>
-                    <a:p>
-                      <a:pPr algn="ctr" fontAlgn="ctr"/>
-                      <a:r>
-                        <a:rPr lang="en-US" sz="2000" b="0" i="0" u="none" strike="noStrike" dirty="0">
-                          <a:solidFill>
-                            <a:srgbClr val="000000"/>
-                          </a:solidFill>
-                          <a:effectLst/>
-                          <a:latin typeface="Calibri" panose="020F0502020204030204" pitchFamily="34" charset="0"/>
-                          <a:cs typeface="Arial" panose="020B0604020202020204" pitchFamily="34" charset="0"/>
-                        </a:rPr>
-                        <a:t>8</a:t>
-                      </a:r>
-                      <a:endParaRPr lang="en-US" sz="2000" b="0" i="0" u="none" strike="noStrike" dirty="0">
-                        <a:solidFill>
-                          <a:srgbClr val="000000"/>
-                        </a:solidFill>
-                        <a:effectLst/>
-                        <a:latin typeface="Calibri" panose="020F0502020204030204" pitchFamily="34" charset="0"/>
-                        <a:cs typeface="Arial" panose="020B0604020202020204" pitchFamily="34" charset="0"/>
-                      </a:endParaRPr>
-                    </a:p>
-                  </a:txBody>
-                  <a:tcPr marL="9525" marR="9525" marT="9525" marB="0" anchor="ctr">
-                    <a:solidFill>
-                      <a:schemeClr val="bg1">
-                        <a:lumMod val="95000"/>
-                      </a:schemeClr>
-                    </a:solidFill>
-                  </a:tcPr>
-                </a:tc>
-                <a:tc>
-                  <a:txBody>
-                    <a:bodyPr/>
-                    <a:lstStyle/>
-                    <a:p>
-                      <a:pPr algn="l" fontAlgn="b"/>
-                      <a:r>
-                        <a:rPr lang="en-US" sz="2000" b="0" i="0" u="none" strike="noStrike" dirty="0">
-                          <a:solidFill>
-                            <a:srgbClr val="000000"/>
-                          </a:solidFill>
-                          <a:effectLst/>
-                          <a:latin typeface="Calibri" panose="020F0502020204030204" pitchFamily="34" charset="0"/>
-                        </a:rPr>
-                        <a:t>Avengers:_Age_of_Ultron</a:t>
-                      </a:r>
-                    </a:p>
-                  </a:txBody>
-                  <a:tcPr marL="9525" marR="9525" marT="9525" marB="0" anchor="b">
-                    <a:solidFill>
-                      <a:schemeClr val="bg1">
-                        <a:lumMod val="95000"/>
-                      </a:schemeClr>
-                    </a:solidFill>
-                  </a:tcPr>
-                </a:tc>
-                <a:tc>
-                  <a:txBody>
-                    <a:bodyPr/>
-                    <a:lstStyle/>
-                    <a:p>
-                      <a:pPr algn="ctr" rtl="0" fontAlgn="b"/>
-                      <a:r>
-                        <a:rPr lang="en-US" sz="2000" b="0" i="0" u="none" strike="noStrike">
-                          <a:solidFill>
-                            <a:srgbClr val="000000"/>
-                          </a:solidFill>
-                          <a:effectLst/>
-                          <a:latin typeface="Arial" panose="020B0604020202020204" pitchFamily="34" charset="0"/>
-                        </a:rPr>
-                        <a:t>130,892</a:t>
-                      </a:r>
-                    </a:p>
-                  </a:txBody>
-                  <a:tcPr marL="9525" marR="9525" marT="9525" marB="0" anchor="b">
-                    <a:solidFill>
-                      <a:schemeClr val="bg1">
-                        <a:lumMod val="95000"/>
-                      </a:schemeClr>
-                    </a:solidFill>
-                  </a:tcPr>
-                </a:tc>
-              </a:tr>
-              <a:tr h="301753">
-                <a:tc>
-                  <a:txBody>
-                    <a:bodyPr/>
-                    <a:lstStyle/>
-                    <a:p>
-                      <a:pPr algn="ctr" fontAlgn="ctr"/>
-                      <a:r>
-                        <a:rPr lang="en-US" sz="2000" b="0" i="0" u="none" strike="noStrike" dirty="0" smtClean="0">
-                          <a:solidFill>
-                            <a:srgbClr val="000000"/>
-                          </a:solidFill>
-                          <a:effectLst/>
-                          <a:latin typeface="Calibri" panose="020F0502020204030204" pitchFamily="34" charset="0"/>
-                          <a:cs typeface="Arial" panose="020B0604020202020204" pitchFamily="34" charset="0"/>
-                        </a:rPr>
-                        <a:t>9</a:t>
-                      </a:r>
-                      <a:endParaRPr lang="en-US" sz="2000" b="0" i="0" u="none" strike="noStrike" dirty="0">
-                        <a:solidFill>
-                          <a:srgbClr val="000000"/>
-                        </a:solidFill>
-                        <a:effectLst/>
-                        <a:latin typeface="Calibri" panose="020F0502020204030204" pitchFamily="34" charset="0"/>
-                        <a:cs typeface="Arial" panose="020B0604020202020204" pitchFamily="34" charset="0"/>
-                      </a:endParaRPr>
-                    </a:p>
-                  </a:txBody>
-                  <a:tcPr marL="9525" marR="9525" marT="9525" marB="0" anchor="ctr">
-                    <a:solidFill>
-                      <a:schemeClr val="bg1">
-                        <a:lumMod val="95000"/>
-                      </a:schemeClr>
-                    </a:solidFill>
-                  </a:tcPr>
-                </a:tc>
-                <a:tc>
-                  <a:txBody>
-                    <a:bodyPr/>
-                    <a:lstStyle/>
-                    <a:p>
-                      <a:pPr algn="l" fontAlgn="b"/>
-                      <a:r>
-                        <a:rPr lang="en-US" sz="2000" b="0" i="0" u="none" strike="noStrike" dirty="0">
-                          <a:solidFill>
-                            <a:srgbClr val="000000"/>
-                          </a:solidFill>
-                          <a:effectLst/>
-                          <a:latin typeface="Calibri" panose="020F0502020204030204" pitchFamily="34" charset="0"/>
-                        </a:rPr>
-                        <a:t>Futurama</a:t>
-                      </a:r>
-                    </a:p>
-                  </a:txBody>
-                  <a:tcPr marL="9525" marR="9525" marT="9525" marB="0" anchor="b">
-                    <a:solidFill>
-                      <a:schemeClr val="bg1">
-                        <a:lumMod val="95000"/>
-                      </a:schemeClr>
-                    </a:solidFill>
-                  </a:tcPr>
-                </a:tc>
-                <a:tc>
-                  <a:txBody>
-                    <a:bodyPr/>
-                    <a:lstStyle/>
-                    <a:p>
-                      <a:pPr algn="ctr" rtl="0" fontAlgn="b"/>
-                      <a:r>
-                        <a:rPr lang="en-US" sz="2000" b="0" i="0" u="none" strike="noStrike">
-                          <a:solidFill>
-                            <a:srgbClr val="000000"/>
-                          </a:solidFill>
-                          <a:effectLst/>
-                          <a:latin typeface="Arial" panose="020B0604020202020204" pitchFamily="34" charset="0"/>
-                        </a:rPr>
-                        <a:t>130,039</a:t>
-                      </a:r>
-                    </a:p>
-                  </a:txBody>
-                  <a:tcPr marL="9525" marR="9525" marT="9525" marB="0" anchor="b">
-                    <a:solidFill>
-                      <a:schemeClr val="bg1">
-                        <a:lumMod val="95000"/>
-                      </a:schemeClr>
-                    </a:solidFill>
-                  </a:tcPr>
-                </a:tc>
-              </a:tr>
-              <a:tr h="301753">
-                <a:tc>
-                  <a:txBody>
-                    <a:bodyPr/>
-                    <a:lstStyle/>
-                    <a:p>
-                      <a:pPr algn="ctr" fontAlgn="ctr"/>
-                      <a:r>
-                        <a:rPr lang="en-US" sz="2000" b="0" i="0" u="none" strike="noStrike" dirty="0" smtClean="0">
-                          <a:solidFill>
-                            <a:srgbClr val="000000"/>
-                          </a:solidFill>
-                          <a:effectLst/>
-                          <a:latin typeface="Calibri" panose="020F0502020204030204" pitchFamily="34" charset="0"/>
-                          <a:cs typeface="Arial" panose="020B0604020202020204" pitchFamily="34" charset="0"/>
-                        </a:rPr>
-                        <a:t>10</a:t>
-                      </a:r>
-                      <a:endParaRPr lang="en-US" sz="2000" b="0" i="0" u="none" strike="noStrike" dirty="0">
-                        <a:solidFill>
-                          <a:srgbClr val="000000"/>
-                        </a:solidFill>
-                        <a:effectLst/>
-                        <a:latin typeface="Calibri" panose="020F0502020204030204" pitchFamily="34" charset="0"/>
-                        <a:cs typeface="Arial" panose="020B0604020202020204" pitchFamily="34" charset="0"/>
-                      </a:endParaRPr>
-                    </a:p>
-                  </a:txBody>
-                  <a:tcPr marL="9525" marR="9525" marT="9525" marB="0" anchor="ctr">
-                    <a:solidFill>
-                      <a:schemeClr val="bg1">
-                        <a:lumMod val="95000"/>
-                      </a:schemeClr>
-                    </a:solidFill>
-                  </a:tcPr>
-                </a:tc>
-                <a:tc>
-                  <a:txBody>
-                    <a:bodyPr/>
-                    <a:lstStyle/>
-                    <a:p>
-                      <a:pPr algn="l" fontAlgn="b"/>
-                      <a:r>
-                        <a:rPr lang="en-US" sz="2000" b="0" i="0" u="none" strike="noStrike" dirty="0">
-                          <a:solidFill>
-                            <a:srgbClr val="000000"/>
-                          </a:solidFill>
-                          <a:effectLst/>
-                          <a:latin typeface="Calibri" panose="020F0502020204030204" pitchFamily="34" charset="0"/>
-                        </a:rPr>
-                        <a:t>Depictions_of_Muhammad</a:t>
-                      </a:r>
-                    </a:p>
-                  </a:txBody>
-                  <a:tcPr marL="9525" marR="9525" marT="9525" marB="0" anchor="b">
-                    <a:solidFill>
-                      <a:schemeClr val="bg1">
-                        <a:lumMod val="95000"/>
-                      </a:schemeClr>
-                    </a:solidFill>
-                  </a:tcPr>
-                </a:tc>
-                <a:tc>
-                  <a:txBody>
-                    <a:bodyPr/>
-                    <a:lstStyle/>
-                    <a:p>
-                      <a:pPr algn="ctr" rtl="0" fontAlgn="b"/>
-                      <a:r>
-                        <a:rPr lang="en-US" sz="2000" b="0" i="0" u="none" strike="noStrike" dirty="0">
-                          <a:solidFill>
-                            <a:srgbClr val="000000"/>
-                          </a:solidFill>
-                          <a:effectLst/>
-                          <a:latin typeface="Arial" panose="020B0604020202020204" pitchFamily="34" charset="0"/>
-                        </a:rPr>
-                        <a:t>129,012</a:t>
-                      </a:r>
-                    </a:p>
-                  </a:txBody>
-                  <a:tcPr marL="9525" marR="9525" marT="9525" marB="0" anchor="b">
-                    <a:solidFill>
-                      <a:schemeClr val="bg1">
-                        <a:lumMod val="95000"/>
-                      </a:schemeClr>
-                    </a:solidFill>
-                  </a:tcPr>
-                </a:tc>
-              </a:tr>
-            </a:tbl>
-          </a:graphicData>
-        </a:graphic>
-      </p:graphicFrame>
+      <p:pic>
+        <p:nvPicPr>
+          <p:cNvPr id="3" name="Picture 2"/>
+          <p:cNvPicPr>
+            <a:picLocks noChangeAspect="1"/>
+          </p:cNvPicPr>
+          <p:nvPr/>
+        </p:nvPicPr>
+        <p:blipFill>
+          <a:blip r:embed="rId2"/>
+          <a:stretch>
+            <a:fillRect/>
+          </a:stretch>
+        </p:blipFill>
+        <p:spPr>
+          <a:xfrm>
+            <a:off x="1656830" y="1276350"/>
+            <a:ext cx="5667375" cy="4667250"/>
+          </a:xfrm>
+          <a:prstGeom prst="rect">
+            <a:avLst/>
+          </a:prstGeom>
+        </p:spPr>
+      </p:pic>
     </p:spTree>
     <p:extLst>
       <p:ext uri="{BB962C8B-B14F-4D97-AF65-F5344CB8AC3E}">
-        <p14:creationId xmlns:p14="http://schemas.microsoft.com/office/powerpoint/2010/main" val="2279213803"/>
+        <p14:creationId xmlns:p14="http://schemas.microsoft.com/office/powerpoint/2010/main" val="3155077724"/>
       </p:ext>
     </p:extLst>
   </p:cSld>
@@ -19583,19 +18639,7 @@
             </a:pPr>
             <a:r>
               <a:rPr lang="en-US" dirty="0" smtClean="0"/>
-              <a:t>Number of records </a:t>
-            </a:r>
-            <a:r>
-              <a:rPr lang="en-US" dirty="0" smtClean="0"/>
-              <a:t>in one </a:t>
-            </a:r>
-            <a:r>
-              <a:rPr lang="en-US" dirty="0" smtClean="0"/>
-              <a:t>month </a:t>
-            </a:r>
-            <a:r>
-              <a:rPr lang="en-US" dirty="0" smtClean="0"/>
-              <a:t>  </a:t>
+              <a:t>Number of records in one month   </a:t>
             </a:r>
             <a:r>
               <a:rPr lang="en-US" dirty="0"/>
